--- a/challenge#3/Challenge3_Group4.pptx
+++ b/challenge#3/Challenge3_Group4.pptx
@@ -5,15 +5,14 @@
     <p:sldMasterId id="2147483660" r:id="rId1"/>
   </p:sldMasterIdLst>
   <p:notesMasterIdLst>
-    <p:notesMasterId r:id="rId8"/>
+    <p:notesMasterId r:id="rId7"/>
   </p:notesMasterIdLst>
   <p:sldIdLst>
     <p:sldId id="256" r:id="rId2"/>
     <p:sldId id="265" r:id="rId3"/>
-    <p:sldId id="267" r:id="rId4"/>
-    <p:sldId id="269" r:id="rId5"/>
-    <p:sldId id="268" r:id="rId6"/>
-    <p:sldId id="263" r:id="rId7"/>
+    <p:sldId id="269" r:id="rId4"/>
+    <p:sldId id="268" r:id="rId5"/>
+    <p:sldId id="263" r:id="rId6"/>
   </p:sldIdLst>
   <p:sldSz cx="9144000" cy="6858000" type="screen4x3"/>
   <p:notesSz cx="6858000" cy="9144000"/>
@@ -114,7 +113,7 @@
   </p:defaultTextStyle>
   <p:extLst>
     <p:ext uri="{EFAFB233-063F-42B5-8137-9DF3F51BA10A}">
-      <p15:sldGuideLst xmlns="" xmlns:p15="http://schemas.microsoft.com/office/powerpoint/2012/main">
+      <p15:sldGuideLst xmlns:p15="http://schemas.microsoft.com/office/powerpoint/2012/main">
         <p15:guide id="1" orient="horz" pos="2160">
           <p15:clr>
             <a:srgbClr val="A4A3A4"/>
@@ -383,7 +382,7 @@
     </p:spTree>
     <p:extLst>
       <p:ext uri="{BB962C8B-B14F-4D97-AF65-F5344CB8AC3E}">
-        <p14:creationId xmlns="" xmlns:p14="http://schemas.microsoft.com/office/powerpoint/2010/main" val="3319504501"/>
+        <p14:creationId xmlns:p14="http://schemas.microsoft.com/office/powerpoint/2010/main" val="3319504501"/>
       </p:ext>
     </p:extLst>
   </p:cSld>
@@ -5971,6 +5970,61 @@
           <a:lstStyle/>
           <a:p>
             <a:r>
+              <a:rPr lang="en-US" sz="2800" b="1" dirty="0" smtClean="0">
+                <a:effectLst>
+                  <a:outerShdw blurRad="38100" dist="38100" dir="2700000" algn="tl">
+                    <a:srgbClr val="000000">
+                      <a:alpha val="43137"/>
+                    </a:srgbClr>
+                  </a:outerShdw>
+                </a:effectLst>
+              </a:rPr>
+              <a:t>Challenge 3</a:t>
+            </a:r>
+            <a:r>
+              <a:rPr lang="en-US" sz="2800" b="1" dirty="0" smtClean="0">
+                <a:effectLst>
+                  <a:outerShdw blurRad="38100" dist="38100" dir="2700000" algn="tl">
+                    <a:srgbClr val="000000">
+                      <a:alpha val="43137"/>
+                    </a:srgbClr>
+                  </a:outerShdw>
+                </a:effectLst>
+              </a:rPr>
+              <a:t>: </a:t>
+            </a:r>
+            <a:r>
+              <a:rPr lang="en-IN" sz="2800" b="1" dirty="0" smtClean="0"/>
+              <a:t>Remote </a:t>
+            </a:r>
+            <a:r>
+              <a:rPr lang="en-IN" sz="2800" b="1" dirty="0" smtClean="0"/>
+              <a:t>Access </a:t>
+            </a:r>
+            <a:r>
+              <a:rPr lang="en-IN" sz="2800" b="1" dirty="0" smtClean="0"/>
+              <a:t>to </a:t>
+            </a:r>
+            <a:r>
+              <a:rPr lang="en-IN" sz="2800" b="1" dirty="0" smtClean="0"/>
+              <a:t>a </a:t>
+            </a:r>
+            <a:r>
+              <a:rPr lang="en-IN" sz="2800" b="1" dirty="0" smtClean="0"/>
+              <a:t/>
+            </a:r>
+            <a:br>
+              <a:rPr lang="en-IN" sz="2800" b="1" dirty="0" smtClean="0"/>
+            </a:br>
+            <a:r>
+              <a:rPr lang="en-IN" sz="2800" b="1" dirty="0" smtClean="0"/>
+              <a:t>Wireless </a:t>
+            </a:r>
+            <a:r>
+              <a:rPr lang="en-IN" sz="2800" b="1" dirty="0" smtClean="0"/>
+              <a:t>Sensor Network</a:t>
+            </a:r>
+            <a:r>
               <a:rPr lang="en-US" sz="3200" b="1" dirty="0" smtClean="0">
                 <a:effectLst>
                   <a:outerShdw blurRad="38100" dist="38100" dir="2700000" algn="tl">
@@ -5980,54 +6034,10 @@
                   </a:outerShdw>
                 </a:effectLst>
               </a:rPr>
-              <a:t>Challenge </a:t>
-            </a:r>
-            <a:r>
+              <a:t/>
+            </a:r>
+            <a:br>
               <a:rPr lang="en-US" sz="3200" b="1" dirty="0" smtClean="0">
-                <a:effectLst>
-                  <a:outerShdw blurRad="38100" dist="38100" dir="2700000" algn="tl">
-                    <a:srgbClr val="000000">
-                      <a:alpha val="43137"/>
-                    </a:srgbClr>
-                  </a:outerShdw>
-                </a:effectLst>
-              </a:rPr>
-              <a:t>3</a:t>
-            </a:r>
-            <a:r>
-              <a:rPr lang="en-US" sz="3200" b="1" dirty="0" smtClean="0">
-                <a:effectLst>
-                  <a:outerShdw blurRad="38100" dist="38100" dir="2700000" algn="tl">
-                    <a:srgbClr val="000000">
-                      <a:alpha val="43137"/>
-                    </a:srgbClr>
-                  </a:outerShdw>
-                </a:effectLst>
-              </a:rPr>
-              <a:t>:</a:t>
-            </a:r>
-            <a:r>
-              <a:rPr lang="en-IN" sz="3600" b="1" dirty="0" smtClean="0"/>
-              <a:t>Remote </a:t>
-            </a:r>
-            <a:r>
-              <a:rPr lang="en-IN" sz="3600" b="1" dirty="0" smtClean="0"/>
-              <a:t>Access to a Wireless Sensor Network</a:t>
-            </a:r>
-            <a:r>
-              <a:rPr lang="en-US" sz="3600" b="1" dirty="0" smtClean="0">
-                <a:effectLst>
-                  <a:outerShdw blurRad="38100" dist="38100" dir="2700000" algn="tl">
-                    <a:srgbClr val="000000">
-                      <a:alpha val="43137"/>
-                    </a:srgbClr>
-                  </a:outerShdw>
-                </a:effectLst>
-              </a:rPr>
-              <a:t/>
-            </a:r>
-            <a:br>
-              <a:rPr lang="en-US" sz="3600" b="1" dirty="0" smtClean="0">
                 <a:effectLst>
                   <a:outerShdw blurRad="38100" dist="38100" dir="2700000" algn="tl">
                     <a:srgbClr val="000000">
@@ -6218,7 +6228,7 @@
     </p:spTree>
     <p:extLst>
       <p:ext uri="{BB962C8B-B14F-4D97-AF65-F5344CB8AC3E}">
-        <p14:creationId xmlns="" xmlns:p14="http://schemas.microsoft.com/office/powerpoint/2010/main" val="714827593"/>
+        <p14:creationId xmlns:p14="http://schemas.microsoft.com/office/powerpoint/2010/main" val="714827593"/>
       </p:ext>
     </p:extLst>
   </p:cSld>
@@ -6260,7 +6270,7 @@
         </p:nvSpPr>
         <p:spPr>
           <a:xfrm>
-            <a:off x="6716562" y="3490013"/>
+            <a:off x="6764072" y="3820254"/>
             <a:ext cx="1203402" cy="733409"/>
           </a:xfrm>
           <a:prstGeom prst="rect">
@@ -6300,7 +6310,7 @@
         </p:nvCxnSpPr>
         <p:spPr>
           <a:xfrm flipH="1">
-            <a:off x="2542307" y="5934743"/>
+            <a:off x="2682673" y="5940173"/>
             <a:ext cx="1651562" cy="0"/>
           </a:xfrm>
           <a:prstGeom prst="straightConnector1">
@@ -6311,46 +6321,13 @@
           </a:ln>
         </p:spPr>
         <p:style>
-          <a:lnRef idx="1">
+          <a:lnRef idx="2">
             <a:schemeClr val="accent2"/>
           </a:lnRef>
           <a:fillRef idx="0">
             <a:schemeClr val="accent2"/>
           </a:fillRef>
-          <a:effectRef idx="0">
-            <a:schemeClr val="accent2"/>
-          </a:effectRef>
-          <a:fontRef idx="minor">
-            <a:schemeClr val="tx1"/>
-          </a:fontRef>
-        </p:style>
-      </p:cxnSp>
-      <p:cxnSp>
-        <p:nvCxnSpPr>
-          <p:cNvPr id="12" name="Straight Arrow Connector 11"/>
-          <p:cNvCxnSpPr/>
-          <p:nvPr/>
-        </p:nvCxnSpPr>
-        <p:spPr>
-          <a:xfrm>
-            <a:off x="6446350" y="2984800"/>
-            <a:ext cx="466113" cy="438512"/>
-          </a:xfrm>
-          <a:prstGeom prst="straightConnector1">
-            <a:avLst/>
-          </a:prstGeom>
-          <a:ln>
-            <a:tailEnd type="arrow"/>
-          </a:ln>
-        </p:spPr>
-        <p:style>
-          <a:lnRef idx="1">
-            <a:schemeClr val="accent2"/>
-          </a:lnRef>
-          <a:fillRef idx="0">
-            <a:schemeClr val="accent2"/>
-          </a:fillRef>
-          <a:effectRef idx="0">
+          <a:effectRef idx="1">
             <a:schemeClr val="accent2"/>
           </a:effectRef>
           <a:fontRef idx="minor">
@@ -6377,13 +6354,13 @@
           </a:ln>
         </p:spPr>
         <p:style>
-          <a:lnRef idx="1">
+          <a:lnRef idx="2">
             <a:schemeClr val="accent2"/>
           </a:lnRef>
           <a:fillRef idx="0">
             <a:schemeClr val="accent2"/>
           </a:fillRef>
-          <a:effectRef idx="0">
+          <a:effectRef idx="1">
             <a:schemeClr val="accent2"/>
           </a:effectRef>
           <a:fontRef idx="minor">
@@ -6399,7 +6376,7 @@
         </p:nvCxnSpPr>
         <p:spPr>
           <a:xfrm flipH="1">
-            <a:off x="5962547" y="5317476"/>
+            <a:off x="5637702" y="5331117"/>
             <a:ext cx="313879" cy="364021"/>
           </a:xfrm>
           <a:prstGeom prst="straightConnector1">
@@ -6410,13 +6387,13 @@
           </a:ln>
         </p:spPr>
         <p:style>
-          <a:lnRef idx="1">
+          <a:lnRef idx="2">
             <a:schemeClr val="accent2"/>
           </a:lnRef>
           <a:fillRef idx="0">
             <a:schemeClr val="accent2"/>
           </a:fillRef>
-          <a:effectRef idx="0">
+          <a:effectRef idx="1">
             <a:schemeClr val="accent2"/>
           </a:effectRef>
           <a:fontRef idx="minor">
@@ -6434,7 +6411,7 @@
         </p:nvSpPr>
         <p:spPr>
           <a:xfrm>
-            <a:off x="679448" y="553011"/>
+            <a:off x="450845" y="553011"/>
             <a:ext cx="7583488" cy="721598"/>
           </a:xfrm>
           <a:prstGeom prst="rect">
@@ -6443,7 +6420,7 @@
         </p:spPr>
         <p:txBody>
           <a:bodyPr>
-            <a:normAutofit/>
+            <a:normAutofit fontScale="85000" lnSpcReduction="10000"/>
           </a:bodyPr>
           <a:lstStyle/>
           <a:p>
@@ -6475,16 +6452,74 @@
                     <a:lumOff val="10000"/>
                   </a:schemeClr>
                 </a:solidFill>
-                <a:effectLst/>
+                <a:effectLst>
+                  <a:outerShdw blurRad="38100" dist="38100" dir="2700000" algn="tl">
+                    <a:srgbClr val="000000">
+                      <a:alpha val="43137"/>
+                    </a:srgbClr>
+                  </a:outerShdw>
+                </a:effectLst>
                 <a:uLnTx/>
                 <a:uFillTx/>
                 <a:latin typeface="+mj-lt"/>
                 <a:ea typeface="+mj-ea"/>
                 <a:cs typeface="+mj-cs"/>
               </a:rPr>
-              <a:t>Solution Architecture</a:t>
-            </a:r>
-            <a:endParaRPr kumimoji="0" lang="en-US" sz="4000" b="1" i="0" u="none" strike="noStrike" kern="1200" cap="none" spc="0" normalizeH="0" baseline="0" noProof="0" dirty="0">
+              <a:t>Solution </a:t>
+            </a:r>
+            <a:r>
+              <a:rPr kumimoji="0" lang="en-US" sz="4000" b="1" i="0" u="none" strike="noStrike" kern="1200" cap="none" spc="0" normalizeH="0" baseline="0" noProof="0" dirty="0" smtClean="0">
+                <a:ln>
+                  <a:noFill/>
+                </a:ln>
+                <a:solidFill>
+                  <a:schemeClr val="tx1">
+                    <a:lumMod val="90000"/>
+                    <a:lumOff val="10000"/>
+                  </a:schemeClr>
+                </a:solidFill>
+                <a:effectLst>
+                  <a:outerShdw blurRad="38100" dist="38100" dir="2700000" algn="tl">
+                    <a:srgbClr val="000000">
+                      <a:alpha val="43137"/>
+                    </a:srgbClr>
+                  </a:outerShdw>
+                </a:effectLst>
+                <a:uLnTx/>
+                <a:uFillTx/>
+                <a:latin typeface="+mj-lt"/>
+                <a:ea typeface="+mj-ea"/>
+                <a:cs typeface="+mj-cs"/>
+              </a:rPr>
+              <a:t>Architecture – External</a:t>
+            </a:r>
+            <a:r>
+              <a:rPr kumimoji="0" lang="en-US" sz="4000" b="1" i="0" u="none" strike="noStrike" kern="1200" cap="none" spc="0" normalizeH="0" noProof="0" dirty="0" smtClean="0">
+                <a:ln>
+                  <a:noFill/>
+                </a:ln>
+                <a:solidFill>
+                  <a:schemeClr val="tx1">
+                    <a:lumMod val="90000"/>
+                    <a:lumOff val="10000"/>
+                  </a:schemeClr>
+                </a:solidFill>
+                <a:effectLst>
+                  <a:outerShdw blurRad="38100" dist="38100" dir="2700000" algn="tl">
+                    <a:srgbClr val="000000">
+                      <a:alpha val="43137"/>
+                    </a:srgbClr>
+                  </a:outerShdw>
+                </a:effectLst>
+                <a:uLnTx/>
+                <a:uFillTx/>
+                <a:latin typeface="+mj-lt"/>
+                <a:ea typeface="+mj-ea"/>
+                <a:cs typeface="+mj-cs"/>
+              </a:rPr>
+              <a:t> Access</a:t>
+            </a:r>
+            <a:endParaRPr kumimoji="0" lang="en-US" sz="3300" i="0" u="none" strike="noStrike" kern="1200" cap="none" spc="0" normalizeH="0" baseline="0" noProof="0" dirty="0">
               <a:ln>
                 <a:noFill/>
               </a:ln>
@@ -6521,8 +6556,8 @@
         </p:blipFill>
         <p:spPr bwMode="auto">
           <a:xfrm>
-            <a:off x="679448" y="4994311"/>
-            <a:ext cx="1093934" cy="1360098"/>
+            <a:off x="679447" y="4994311"/>
+            <a:ext cx="1541128" cy="1360098"/>
           </a:xfrm>
           <a:prstGeom prst="rect">
             <a:avLst/>
@@ -6573,7 +6608,7 @@
         </p:blipFill>
         <p:spPr bwMode="auto">
           <a:xfrm>
-            <a:off x="7765650" y="4784803"/>
+            <a:off x="7665634" y="4841955"/>
             <a:ext cx="994571" cy="1342346"/>
           </a:xfrm>
           <a:prstGeom prst="rect">
@@ -6590,8 +6625,8 @@
         </p:nvSpPr>
         <p:spPr>
           <a:xfrm>
-            <a:off x="1287092" y="1745857"/>
-            <a:ext cx="1658908" cy="923330"/>
+            <a:off x="1074494" y="2333325"/>
+            <a:ext cx="2084757" cy="638636"/>
           </a:xfrm>
           <a:prstGeom prst="rect">
             <a:avLst/>
@@ -6604,11 +6639,23 @@
           </a:bodyPr>
           <a:lstStyle/>
           <a:p>
+            <a:pPr algn="ctr"/>
             <a:r>
               <a:rPr lang="en-IN" dirty="0" smtClean="0"/>
-              <a:t> EC544d.ddns.net:8080</a:t>
-            </a:r>
-            <a:endParaRPr lang="en-IN" dirty="0"/>
+              <a:t> </a:t>
+            </a:r>
+            <a:r>
+              <a:rPr lang="en-IN" sz="1750" dirty="0" smtClean="0"/>
+              <a:t>EC544d.ddns.net:</a:t>
+            </a:r>
+          </a:p>
+          <a:p>
+            <a:pPr algn="ctr"/>
+            <a:r>
+              <a:rPr lang="en-IN" sz="1750" dirty="0" smtClean="0"/>
+              <a:t>8080</a:t>
+            </a:r>
+            <a:endParaRPr lang="en-IN" sz="1750" dirty="0"/>
           </a:p>
         </p:txBody>
       </p:sp>
@@ -6620,8 +6667,8 @@
         </p:nvSpPr>
         <p:spPr>
           <a:xfrm>
-            <a:off x="6716562" y="3566038"/>
-            <a:ext cx="1203402" cy="646331"/>
+            <a:off x="6730212" y="3769217"/>
+            <a:ext cx="1203402" cy="707886"/>
           </a:xfrm>
           <a:prstGeom prst="rect">
             <a:avLst/>
@@ -6634,11 +6681,12 @@
           </a:bodyPr>
           <a:lstStyle/>
           <a:p>
-            <a:r>
-              <a:rPr lang="en-IN" b="1" dirty="0" smtClean="0"/>
+            <a:pPr algn="ctr"/>
+            <a:r>
+              <a:rPr lang="en-IN" sz="2000" b="1" dirty="0" smtClean="0"/>
               <a:t>SERVER (Pi)</a:t>
             </a:r>
-            <a:endParaRPr lang="en-IN" b="1" dirty="0"/>
+            <a:endParaRPr lang="en-IN" sz="2000" b="1" dirty="0"/>
           </a:p>
         </p:txBody>
       </p:sp>
@@ -6650,7 +6698,7 @@
         </p:nvSpPr>
         <p:spPr>
           <a:xfrm>
-            <a:off x="7636389" y="6098783"/>
+            <a:off x="7636389" y="6198799"/>
             <a:ext cx="1177636" cy="369332"/>
           </a:xfrm>
           <a:prstGeom prst="rect">
@@ -6665,7 +6713,15 @@
           <a:p>
             <a:r>
               <a:rPr lang="en-IN" dirty="0" smtClean="0"/>
-              <a:t>Html page</a:t>
+              <a:t>Web </a:t>
+            </a:r>
+            <a:r>
+              <a:rPr lang="en-IN" dirty="0"/>
+              <a:t>P</a:t>
+            </a:r>
+            <a:r>
+              <a:rPr lang="en-IN" dirty="0" smtClean="0"/>
+              <a:t>age</a:t>
             </a:r>
             <a:endParaRPr lang="en-IN" dirty="0"/>
           </a:p>
@@ -6679,8 +6735,8 @@
         </p:nvSpPr>
         <p:spPr>
           <a:xfrm>
-            <a:off x="5523691" y="4809645"/>
-            <a:ext cx="1761891" cy="646331"/>
+            <a:off x="5395480" y="4923127"/>
+            <a:ext cx="1761891" cy="369332"/>
           </a:xfrm>
           <a:prstGeom prst="rect">
             <a:avLst/>
@@ -6694,23 +6750,13 @@
           <a:p>
             <a:r>
               <a:rPr lang="en-IN" dirty="0" smtClean="0"/>
-              <a:t>Control Code</a:t>
-            </a:r>
-          </a:p>
-          <a:p>
+              <a:t>Control </a:t>
+            </a:r>
             <a:r>
               <a:rPr lang="en-IN" dirty="0" smtClean="0"/>
-              <a:t>(node </a:t>
-            </a:r>
-            <a:r>
-              <a:rPr lang="en-IN" dirty="0" err="1" smtClean="0"/>
-              <a:t>js</a:t>
-            </a:r>
-            <a:r>
-              <a:rPr lang="en-IN" dirty="0" smtClean="0"/>
-              <a:t>)</a:t>
-            </a:r>
-            <a:endParaRPr lang="en-IN" dirty="0"/>
+              <a:t>Code</a:t>
+            </a:r>
+            <a:endParaRPr lang="en-IN" dirty="0" smtClean="0"/>
           </a:p>
         </p:txBody>
       </p:sp>
@@ -6722,8 +6768,8 @@
         </p:nvSpPr>
         <p:spPr>
           <a:xfrm>
-            <a:off x="4673872" y="2060445"/>
-            <a:ext cx="2042690" cy="859262"/>
+            <a:off x="5110552" y="2333325"/>
+            <a:ext cx="1562615" cy="586381"/>
           </a:xfrm>
           <a:prstGeom prst="rect">
             <a:avLst/>
@@ -6762,8 +6808,8 @@
         </p:nvSpPr>
         <p:spPr>
           <a:xfrm>
-            <a:off x="4673872" y="2138112"/>
-            <a:ext cx="2342401" cy="646330"/>
+            <a:off x="4970321" y="2352672"/>
+            <a:ext cx="1846788" cy="523220"/>
           </a:xfrm>
           <a:prstGeom prst="rect">
             <a:avLst/>
@@ -6776,11 +6822,12 @@
           </a:bodyPr>
           <a:lstStyle/>
           <a:p>
-            <a:r>
-              <a:rPr lang="en-IN" sz="3600" b="1" dirty="0" smtClean="0"/>
+            <a:pPr algn="ctr"/>
+            <a:r>
+              <a:rPr lang="en-IN" sz="2800" b="1" dirty="0" smtClean="0"/>
               <a:t>Router</a:t>
             </a:r>
-            <a:endParaRPr lang="en-IN" sz="3600" b="1" dirty="0"/>
+            <a:endParaRPr lang="en-IN" sz="3200" b="1" dirty="0"/>
           </a:p>
         </p:txBody>
       </p:sp>
@@ -6792,8 +6839,8 @@
         </p:nvCxnSpPr>
         <p:spPr>
           <a:xfrm flipH="1">
-            <a:off x="6520660" y="4223423"/>
-            <a:ext cx="391803" cy="655444"/>
+            <a:off x="6212117" y="4400969"/>
+            <a:ext cx="414877" cy="563892"/>
           </a:xfrm>
           <a:prstGeom prst="straightConnector1">
             <a:avLst/>
@@ -6803,13 +6850,13 @@
           </a:ln>
         </p:spPr>
         <p:style>
-          <a:lnRef idx="1">
+          <a:lnRef idx="2">
             <a:schemeClr val="accent2"/>
           </a:lnRef>
           <a:fillRef idx="0">
             <a:schemeClr val="accent2"/>
           </a:fillRef>
-          <a:effectRef idx="0">
+          <a:effectRef idx="1">
             <a:schemeClr val="accent2"/>
           </a:effectRef>
           <a:fontRef idx="minor">
@@ -6817,39 +6864,6 @@
           </a:fontRef>
         </p:style>
       </p:cxnSp>
-      <p:cxnSp>
-        <p:nvCxnSpPr>
-          <p:cNvPr id="60" name="Straight Arrow Connector 59"/>
-          <p:cNvCxnSpPr/>
-          <p:nvPr/>
-        </p:nvCxnSpPr>
-        <p:spPr>
-          <a:xfrm>
-            <a:off x="8024358" y="4225840"/>
-            <a:ext cx="466113" cy="438512"/>
-          </a:xfrm>
-          <a:prstGeom prst="straightConnector1">
-            <a:avLst/>
-          </a:prstGeom>
-          <a:ln>
-            <a:tailEnd type="arrow"/>
-          </a:ln>
-        </p:spPr>
-        <p:style>
-          <a:lnRef idx="1">
-            <a:schemeClr val="accent2"/>
-          </a:lnRef>
-          <a:fillRef idx="0">
-            <a:schemeClr val="accent2"/>
-          </a:fillRef>
-          <a:effectRef idx="0">
-            <a:schemeClr val="accent2"/>
-          </a:effectRef>
-          <a:fontRef idx="minor">
-            <a:schemeClr val="tx1"/>
-          </a:fontRef>
-        </p:style>
-      </p:cxnSp>
       <p:sp>
         <p:nvSpPr>
           <p:cNvPr id="62" name="TextBox 61"/>
@@ -6874,7 +6888,7 @@
           <a:p>
             <a:r>
               <a:rPr lang="en-IN" dirty="0" smtClean="0"/>
-              <a:t>CLIENT</a:t>
+              <a:t>Client</a:t>
             </a:r>
             <a:endParaRPr lang="en-IN" dirty="0"/>
           </a:p>
@@ -6897,8 +6911,8 @@
         </p:blipFill>
         <p:spPr bwMode="auto">
           <a:xfrm>
-            <a:off x="4673872" y="5481003"/>
-            <a:ext cx="1288675" cy="802446"/>
+            <a:off x="4673872" y="5661923"/>
+            <a:ext cx="1062903" cy="661860"/>
           </a:xfrm>
           <a:prstGeom prst="rect">
             <a:avLst/>
@@ -6914,7 +6928,7 @@
         </p:nvSpPr>
         <p:spPr>
           <a:xfrm>
-            <a:off x="7016273" y="2735041"/>
+            <a:off x="6902633" y="2794145"/>
             <a:ext cx="1797752" cy="369332"/>
           </a:xfrm>
           <a:prstGeom prst="rect">
@@ -6944,8 +6958,8 @@
         </p:nvSpPr>
         <p:spPr>
           <a:xfrm>
-            <a:off x="6716562" y="3104373"/>
-            <a:ext cx="2097463" cy="369332"/>
+            <a:off x="6356481" y="3048292"/>
+            <a:ext cx="2851609" cy="646331"/>
           </a:xfrm>
           <a:prstGeom prst="rect">
             <a:avLst/>
@@ -6958,9 +6972,17 @@
           </a:bodyPr>
           <a:lstStyle/>
           <a:p>
+            <a:pPr algn="ctr"/>
             <a:r>
               <a:rPr lang="en-IN" dirty="0" smtClean="0"/>
-              <a:t>ServerAdress:3000</a:t>
+              <a:t>Server’s Static Address</a:t>
+            </a:r>
+          </a:p>
+          <a:p>
+            <a:pPr algn="ctr"/>
+            <a:r>
+              <a:rPr lang="en-IN" dirty="0" smtClean="0"/>
+              <a:t>:3000</a:t>
             </a:r>
             <a:endParaRPr lang="en-IN" dirty="0"/>
           </a:p>
@@ -6974,7 +6996,7 @@
         </p:nvSpPr>
         <p:spPr>
           <a:xfrm>
-            <a:off x="2542307" y="6098783"/>
+            <a:off x="2810665" y="5999635"/>
             <a:ext cx="1463165" cy="369332"/>
           </a:xfrm>
           <a:prstGeom prst="rect">
@@ -7004,7 +7026,7 @@
         </p:nvCxnSpPr>
         <p:spPr>
           <a:xfrm>
-            <a:off x="2542307" y="5658217"/>
+            <a:off x="2682673" y="5681497"/>
             <a:ext cx="1651562" cy="0"/>
           </a:xfrm>
           <a:prstGeom prst="straightConnector1">
@@ -7015,13 +7037,13 @@
           </a:ln>
         </p:spPr>
         <p:style>
-          <a:lnRef idx="1">
+          <a:lnRef idx="2">
             <a:schemeClr val="accent2"/>
           </a:lnRef>
           <a:fillRef idx="0">
             <a:schemeClr val="accent2"/>
           </a:fillRef>
-          <a:effectRef idx="0">
+          <a:effectRef idx="1">
             <a:schemeClr val="accent2"/>
           </a:effectRef>
           <a:fontRef idx="minor">
@@ -7037,7 +7059,7 @@
         </p:nvSpPr>
         <p:spPr>
           <a:xfrm>
-            <a:off x="2503399" y="5132810"/>
+            <a:off x="2643765" y="5267262"/>
             <a:ext cx="1690470" cy="369332"/>
           </a:xfrm>
           <a:prstGeom prst="rect">
@@ -7067,8 +7089,8 @@
         </p:nvSpPr>
         <p:spPr>
           <a:xfrm>
-            <a:off x="397227" y="4347980"/>
-            <a:ext cx="1690470" cy="646331"/>
+            <a:off x="669221" y="4555725"/>
+            <a:ext cx="1690470" cy="369332"/>
           </a:xfrm>
           <a:prstGeom prst="rect">
             <a:avLst/>
@@ -7083,12 +7105,8 @@
           <a:p>
             <a:pPr algn="ctr"/>
             <a:r>
-              <a:rPr lang="en-IN" dirty="0" err="1" smtClean="0"/>
-              <a:t>Arduino</a:t>
-            </a:r>
-            <a:r>
               <a:rPr lang="en-IN" dirty="0" smtClean="0"/>
-              <a:t> with        LEDs</a:t>
+              <a:t>Lighting Device</a:t>
             </a:r>
             <a:endParaRPr lang="en-IN" dirty="0"/>
           </a:p>
@@ -7122,30 +7140,133 @@
       </p:pic>
       <p:cxnSp>
         <p:nvCxnSpPr>
-          <p:cNvPr id="95" name="Straight Arrow Connector 94"/>
+          <p:cNvPr id="3" name="Straight Arrow Connector 2"/>
           <p:cNvCxnSpPr/>
           <p:nvPr/>
         </p:nvCxnSpPr>
         <p:spPr>
           <a:xfrm>
-            <a:off x="3859669" y="2984800"/>
-            <a:ext cx="668400" cy="0"/>
+            <a:off x="8070692" y="4275686"/>
+            <a:ext cx="443854" cy="509933"/>
           </a:xfrm>
           <a:prstGeom prst="straightConnector1">
             <a:avLst/>
           </a:prstGeom>
           <a:ln>
-            <a:tailEnd type="arrow"/>
+            <a:headEnd type="triangle"/>
+            <a:tailEnd type="triangle"/>
           </a:ln>
         </p:spPr>
         <p:style>
-          <a:lnRef idx="1">
+          <a:lnRef idx="2">
             <a:schemeClr val="accent2"/>
           </a:lnRef>
           <a:fillRef idx="0">
             <a:schemeClr val="accent2"/>
           </a:fillRef>
-          <a:effectRef idx="0">
+          <a:effectRef idx="1">
+            <a:schemeClr val="accent2"/>
+          </a:effectRef>
+          <a:fontRef idx="minor">
+            <a:schemeClr val="tx1"/>
+          </a:fontRef>
+        </p:style>
+      </p:cxnSp>
+      <p:cxnSp>
+        <p:nvCxnSpPr>
+          <p:cNvPr id="6" name="Straight Arrow Connector 5"/>
+          <p:cNvCxnSpPr/>
+          <p:nvPr/>
+        </p:nvCxnSpPr>
+        <p:spPr>
+          <a:xfrm>
+            <a:off x="3888866" y="2680143"/>
+            <a:ext cx="980908" cy="0"/>
+          </a:xfrm>
+          <a:prstGeom prst="straightConnector1">
+            <a:avLst/>
+          </a:prstGeom>
+          <a:ln>
+            <a:headEnd type="triangle"/>
+            <a:tailEnd type="triangle"/>
+          </a:ln>
+        </p:spPr>
+        <p:style>
+          <a:lnRef idx="2">
+            <a:schemeClr val="accent2"/>
+          </a:lnRef>
+          <a:fillRef idx="0">
+            <a:schemeClr val="accent2"/>
+          </a:fillRef>
+          <a:effectRef idx="1">
+            <a:schemeClr val="accent2"/>
+          </a:effectRef>
+          <a:fontRef idx="minor">
+            <a:schemeClr val="tx1"/>
+          </a:fontRef>
+        </p:style>
+      </p:cxnSp>
+      <p:cxnSp>
+        <p:nvCxnSpPr>
+          <p:cNvPr id="39" name="Straight Arrow Connector 38"/>
+          <p:cNvCxnSpPr/>
+          <p:nvPr/>
+        </p:nvCxnSpPr>
+        <p:spPr>
+          <a:xfrm>
+            <a:off x="6442005" y="2978811"/>
+            <a:ext cx="443854" cy="777283"/>
+          </a:xfrm>
+          <a:prstGeom prst="straightConnector1">
+            <a:avLst/>
+          </a:prstGeom>
+          <a:ln>
+            <a:headEnd type="triangle"/>
+            <a:tailEnd type="triangle"/>
+          </a:ln>
+        </p:spPr>
+        <p:style>
+          <a:lnRef idx="2">
+            <a:schemeClr val="accent2"/>
+          </a:lnRef>
+          <a:fillRef idx="0">
+            <a:schemeClr val="accent2"/>
+          </a:fillRef>
+          <a:effectRef idx="1">
+            <a:schemeClr val="accent2"/>
+          </a:effectRef>
+          <a:fontRef idx="minor">
+            <a:schemeClr val="tx1"/>
+          </a:fontRef>
+        </p:style>
+      </p:cxnSp>
+      <p:cxnSp>
+        <p:nvCxnSpPr>
+          <p:cNvPr id="42" name="Straight Arrow Connector 41"/>
+          <p:cNvCxnSpPr/>
+          <p:nvPr/>
+        </p:nvCxnSpPr>
+        <p:spPr>
+          <a:xfrm>
+            <a:off x="6100763" y="5940173"/>
+            <a:ext cx="1265010" cy="0"/>
+          </a:xfrm>
+          <a:prstGeom prst="straightConnector1">
+            <a:avLst/>
+          </a:prstGeom>
+          <a:ln>
+            <a:headEnd type="triangle"/>
+            <a:tailEnd type="triangle"/>
+          </a:ln>
+        </p:spPr>
+        <p:style>
+          <a:lnRef idx="2">
+            <a:schemeClr val="accent2"/>
+          </a:lnRef>
+          <a:fillRef idx="0">
+            <a:schemeClr val="accent2"/>
+          </a:fillRef>
+          <a:effectRef idx="1">
             <a:schemeClr val="accent2"/>
           </a:effectRef>
           <a:fontRef idx="minor">
@@ -7156,7 +7277,7 @@
     </p:spTree>
     <p:extLst>
       <p:ext uri="{BB962C8B-B14F-4D97-AF65-F5344CB8AC3E}">
-        <p14:creationId xmlns="" xmlns:p14="http://schemas.microsoft.com/office/powerpoint/2010/main" val="3583039675"/>
+        <p14:creationId xmlns:p14="http://schemas.microsoft.com/office/powerpoint/2010/main" val="3583039675"/>
       </p:ext>
     </p:extLst>
   </p:cSld>
@@ -7166,964 +7287,9 @@
   <p:timing>
     <p:tnLst>
       <p:par>
-        <p:cTn id="1" dur="indefinite" restart="never" nodeType="tmRoot">
-          <p:childTnLst>
-            <p:seq concurrent="1" nextAc="seek">
-              <p:cTn id="2" dur="indefinite" nodeType="mainSeq">
-                <p:childTnLst>
-                  <p:par>
-                    <p:cTn id="3" fill="hold">
-                      <p:stCondLst>
-                        <p:cond delay="indefinite"/>
-                      </p:stCondLst>
-                      <p:childTnLst>
-                        <p:par>
-                          <p:cTn id="4" fill="hold">
-                            <p:stCondLst>
-                              <p:cond delay="0"/>
-                            </p:stCondLst>
-                            <p:childTnLst>
-                              <p:par>
-                                <p:cTn id="5" presetID="2" presetClass="entr" presetSubtype="4" fill="hold" nodeType="clickEffect">
-                                  <p:stCondLst>
-                                    <p:cond delay="0"/>
-                                  </p:stCondLst>
-                                  <p:childTnLst>
-                                    <p:set>
-                                      <p:cBhvr>
-                                        <p:cTn id="6" dur="1" fill="hold">
-                                          <p:stCondLst>
-                                            <p:cond delay="0"/>
-                                          </p:stCondLst>
-                                        </p:cTn>
-                                        <p:tgtEl>
-                                          <p:spTgt spid="14"/>
-                                        </p:tgtEl>
-                                        <p:attrNameLst>
-                                          <p:attrName>style.visibility</p:attrName>
-                                        </p:attrNameLst>
-                                      </p:cBhvr>
-                                      <p:to>
-                                        <p:strVal val="visible"/>
-                                      </p:to>
-                                    </p:set>
-                                    <p:anim calcmode="lin" valueType="num">
-                                      <p:cBhvr additive="base">
-                                        <p:cTn id="7" dur="500" fill="hold"/>
-                                        <p:tgtEl>
-                                          <p:spTgt spid="14"/>
-                                        </p:tgtEl>
-                                        <p:attrNameLst>
-                                          <p:attrName>ppt_x</p:attrName>
-                                        </p:attrNameLst>
-                                      </p:cBhvr>
-                                      <p:tavLst>
-                                        <p:tav tm="0">
-                                          <p:val>
-                                            <p:strVal val="#ppt_x"/>
-                                          </p:val>
-                                        </p:tav>
-                                        <p:tav tm="100000">
-                                          <p:val>
-                                            <p:strVal val="#ppt_x"/>
-                                          </p:val>
-                                        </p:tav>
-                                      </p:tavLst>
-                                    </p:anim>
-                                    <p:anim calcmode="lin" valueType="num">
-                                      <p:cBhvr additive="base">
-                                        <p:cTn id="8" dur="500" fill="hold"/>
-                                        <p:tgtEl>
-                                          <p:spTgt spid="14"/>
-                                        </p:tgtEl>
-                                        <p:attrNameLst>
-                                          <p:attrName>ppt_y</p:attrName>
-                                        </p:attrNameLst>
-                                      </p:cBhvr>
-                                      <p:tavLst>
-                                        <p:tav tm="0">
-                                          <p:val>
-                                            <p:strVal val="1+#ppt_h/2"/>
-                                          </p:val>
-                                        </p:tav>
-                                        <p:tav tm="100000">
-                                          <p:val>
-                                            <p:strVal val="#ppt_y"/>
-                                          </p:val>
-                                        </p:tav>
-                                      </p:tavLst>
-                                    </p:anim>
-                                  </p:childTnLst>
-                                </p:cTn>
-                              </p:par>
-                              <p:par>
-                                <p:cTn id="9" presetID="2" presetClass="entr" presetSubtype="4" fill="hold" nodeType="withEffect">
-                                  <p:stCondLst>
-                                    <p:cond delay="0"/>
-                                  </p:stCondLst>
-                                  <p:childTnLst>
-                                    <p:set>
-                                      <p:cBhvr>
-                                        <p:cTn id="10" dur="1" fill="hold">
-                                          <p:stCondLst>
-                                            <p:cond delay="0"/>
-                                          </p:stCondLst>
-                                        </p:cTn>
-                                        <p:tgtEl>
-                                          <p:spTgt spid="13"/>
-                                        </p:tgtEl>
-                                        <p:attrNameLst>
-                                          <p:attrName>style.visibility</p:attrName>
-                                        </p:attrNameLst>
-                                      </p:cBhvr>
-                                      <p:to>
-                                        <p:strVal val="visible"/>
-                                      </p:to>
-                                    </p:set>
-                                    <p:anim calcmode="lin" valueType="num">
-                                      <p:cBhvr additive="base">
-                                        <p:cTn id="11" dur="500" fill="hold"/>
-                                        <p:tgtEl>
-                                          <p:spTgt spid="13"/>
-                                        </p:tgtEl>
-                                        <p:attrNameLst>
-                                          <p:attrName>ppt_x</p:attrName>
-                                        </p:attrNameLst>
-                                      </p:cBhvr>
-                                      <p:tavLst>
-                                        <p:tav tm="0">
-                                          <p:val>
-                                            <p:strVal val="#ppt_x"/>
-                                          </p:val>
-                                        </p:tav>
-                                        <p:tav tm="100000">
-                                          <p:val>
-                                            <p:strVal val="#ppt_x"/>
-                                          </p:val>
-                                        </p:tav>
-                                      </p:tavLst>
-                                    </p:anim>
-                                    <p:anim calcmode="lin" valueType="num">
-                                      <p:cBhvr additive="base">
-                                        <p:cTn id="12" dur="500" fill="hold"/>
-                                        <p:tgtEl>
-                                          <p:spTgt spid="13"/>
-                                        </p:tgtEl>
-                                        <p:attrNameLst>
-                                          <p:attrName>ppt_y</p:attrName>
-                                        </p:attrNameLst>
-                                      </p:cBhvr>
-                                      <p:tavLst>
-                                        <p:tav tm="0">
-                                          <p:val>
-                                            <p:strVal val="1+#ppt_h/2"/>
-                                          </p:val>
-                                        </p:tav>
-                                        <p:tav tm="100000">
-                                          <p:val>
-                                            <p:strVal val="#ppt_y"/>
-                                          </p:val>
-                                        </p:tav>
-                                      </p:tavLst>
-                                    </p:anim>
-                                  </p:childTnLst>
-                                </p:cTn>
-                              </p:par>
-                              <p:par>
-                                <p:cTn id="13" presetID="2" presetClass="entr" presetSubtype="4" fill="hold" nodeType="withEffect">
-                                  <p:stCondLst>
-                                    <p:cond delay="0"/>
-                                  </p:stCondLst>
-                                  <p:childTnLst>
-                                    <p:set>
-                                      <p:cBhvr>
-                                        <p:cTn id="14" dur="1" fill="hold">
-                                          <p:stCondLst>
-                                            <p:cond delay="0"/>
-                                          </p:stCondLst>
-                                        </p:cTn>
-                                        <p:tgtEl>
-                                          <p:spTgt spid="12"/>
-                                        </p:tgtEl>
-                                        <p:attrNameLst>
-                                          <p:attrName>style.visibility</p:attrName>
-                                        </p:attrNameLst>
-                                      </p:cBhvr>
-                                      <p:to>
-                                        <p:strVal val="visible"/>
-                                      </p:to>
-                                    </p:set>
-                                    <p:anim calcmode="lin" valueType="num">
-                                      <p:cBhvr additive="base">
-                                        <p:cTn id="15" dur="500" fill="hold"/>
-                                        <p:tgtEl>
-                                          <p:spTgt spid="12"/>
-                                        </p:tgtEl>
-                                        <p:attrNameLst>
-                                          <p:attrName>ppt_x</p:attrName>
-                                        </p:attrNameLst>
-                                      </p:cBhvr>
-                                      <p:tavLst>
-                                        <p:tav tm="0">
-                                          <p:val>
-                                            <p:strVal val="#ppt_x"/>
-                                          </p:val>
-                                        </p:tav>
-                                        <p:tav tm="100000">
-                                          <p:val>
-                                            <p:strVal val="#ppt_x"/>
-                                          </p:val>
-                                        </p:tav>
-                                      </p:tavLst>
-                                    </p:anim>
-                                    <p:anim calcmode="lin" valueType="num">
-                                      <p:cBhvr additive="base">
-                                        <p:cTn id="16" dur="500" fill="hold"/>
-                                        <p:tgtEl>
-                                          <p:spTgt spid="12"/>
-                                        </p:tgtEl>
-                                        <p:attrNameLst>
-                                          <p:attrName>ppt_y</p:attrName>
-                                        </p:attrNameLst>
-                                      </p:cBhvr>
-                                      <p:tavLst>
-                                        <p:tav tm="0">
-                                          <p:val>
-                                            <p:strVal val="1+#ppt_h/2"/>
-                                          </p:val>
-                                        </p:tav>
-                                        <p:tav tm="100000">
-                                          <p:val>
-                                            <p:strVal val="#ppt_y"/>
-                                          </p:val>
-                                        </p:tav>
-                                      </p:tavLst>
-                                    </p:anim>
-                                  </p:childTnLst>
-                                </p:cTn>
-                              </p:par>
-                              <p:par>
-                                <p:cTn id="17" presetID="2" presetClass="entr" presetSubtype="4" fill="hold" nodeType="withEffect">
-                                  <p:stCondLst>
-                                    <p:cond delay="0"/>
-                                  </p:stCondLst>
-                                  <p:childTnLst>
-                                    <p:set>
-                                      <p:cBhvr>
-                                        <p:cTn id="18" dur="1" fill="hold">
-                                          <p:stCondLst>
-                                            <p:cond delay="0"/>
-                                          </p:stCondLst>
-                                        </p:cTn>
-                                        <p:tgtEl>
-                                          <p:spTgt spid="11"/>
-                                        </p:tgtEl>
-                                        <p:attrNameLst>
-                                          <p:attrName>style.visibility</p:attrName>
-                                        </p:attrNameLst>
-                                      </p:cBhvr>
-                                      <p:to>
-                                        <p:strVal val="visible"/>
-                                      </p:to>
-                                    </p:set>
-                                    <p:anim calcmode="lin" valueType="num">
-                                      <p:cBhvr additive="base">
-                                        <p:cTn id="19" dur="500" fill="hold"/>
-                                        <p:tgtEl>
-                                          <p:spTgt spid="11"/>
-                                        </p:tgtEl>
-                                        <p:attrNameLst>
-                                          <p:attrName>ppt_x</p:attrName>
-                                        </p:attrNameLst>
-                                      </p:cBhvr>
-                                      <p:tavLst>
-                                        <p:tav tm="0">
-                                          <p:val>
-                                            <p:strVal val="#ppt_x"/>
-                                          </p:val>
-                                        </p:tav>
-                                        <p:tav tm="100000">
-                                          <p:val>
-                                            <p:strVal val="#ppt_x"/>
-                                          </p:val>
-                                        </p:tav>
-                                      </p:tavLst>
-                                    </p:anim>
-                                    <p:anim calcmode="lin" valueType="num">
-                                      <p:cBhvr additive="base">
-                                        <p:cTn id="20" dur="500" fill="hold"/>
-                                        <p:tgtEl>
-                                          <p:spTgt spid="11"/>
-                                        </p:tgtEl>
-                                        <p:attrNameLst>
-                                          <p:attrName>ppt_y</p:attrName>
-                                        </p:attrNameLst>
-                                      </p:cBhvr>
-                                      <p:tavLst>
-                                        <p:tav tm="0">
-                                          <p:val>
-                                            <p:strVal val="1+#ppt_h/2"/>
-                                          </p:val>
-                                        </p:tav>
-                                        <p:tav tm="100000">
-                                          <p:val>
-                                            <p:strVal val="#ppt_y"/>
-                                          </p:val>
-                                        </p:tav>
-                                      </p:tavLst>
-                                    </p:anim>
-                                  </p:childTnLst>
-                                </p:cTn>
-                              </p:par>
-                              <p:par>
-                                <p:cTn id="21" presetID="2" presetClass="entr" presetSubtype="8" fill="hold" grpId="0" nodeType="withEffect">
-                                  <p:stCondLst>
-                                    <p:cond delay="0"/>
-                                  </p:stCondLst>
-                                  <p:childTnLst>
-                                    <p:set>
-                                      <p:cBhvr>
-                                        <p:cTn id="22" dur="1" fill="hold">
-                                          <p:stCondLst>
-                                            <p:cond delay="0"/>
-                                          </p:stCondLst>
-                                        </p:cTn>
-                                        <p:tgtEl>
-                                          <p:spTgt spid="9"/>
-                                        </p:tgtEl>
-                                        <p:attrNameLst>
-                                          <p:attrName>style.visibility</p:attrName>
-                                        </p:attrNameLst>
-                                      </p:cBhvr>
-                                      <p:to>
-                                        <p:strVal val="visible"/>
-                                      </p:to>
-                                    </p:set>
-                                    <p:anim calcmode="lin" valueType="num">
-                                      <p:cBhvr additive="base">
-                                        <p:cTn id="23" dur="500" fill="hold"/>
-                                        <p:tgtEl>
-                                          <p:spTgt spid="9"/>
-                                        </p:tgtEl>
-                                        <p:attrNameLst>
-                                          <p:attrName>ppt_x</p:attrName>
-                                        </p:attrNameLst>
-                                      </p:cBhvr>
-                                      <p:tavLst>
-                                        <p:tav tm="0">
-                                          <p:val>
-                                            <p:strVal val="0-#ppt_w/2"/>
-                                          </p:val>
-                                        </p:tav>
-                                        <p:tav tm="100000">
-                                          <p:val>
-                                            <p:strVal val="#ppt_x"/>
-                                          </p:val>
-                                        </p:tav>
-                                      </p:tavLst>
-                                    </p:anim>
-                                    <p:anim calcmode="lin" valueType="num">
-                                      <p:cBhvr additive="base">
-                                        <p:cTn id="24" dur="500" fill="hold"/>
-                                        <p:tgtEl>
-                                          <p:spTgt spid="9"/>
-                                        </p:tgtEl>
-                                        <p:attrNameLst>
-                                          <p:attrName>ppt_y</p:attrName>
-                                        </p:attrNameLst>
-                                      </p:cBhvr>
-                                      <p:tavLst>
-                                        <p:tav tm="0">
-                                          <p:val>
-                                            <p:strVal val="#ppt_y"/>
-                                          </p:val>
-                                        </p:tav>
-                                        <p:tav tm="100000">
-                                          <p:val>
-                                            <p:strVal val="#ppt_y"/>
-                                          </p:val>
-                                        </p:tav>
-                                      </p:tavLst>
-                                    </p:anim>
-                                  </p:childTnLst>
-                                </p:cTn>
-                              </p:par>
-                            </p:childTnLst>
-                          </p:cTn>
-                        </p:par>
-                      </p:childTnLst>
-                    </p:cTn>
-                  </p:par>
-                  <p:par>
-                    <p:cTn id="25" fill="hold">
-                      <p:stCondLst>
-                        <p:cond delay="indefinite"/>
-                      </p:stCondLst>
-                      <p:childTnLst>
-                        <p:par>
-                          <p:cTn id="26" fill="hold">
-                            <p:stCondLst>
-                              <p:cond delay="0"/>
-                            </p:stCondLst>
-                            <p:childTnLst>
-                              <p:par>
-                                <p:cTn id="27" presetID="26" presetClass="emph" presetSubtype="0" fill="hold" grpId="1" nodeType="clickEffect">
-                                  <p:stCondLst>
-                                    <p:cond delay="0"/>
-                                  </p:stCondLst>
-                                  <p:childTnLst>
-                                    <p:animEffect transition="out" filter="fade">
-                                      <p:cBhvr>
-                                        <p:cTn id="28" dur="500" tmFilter="0, 0; .2, .5; .8, .5; 1, 0"/>
-                                        <p:tgtEl>
-                                          <p:spTgt spid="9"/>
-                                        </p:tgtEl>
-                                      </p:cBhvr>
-                                    </p:animEffect>
-                                    <p:animScale>
-                                      <p:cBhvr>
-                                        <p:cTn id="29" dur="250" autoRev="1" fill="hold"/>
-                                        <p:tgtEl>
-                                          <p:spTgt spid="9"/>
-                                        </p:tgtEl>
-                                      </p:cBhvr>
-                                      <p:by x="105000" y="105000"/>
-                                    </p:animScale>
-                                  </p:childTnLst>
-                                </p:cTn>
-                              </p:par>
-                            </p:childTnLst>
-                          </p:cTn>
-                        </p:par>
-                      </p:childTnLst>
-                    </p:cTn>
-                  </p:par>
-                  <p:par>
-                    <p:cTn id="30" fill="hold">
-                      <p:stCondLst>
-                        <p:cond delay="indefinite"/>
-                      </p:stCondLst>
-                      <p:childTnLst>
-                        <p:par>
-                          <p:cTn id="31" fill="hold">
-                            <p:stCondLst>
-                              <p:cond delay="0"/>
-                            </p:stCondLst>
-                            <p:childTnLst>
-                              <p:par>
-                                <p:cTn id="32" presetID="26" presetClass="emph" presetSubtype="0" fill="hold" grpId="2" nodeType="clickEffect">
-                                  <p:stCondLst>
-                                    <p:cond delay="0"/>
-                                  </p:stCondLst>
-                                  <p:childTnLst>
-                                    <p:animEffect transition="out" filter="fade">
-                                      <p:cBhvr>
-                                        <p:cTn id="33" dur="500" tmFilter="0, 0; .2, .5; .8, .5; 1, 0"/>
-                                        <p:tgtEl>
-                                          <p:spTgt spid="9"/>
-                                        </p:tgtEl>
-                                      </p:cBhvr>
-                                    </p:animEffect>
-                                    <p:animScale>
-                                      <p:cBhvr>
-                                        <p:cTn id="34" dur="250" autoRev="1" fill="hold"/>
-                                        <p:tgtEl>
-                                          <p:spTgt spid="9"/>
-                                        </p:tgtEl>
-                                      </p:cBhvr>
-                                      <p:by x="105000" y="105000"/>
-                                    </p:animScale>
-                                  </p:childTnLst>
-                                </p:cTn>
-                              </p:par>
-                              <p:par>
-                                <p:cTn id="35" presetID="2" presetClass="entr" presetSubtype="8" fill="hold" grpId="0" nodeType="withEffect">
-                                  <p:stCondLst>
-                                    <p:cond delay="0"/>
-                                  </p:stCondLst>
-                                  <p:childTnLst>
-                                    <p:set>
-                                      <p:cBhvr>
-                                        <p:cTn id="36" dur="1" fill="hold">
-                                          <p:stCondLst>
-                                            <p:cond delay="0"/>
-                                          </p:stCondLst>
-                                        </p:cTn>
-                                        <p:tgtEl>
-                                          <p:spTgt spid="52"/>
-                                        </p:tgtEl>
-                                        <p:attrNameLst>
-                                          <p:attrName>style.visibility</p:attrName>
-                                        </p:attrNameLst>
-                                      </p:cBhvr>
-                                      <p:to>
-                                        <p:strVal val="visible"/>
-                                      </p:to>
-                                    </p:set>
-                                    <p:anim calcmode="lin" valueType="num">
-                                      <p:cBhvr additive="base">
-                                        <p:cTn id="37" dur="500" fill="hold"/>
-                                        <p:tgtEl>
-                                          <p:spTgt spid="52"/>
-                                        </p:tgtEl>
-                                        <p:attrNameLst>
-                                          <p:attrName>ppt_x</p:attrName>
-                                        </p:attrNameLst>
-                                      </p:cBhvr>
-                                      <p:tavLst>
-                                        <p:tav tm="0">
-                                          <p:val>
-                                            <p:strVal val="0-#ppt_w/2"/>
-                                          </p:val>
-                                        </p:tav>
-                                        <p:tav tm="100000">
-                                          <p:val>
-                                            <p:strVal val="#ppt_x"/>
-                                          </p:val>
-                                        </p:tav>
-                                      </p:tavLst>
-                                    </p:anim>
-                                    <p:anim calcmode="lin" valueType="num">
-                                      <p:cBhvr additive="base">
-                                        <p:cTn id="38" dur="500" fill="hold"/>
-                                        <p:tgtEl>
-                                          <p:spTgt spid="52"/>
-                                        </p:tgtEl>
-                                        <p:attrNameLst>
-                                          <p:attrName>ppt_y</p:attrName>
-                                        </p:attrNameLst>
-                                      </p:cBhvr>
-                                      <p:tavLst>
-                                        <p:tav tm="0">
-                                          <p:val>
-                                            <p:strVal val="#ppt_y"/>
-                                          </p:val>
-                                        </p:tav>
-                                        <p:tav tm="100000">
-                                          <p:val>
-                                            <p:strVal val="#ppt_y"/>
-                                          </p:val>
-                                        </p:tav>
-                                      </p:tavLst>
-                                    </p:anim>
-                                  </p:childTnLst>
-                                </p:cTn>
-                              </p:par>
-                            </p:childTnLst>
-                          </p:cTn>
-                        </p:par>
-                      </p:childTnLst>
-                    </p:cTn>
-                  </p:par>
-                  <p:par>
-                    <p:cTn id="39" fill="hold">
-                      <p:stCondLst>
-                        <p:cond delay="indefinite"/>
-                      </p:stCondLst>
-                      <p:childTnLst>
-                        <p:par>
-                          <p:cTn id="40" fill="hold">
-                            <p:stCondLst>
-                              <p:cond delay="0"/>
-                            </p:stCondLst>
-                            <p:childTnLst>
-                              <p:par>
-                                <p:cTn id="41" presetID="26" presetClass="emph" presetSubtype="0" fill="hold" grpId="1" nodeType="clickEffect">
-                                  <p:stCondLst>
-                                    <p:cond delay="0"/>
-                                  </p:stCondLst>
-                                  <p:childTnLst>
-                                    <p:animEffect transition="out" filter="fade">
-                                      <p:cBhvr>
-                                        <p:cTn id="42" dur="500" tmFilter="0, 0; .2, .5; .8, .5; 1, 0"/>
-                                        <p:tgtEl>
-                                          <p:spTgt spid="52"/>
-                                        </p:tgtEl>
-                                      </p:cBhvr>
-                                    </p:animEffect>
-                                    <p:animScale>
-                                      <p:cBhvr>
-                                        <p:cTn id="43" dur="250" autoRev="1" fill="hold"/>
-                                        <p:tgtEl>
-                                          <p:spTgt spid="52"/>
-                                        </p:tgtEl>
-                                      </p:cBhvr>
-                                      <p:by x="105000" y="105000"/>
-                                    </p:animScale>
-                                  </p:childTnLst>
-                                </p:cTn>
-                              </p:par>
-                            </p:childTnLst>
-                          </p:cTn>
-                        </p:par>
-                      </p:childTnLst>
-                    </p:cTn>
-                  </p:par>
-                  <p:par>
-                    <p:cTn id="44" fill="hold">
-                      <p:stCondLst>
-                        <p:cond delay="indefinite"/>
-                      </p:stCondLst>
-                      <p:childTnLst>
-                        <p:par>
-                          <p:cTn id="45" fill="hold">
-                            <p:stCondLst>
-                              <p:cond delay="0"/>
-                            </p:stCondLst>
-                            <p:childTnLst>
-                              <p:par>
-                                <p:cTn id="46" presetID="26" presetClass="emph" presetSubtype="0" fill="hold" grpId="2" nodeType="clickEffect">
-                                  <p:stCondLst>
-                                    <p:cond delay="0"/>
-                                  </p:stCondLst>
-                                  <p:childTnLst>
-                                    <p:animEffect transition="out" filter="fade">
-                                      <p:cBhvr>
-                                        <p:cTn id="47" dur="500" tmFilter="0, 0; .2, .5; .8, .5; 1, 0"/>
-                                        <p:tgtEl>
-                                          <p:spTgt spid="52"/>
-                                        </p:tgtEl>
-                                      </p:cBhvr>
-                                    </p:animEffect>
-                                    <p:animScale>
-                                      <p:cBhvr>
-                                        <p:cTn id="48" dur="250" autoRev="1" fill="hold"/>
-                                        <p:tgtEl>
-                                          <p:spTgt spid="52"/>
-                                        </p:tgtEl>
-                                      </p:cBhvr>
-                                      <p:by x="105000" y="105000"/>
-                                    </p:animScale>
-                                  </p:childTnLst>
-                                </p:cTn>
-                              </p:par>
-                              <p:par>
-                                <p:cTn id="49" presetID="2" presetClass="entr" presetSubtype="4" fill="hold" nodeType="withEffect">
-                                  <p:stCondLst>
-                                    <p:cond delay="0"/>
-                                  </p:stCondLst>
-                                  <p:childTnLst>
-                                    <p:set>
-                                      <p:cBhvr>
-                                        <p:cTn id="50" dur="1" fill="hold">
-                                          <p:stCondLst>
-                                            <p:cond delay="0"/>
-                                          </p:stCondLst>
-                                        </p:cTn>
-                                        <p:tgtEl>
-                                          <p:spTgt spid="55"/>
-                                        </p:tgtEl>
-                                        <p:attrNameLst>
-                                          <p:attrName>style.visibility</p:attrName>
-                                        </p:attrNameLst>
-                                      </p:cBhvr>
-                                      <p:to>
-                                        <p:strVal val="visible"/>
-                                      </p:to>
-                                    </p:set>
-                                    <p:anim calcmode="lin" valueType="num">
-                                      <p:cBhvr additive="base">
-                                        <p:cTn id="51" dur="500" fill="hold"/>
-                                        <p:tgtEl>
-                                          <p:spTgt spid="55"/>
-                                        </p:tgtEl>
-                                        <p:attrNameLst>
-                                          <p:attrName>ppt_x</p:attrName>
-                                        </p:attrNameLst>
-                                      </p:cBhvr>
-                                      <p:tavLst>
-                                        <p:tav tm="0">
-                                          <p:val>
-                                            <p:strVal val="#ppt_x"/>
-                                          </p:val>
-                                        </p:tav>
-                                        <p:tav tm="100000">
-                                          <p:val>
-                                            <p:strVal val="#ppt_x"/>
-                                          </p:val>
-                                        </p:tav>
-                                      </p:tavLst>
-                                    </p:anim>
-                                    <p:anim calcmode="lin" valueType="num">
-                                      <p:cBhvr additive="base">
-                                        <p:cTn id="52" dur="500" fill="hold"/>
-                                        <p:tgtEl>
-                                          <p:spTgt spid="55"/>
-                                        </p:tgtEl>
-                                        <p:attrNameLst>
-                                          <p:attrName>ppt_y</p:attrName>
-                                        </p:attrNameLst>
-                                      </p:cBhvr>
-                                      <p:tavLst>
-                                        <p:tav tm="0">
-                                          <p:val>
-                                            <p:strVal val="1+#ppt_h/2"/>
-                                          </p:val>
-                                        </p:tav>
-                                        <p:tav tm="100000">
-                                          <p:val>
-                                            <p:strVal val="#ppt_y"/>
-                                          </p:val>
-                                        </p:tav>
-                                      </p:tavLst>
-                                    </p:anim>
-                                  </p:childTnLst>
-                                </p:cTn>
-                              </p:par>
-                              <p:par>
-                                <p:cTn id="53" presetID="2" presetClass="entr" presetSubtype="4" fill="hold" nodeType="withEffect">
-                                  <p:stCondLst>
-                                    <p:cond delay="0"/>
-                                  </p:stCondLst>
-                                  <p:childTnLst>
-                                    <p:set>
-                                      <p:cBhvr>
-                                        <p:cTn id="54" dur="1" fill="hold">
-                                          <p:stCondLst>
-                                            <p:cond delay="0"/>
-                                          </p:stCondLst>
-                                        </p:cTn>
-                                        <p:tgtEl>
-                                          <p:spTgt spid="60"/>
-                                        </p:tgtEl>
-                                        <p:attrNameLst>
-                                          <p:attrName>style.visibility</p:attrName>
-                                        </p:attrNameLst>
-                                      </p:cBhvr>
-                                      <p:to>
-                                        <p:strVal val="visible"/>
-                                      </p:to>
-                                    </p:set>
-                                    <p:anim calcmode="lin" valueType="num">
-                                      <p:cBhvr additive="base">
-                                        <p:cTn id="55" dur="500" fill="hold"/>
-                                        <p:tgtEl>
-                                          <p:spTgt spid="60"/>
-                                        </p:tgtEl>
-                                        <p:attrNameLst>
-                                          <p:attrName>ppt_x</p:attrName>
-                                        </p:attrNameLst>
-                                      </p:cBhvr>
-                                      <p:tavLst>
-                                        <p:tav tm="0">
-                                          <p:val>
-                                            <p:strVal val="#ppt_x"/>
-                                          </p:val>
-                                        </p:tav>
-                                        <p:tav tm="100000">
-                                          <p:val>
-                                            <p:strVal val="#ppt_x"/>
-                                          </p:val>
-                                        </p:tav>
-                                      </p:tavLst>
-                                    </p:anim>
-                                    <p:anim calcmode="lin" valueType="num">
-                                      <p:cBhvr additive="base">
-                                        <p:cTn id="56" dur="500" fill="hold"/>
-                                        <p:tgtEl>
-                                          <p:spTgt spid="60"/>
-                                        </p:tgtEl>
-                                        <p:attrNameLst>
-                                          <p:attrName>ppt_y</p:attrName>
-                                        </p:attrNameLst>
-                                      </p:cBhvr>
-                                      <p:tavLst>
-                                        <p:tav tm="0">
-                                          <p:val>
-                                            <p:strVal val="1+#ppt_h/2"/>
-                                          </p:val>
-                                        </p:tav>
-                                        <p:tav tm="100000">
-                                          <p:val>
-                                            <p:strVal val="#ppt_y"/>
-                                          </p:val>
-                                        </p:tav>
-                                      </p:tavLst>
-                                    </p:anim>
-                                  </p:childTnLst>
-                                </p:cTn>
-                              </p:par>
-                              <p:par>
-                                <p:cTn id="57" presetID="2" presetClass="entr" presetSubtype="4" fill="hold" nodeType="withEffect">
-                                  <p:stCondLst>
-                                    <p:cond delay="0"/>
-                                  </p:stCondLst>
-                                  <p:childTnLst>
-                                    <p:set>
-                                      <p:cBhvr>
-                                        <p:cTn id="58" dur="1" fill="hold">
-                                          <p:stCondLst>
-                                            <p:cond delay="0"/>
-                                          </p:stCondLst>
-                                        </p:cTn>
-                                        <p:tgtEl>
-                                          <p:spTgt spid="84"/>
-                                        </p:tgtEl>
-                                        <p:attrNameLst>
-                                          <p:attrName>style.visibility</p:attrName>
-                                        </p:attrNameLst>
-                                      </p:cBhvr>
-                                      <p:to>
-                                        <p:strVal val="visible"/>
-                                      </p:to>
-                                    </p:set>
-                                    <p:anim calcmode="lin" valueType="num">
-                                      <p:cBhvr additive="base">
-                                        <p:cTn id="59" dur="500" fill="hold"/>
-                                        <p:tgtEl>
-                                          <p:spTgt spid="84"/>
-                                        </p:tgtEl>
-                                        <p:attrNameLst>
-                                          <p:attrName>ppt_x</p:attrName>
-                                        </p:attrNameLst>
-                                      </p:cBhvr>
-                                      <p:tavLst>
-                                        <p:tav tm="0">
-                                          <p:val>
-                                            <p:strVal val="#ppt_x"/>
-                                          </p:val>
-                                        </p:tav>
-                                        <p:tav tm="100000">
-                                          <p:val>
-                                            <p:strVal val="#ppt_x"/>
-                                          </p:val>
-                                        </p:tav>
-                                      </p:tavLst>
-                                    </p:anim>
-                                    <p:anim calcmode="lin" valueType="num">
-                                      <p:cBhvr additive="base">
-                                        <p:cTn id="60" dur="500" fill="hold"/>
-                                        <p:tgtEl>
-                                          <p:spTgt spid="84"/>
-                                        </p:tgtEl>
-                                        <p:attrNameLst>
-                                          <p:attrName>ppt_y</p:attrName>
-                                        </p:attrNameLst>
-                                      </p:cBhvr>
-                                      <p:tavLst>
-                                        <p:tav tm="0">
-                                          <p:val>
-                                            <p:strVal val="1+#ppt_h/2"/>
-                                          </p:val>
-                                        </p:tav>
-                                        <p:tav tm="100000">
-                                          <p:val>
-                                            <p:strVal val="#ppt_y"/>
-                                          </p:val>
-                                        </p:tav>
-                                      </p:tavLst>
-                                    </p:anim>
-                                  </p:childTnLst>
-                                </p:cTn>
-                              </p:par>
-                              <p:par>
-                                <p:cTn id="61" presetID="2" presetClass="entr" presetSubtype="4" fill="hold" nodeType="withEffect">
-                                  <p:stCondLst>
-                                    <p:cond delay="0"/>
-                                  </p:stCondLst>
-                                  <p:childTnLst>
-                                    <p:set>
-                                      <p:cBhvr>
-                                        <p:cTn id="62" dur="1" fill="hold">
-                                          <p:stCondLst>
-                                            <p:cond delay="0"/>
-                                          </p:stCondLst>
-                                        </p:cTn>
-                                        <p:tgtEl>
-                                          <p:spTgt spid="95"/>
-                                        </p:tgtEl>
-                                        <p:attrNameLst>
-                                          <p:attrName>style.visibility</p:attrName>
-                                        </p:attrNameLst>
-                                      </p:cBhvr>
-                                      <p:to>
-                                        <p:strVal val="visible"/>
-                                      </p:to>
-                                    </p:set>
-                                    <p:anim calcmode="lin" valueType="num">
-                                      <p:cBhvr additive="base">
-                                        <p:cTn id="63" dur="500" fill="hold"/>
-                                        <p:tgtEl>
-                                          <p:spTgt spid="95"/>
-                                        </p:tgtEl>
-                                        <p:attrNameLst>
-                                          <p:attrName>ppt_x</p:attrName>
-                                        </p:attrNameLst>
-                                      </p:cBhvr>
-                                      <p:tavLst>
-                                        <p:tav tm="0">
-                                          <p:val>
-                                            <p:strVal val="#ppt_x"/>
-                                          </p:val>
-                                        </p:tav>
-                                        <p:tav tm="100000">
-                                          <p:val>
-                                            <p:strVal val="#ppt_x"/>
-                                          </p:val>
-                                        </p:tav>
-                                      </p:tavLst>
-                                    </p:anim>
-                                    <p:anim calcmode="lin" valueType="num">
-                                      <p:cBhvr additive="base">
-                                        <p:cTn id="64" dur="500" fill="hold"/>
-                                        <p:tgtEl>
-                                          <p:spTgt spid="95"/>
-                                        </p:tgtEl>
-                                        <p:attrNameLst>
-                                          <p:attrName>ppt_y</p:attrName>
-                                        </p:attrNameLst>
-                                      </p:cBhvr>
-                                      <p:tavLst>
-                                        <p:tav tm="0">
-                                          <p:val>
-                                            <p:strVal val="1+#ppt_h/2"/>
-                                          </p:val>
-                                        </p:tav>
-                                        <p:tav tm="100000">
-                                          <p:val>
-                                            <p:strVal val="#ppt_y"/>
-                                          </p:val>
-                                        </p:tav>
-                                      </p:tavLst>
-                                    </p:anim>
-                                  </p:childTnLst>
-                                </p:cTn>
-                              </p:par>
-                            </p:childTnLst>
-                          </p:cTn>
-                        </p:par>
-                      </p:childTnLst>
-                    </p:cTn>
-                  </p:par>
-                </p:childTnLst>
-              </p:cTn>
-              <p:prevCondLst>
-                <p:cond evt="onPrev" delay="0">
-                  <p:tgtEl>
-                    <p:sldTgt/>
-                  </p:tgtEl>
-                </p:cond>
-              </p:prevCondLst>
-              <p:nextCondLst>
-                <p:cond evt="onNext" delay="0">
-                  <p:tgtEl>
-                    <p:sldTgt/>
-                  </p:tgtEl>
-                </p:cond>
-              </p:nextCondLst>
-            </p:seq>
-          </p:childTnLst>
-        </p:cTn>
+        <p:cTn id="1" dur="indefinite" restart="never" nodeType="tmRoot"/>
       </p:par>
     </p:tnLst>
-    <p:bldLst>
-      <p:bldP spid="9" grpId="0" animBg="1"/>
-      <p:bldP spid="9" grpId="1" animBg="1"/>
-      <p:bldP spid="9" grpId="2" animBg="1"/>
-      <p:bldP spid="52" grpId="0" animBg="1"/>
-      <p:bldP spid="52" grpId="1" animBg="1"/>
-      <p:bldP spid="52" grpId="2" animBg="1"/>
-    </p:bldLst>
   </p:timing>
 </p:sld>
 </file>
@@ -8147,790 +7313,466 @@
       </p:grpSpPr>
       <p:sp>
         <p:nvSpPr>
-          <p:cNvPr id="9" name="Rectangle 8"/>
-          <p:cNvSpPr/>
-          <p:nvPr/>
+          <p:cNvPr id="2" name="Title 1"/>
+          <p:cNvSpPr>
+            <a:spLocks noGrp="1"/>
+          </p:cNvSpPr>
+          <p:nvPr>
+            <p:ph type="title"/>
+          </p:nvPr>
+        </p:nvSpPr>
+        <p:spPr/>
+        <p:txBody>
+          <a:bodyPr/>
+          <a:lstStyle/>
+          <a:p>
+            <a:r>
+              <a:rPr lang="en-US" b="1" dirty="0" smtClean="0">
+                <a:effectLst>
+                  <a:outerShdw blurRad="38100" dist="38100" dir="2700000" algn="tl">
+                    <a:srgbClr val="000000">
+                      <a:alpha val="43137"/>
+                    </a:srgbClr>
+                  </a:outerShdw>
+                </a:effectLst>
+              </a:rPr>
+              <a:t>Design Decisions</a:t>
+            </a:r>
+            <a:endParaRPr lang="en-US" b="1" dirty="0">
+              <a:effectLst>
+                <a:outerShdw blurRad="38100" dist="38100" dir="2700000" algn="tl">
+                  <a:srgbClr val="000000">
+                    <a:alpha val="43137"/>
+                  </a:srgbClr>
+                </a:outerShdw>
+              </a:effectLst>
+            </a:endParaRPr>
+          </a:p>
+        </p:txBody>
+      </p:sp>
+      <p:sp>
+        <p:nvSpPr>
+          <p:cNvPr id="3" name="Content Placeholder 2"/>
+          <p:cNvSpPr>
+            <a:spLocks noGrp="1"/>
+          </p:cNvSpPr>
+          <p:nvPr>
+            <p:ph idx="1"/>
+          </p:nvPr>
         </p:nvSpPr>
         <p:spPr>
           <a:xfrm>
-            <a:off x="6716562" y="3490013"/>
-            <a:ext cx="1203402" cy="733409"/>
-          </a:xfrm>
-          <a:prstGeom prst="rect">
-            <a:avLst/>
-          </a:prstGeom>
-        </p:spPr>
-        <p:style>
-          <a:lnRef idx="2">
-            <a:schemeClr val="accent1">
-              <a:shade val="50000"/>
-            </a:schemeClr>
-          </a:lnRef>
-          <a:fillRef idx="1">
-            <a:schemeClr val="accent1"/>
-          </a:fillRef>
-          <a:effectRef idx="0">
-            <a:schemeClr val="accent1"/>
-          </a:effectRef>
-          <a:fontRef idx="minor">
-            <a:schemeClr val="lt1"/>
-          </a:fontRef>
-        </p:style>
-        <p:txBody>
-          <a:bodyPr rtlCol="0" anchor="ctr"/>
-          <a:lstStyle/>
-          <a:p>
-            <a:pPr algn="ctr"/>
-            <a:endParaRPr lang="en-IN"/>
-          </a:p>
-        </p:txBody>
-      </p:sp>
-      <p:cxnSp>
-        <p:nvCxnSpPr>
-          <p:cNvPr id="11" name="Straight Arrow Connector 10"/>
-          <p:cNvCxnSpPr/>
-          <p:nvPr/>
-        </p:nvCxnSpPr>
-        <p:spPr>
-          <a:xfrm flipH="1">
-            <a:off x="2542307" y="5934743"/>
-            <a:ext cx="1651562" cy="0"/>
-          </a:xfrm>
-          <a:prstGeom prst="straightConnector1">
-            <a:avLst/>
-          </a:prstGeom>
-          <a:ln>
-            <a:tailEnd type="arrow"/>
-          </a:ln>
-        </p:spPr>
-        <p:style>
-          <a:lnRef idx="1">
-            <a:schemeClr val="accent2"/>
-          </a:lnRef>
-          <a:fillRef idx="0">
-            <a:schemeClr val="accent2"/>
-          </a:fillRef>
-          <a:effectRef idx="0">
-            <a:schemeClr val="accent2"/>
-          </a:effectRef>
-          <a:fontRef idx="minor">
-            <a:schemeClr val="tx1"/>
-          </a:fontRef>
-        </p:style>
-      </p:cxnSp>
-      <p:cxnSp>
-        <p:nvCxnSpPr>
-          <p:cNvPr id="12" name="Straight Arrow Connector 11"/>
-          <p:cNvCxnSpPr/>
-          <p:nvPr/>
-        </p:nvCxnSpPr>
-        <p:spPr>
-          <a:xfrm>
-            <a:off x="6446350" y="2984800"/>
-            <a:ext cx="466113" cy="438512"/>
-          </a:xfrm>
-          <a:prstGeom prst="straightConnector1">
-            <a:avLst/>
-          </a:prstGeom>
-          <a:ln>
-            <a:tailEnd type="arrow"/>
-          </a:ln>
-        </p:spPr>
-        <p:style>
-          <a:lnRef idx="1">
-            <a:schemeClr val="accent2"/>
-          </a:lnRef>
-          <a:fillRef idx="0">
-            <a:schemeClr val="accent2"/>
-          </a:fillRef>
-          <a:effectRef idx="0">
-            <a:schemeClr val="accent2"/>
-          </a:effectRef>
-          <a:fontRef idx="minor">
-            <a:schemeClr val="tx1"/>
-          </a:fontRef>
-        </p:style>
-      </p:cxnSp>
-      <p:cxnSp>
-        <p:nvCxnSpPr>
-          <p:cNvPr id="14" name="Straight Arrow Connector 13"/>
-          <p:cNvCxnSpPr/>
-          <p:nvPr/>
-        </p:nvCxnSpPr>
-        <p:spPr>
-          <a:xfrm flipH="1">
-            <a:off x="5962547" y="5317476"/>
-            <a:ext cx="313879" cy="364021"/>
-          </a:xfrm>
-          <a:prstGeom prst="straightConnector1">
-            <a:avLst/>
-          </a:prstGeom>
-          <a:ln>
-            <a:tailEnd type="arrow"/>
-          </a:ln>
-        </p:spPr>
-        <p:style>
-          <a:lnRef idx="1">
-            <a:schemeClr val="accent2"/>
-          </a:lnRef>
-          <a:fillRef idx="0">
-            <a:schemeClr val="accent2"/>
-          </a:fillRef>
-          <a:effectRef idx="0">
-            <a:schemeClr val="accent2"/>
-          </a:effectRef>
-          <a:fontRef idx="minor">
-            <a:schemeClr val="tx1"/>
-          </a:fontRef>
-        </p:style>
-      </p:cxnSp>
-      <p:sp>
-        <p:nvSpPr>
-          <p:cNvPr id="32" name="Title 1"/>
-          <p:cNvSpPr txBox="1">
-            <a:spLocks/>
-          </p:cNvSpPr>
-          <p:nvPr/>
-        </p:nvSpPr>
-        <p:spPr>
-          <a:xfrm>
-            <a:off x="679448" y="553011"/>
-            <a:ext cx="7583488" cy="721598"/>
-          </a:xfrm>
-          <a:prstGeom prst="rect">
-            <a:avLst/>
-          </a:prstGeom>
+            <a:off x="779463" y="1864096"/>
+            <a:ext cx="7583488" cy="4257012"/>
+          </a:xfrm>
         </p:spPr>
         <p:txBody>
           <a:bodyPr>
-            <a:normAutofit/>
+            <a:noAutofit/>
           </a:bodyPr>
           <a:lstStyle/>
           <a:p>
-            <a:pPr marL="0" marR="0" lvl="0" indent="0" algn="l" defTabSz="914400" rtl="0" eaLnBrk="1" fontAlgn="auto" latinLnBrk="0" hangingPunct="1">
-              <a:lnSpc>
-                <a:spcPct val="100000"/>
-              </a:lnSpc>
-              <a:spcBef>
-                <a:spcPct val="0"/>
-              </a:spcBef>
-              <a:spcAft>
-                <a:spcPts val="0"/>
-              </a:spcAft>
-              <a:buClrTx/>
-              <a:buSzTx/>
-              <a:buFontTx/>
-              <a:buNone/>
-              <a:tabLst/>
-              <a:defRPr/>
+            <a:r>
+              <a:rPr lang="en-US" altLang="zh-CN" b="1" dirty="0"/>
+              <a:t>Data</a:t>
+            </a:r>
+            <a:r>
+              <a:rPr lang="zh-CN" altLang="en-US" b="1" dirty="0"/>
+              <a:t> </a:t>
+            </a:r>
+            <a:r>
+              <a:rPr lang="en-US" altLang="zh-CN" b="1" dirty="0"/>
+              <a:t>Flow</a:t>
+            </a:r>
+            <a:r>
+              <a:rPr lang="en-US" altLang="zh-CN" sz="2000" b="1" dirty="0"/>
+              <a:t>:</a:t>
+            </a:r>
+            <a:r>
+              <a:rPr lang="zh-CN" altLang="en-US" sz="2000" b="1" dirty="0"/>
+              <a:t> </a:t>
+            </a:r>
+            <a:endParaRPr lang="en-US" altLang="zh-CN" sz="2000" b="1" dirty="0"/>
+          </a:p>
+          <a:p>
+            <a:pPr lvl="1">
+              <a:buFont typeface="Wingdings" panose="05000000000000000000" pitchFamily="2" charset="2"/>
+              <a:buChar char="§"/>
             </a:pPr>
             <a:r>
-              <a:rPr kumimoji="0" lang="en-US" sz="4000" b="1" i="0" u="none" strike="noStrike" kern="1200" cap="none" spc="0" normalizeH="0" baseline="0" noProof="0" dirty="0" smtClean="0">
-                <a:ln>
-                  <a:noFill/>
-                </a:ln>
-                <a:solidFill>
-                  <a:schemeClr val="tx1">
-                    <a:lumMod val="90000"/>
-                    <a:lumOff val="10000"/>
-                  </a:schemeClr>
-                </a:solidFill>
-                <a:effectLst/>
-                <a:uLnTx/>
-                <a:uFillTx/>
-                <a:latin typeface="+mj-lt"/>
-                <a:ea typeface="+mj-ea"/>
-                <a:cs typeface="+mj-cs"/>
+              <a:rPr lang="en-US" altLang="zh-CN" b="1" dirty="0"/>
+              <a:t>Bidirectional</a:t>
+            </a:r>
+            <a:r>
+              <a:rPr lang="zh-CN" altLang="en-US" b="1" dirty="0"/>
+              <a:t> </a:t>
+            </a:r>
+            <a:r>
+              <a:rPr lang="en-US" altLang="zh-CN" b="1" dirty="0"/>
+              <a:t>communication:</a:t>
+            </a:r>
+          </a:p>
+          <a:p>
+            <a:pPr lvl="2">
+              <a:buFont typeface="Corbel" panose="020B0503020204020204" pitchFamily="34" charset="0"/>
+              <a:buChar char="−"/>
+            </a:pPr>
+            <a:r>
+              <a:rPr lang="en-US" altLang="zh-CN" sz="2000" dirty="0" smtClean="0"/>
+              <a:t>On Arduino start up, send</a:t>
+            </a:r>
+            <a:r>
+              <a:rPr lang="zh-CN" altLang="en-US" sz="2000" dirty="0" smtClean="0"/>
+              <a:t> </a:t>
+            </a:r>
+            <a:r>
+              <a:rPr lang="en-US" altLang="zh-CN" sz="2000" dirty="0"/>
+              <a:t>the</a:t>
+            </a:r>
+            <a:r>
+              <a:rPr lang="zh-CN" altLang="en-US" sz="2000" dirty="0"/>
+              <a:t> </a:t>
+            </a:r>
+            <a:r>
+              <a:rPr lang="en-US" altLang="zh-CN" sz="2000" dirty="0"/>
+              <a:t>current</a:t>
+            </a:r>
+            <a:r>
+              <a:rPr lang="zh-CN" altLang="en-US" sz="2000" dirty="0"/>
+              <a:t> </a:t>
+            </a:r>
+            <a:r>
+              <a:rPr lang="en-US" altLang="zh-CN" sz="2000" dirty="0"/>
+              <a:t>status</a:t>
+            </a:r>
+            <a:r>
+              <a:rPr lang="zh-CN" altLang="en-US" sz="2000" dirty="0"/>
+              <a:t> </a:t>
+            </a:r>
+            <a:r>
+              <a:rPr lang="en-US" altLang="zh-CN" sz="2000" dirty="0"/>
+              <a:t>of</a:t>
+            </a:r>
+            <a:r>
+              <a:rPr lang="zh-CN" altLang="en-US" sz="2000" dirty="0"/>
+              <a:t> </a:t>
+            </a:r>
+            <a:r>
+              <a:rPr lang="en-US" altLang="zh-CN" sz="2000" dirty="0"/>
+              <a:t>LEDs</a:t>
+            </a:r>
+            <a:r>
+              <a:rPr lang="zh-CN" altLang="en-US" sz="2000" dirty="0"/>
+              <a:t> </a:t>
+            </a:r>
+            <a:r>
+              <a:rPr lang="en-US" altLang="zh-CN" sz="2000" dirty="0"/>
+              <a:t>(</a:t>
+            </a:r>
+            <a:r>
+              <a:rPr lang="en-US" altLang="zh-CN" sz="2000" dirty="0" err="1"/>
+              <a:t>arduino</a:t>
+            </a:r>
+            <a:r>
+              <a:rPr lang="en-US" altLang="zh-CN" sz="2000" dirty="0" err="1">
+                <a:sym typeface="Wingdings"/>
               </a:rPr>
-              <a:t>Solution Architecture</a:t>
-            </a:r>
-            <a:endParaRPr kumimoji="0" lang="en-US" sz="4000" b="1" i="0" u="none" strike="noStrike" kern="1200" cap="none" spc="0" normalizeH="0" baseline="0" noProof="0" dirty="0">
-              <a:ln>
-                <a:noFill/>
-              </a:ln>
-              <a:solidFill>
-                <a:schemeClr val="tx1">
-                  <a:lumMod val="90000"/>
-                  <a:lumOff val="10000"/>
-                </a:schemeClr>
-              </a:solidFill>
-              <a:effectLst/>
-              <a:uLnTx/>
-              <a:uFillTx/>
-              <a:latin typeface="+mj-lt"/>
-              <a:ea typeface="+mj-ea"/>
-              <a:cs typeface="+mj-cs"/>
-            </a:endParaRPr>
-          </a:p>
-        </p:txBody>
-      </p:sp>
-      <p:pic>
-        <p:nvPicPr>
-          <p:cNvPr id="1026" name="Picture 2" descr="C:\Users\HL\Downloads\Arduino Led.jpg"/>
-          <p:cNvPicPr>
-            <a:picLocks noChangeAspect="1" noChangeArrowheads="1"/>
-          </p:cNvPicPr>
-          <p:nvPr/>
-        </p:nvPicPr>
-        <p:blipFill>
-          <a:blip r:embed="rId2" cstate="print"/>
-          <a:srcRect/>
-          <a:stretch>
-            <a:fillRect/>
-          </a:stretch>
-        </p:blipFill>
-        <p:spPr bwMode="auto">
-          <a:xfrm>
-            <a:off x="679448" y="4994311"/>
-            <a:ext cx="1093934" cy="1360098"/>
-          </a:xfrm>
-          <a:prstGeom prst="rect">
-            <a:avLst/>
-          </a:prstGeom>
-          <a:noFill/>
-        </p:spPr>
-      </p:pic>
-      <p:pic>
-        <p:nvPicPr>
-          <p:cNvPr id="1028" name="Picture 4" descr="C:\Users\HL\Downloads\Laptop.jpg"/>
-          <p:cNvPicPr>
-            <a:picLocks noChangeAspect="1" noChangeArrowheads="1"/>
-          </p:cNvPicPr>
-          <p:nvPr/>
-        </p:nvPicPr>
-        <p:blipFill>
-          <a:blip r:embed="rId3" cstate="print"/>
-          <a:srcRect/>
-          <a:stretch>
-            <a:fillRect/>
-          </a:stretch>
-        </p:blipFill>
-        <p:spPr bwMode="auto">
-          <a:xfrm>
-            <a:off x="3379796" y="3488718"/>
-            <a:ext cx="1251352" cy="859262"/>
-          </a:xfrm>
-          <a:prstGeom prst="rect">
-            <a:avLst/>
-          </a:prstGeom>
-          <a:noFill/>
-        </p:spPr>
-      </p:pic>
-      <p:pic>
-        <p:nvPicPr>
-          <p:cNvPr id="1031" name="Picture 7" descr="C:\Users\HL\Downloads\AjuxTmvM3Lvagkio-R9pc_el8H6wcPucmlGEFu90Sg-G.jpg"/>
-          <p:cNvPicPr>
-            <a:picLocks noChangeAspect="1" noChangeArrowheads="1"/>
-          </p:cNvPicPr>
-          <p:nvPr/>
-        </p:nvPicPr>
-        <p:blipFill>
-          <a:blip r:embed="rId4" cstate="print"/>
-          <a:srcRect/>
-          <a:stretch>
-            <a:fillRect/>
-          </a:stretch>
-        </p:blipFill>
-        <p:spPr bwMode="auto">
-          <a:xfrm>
-            <a:off x="7765650" y="4784803"/>
-            <a:ext cx="994571" cy="1342346"/>
-          </a:xfrm>
-          <a:prstGeom prst="rect">
-            <a:avLst/>
-          </a:prstGeom>
-          <a:noFill/>
-        </p:spPr>
-      </p:pic>
-      <p:sp>
-        <p:nvSpPr>
-          <p:cNvPr id="48" name="TextBox 47"/>
-          <p:cNvSpPr txBox="1"/>
-          <p:nvPr/>
-        </p:nvSpPr>
-        <p:spPr>
-          <a:xfrm>
-            <a:off x="6716562" y="3566038"/>
-            <a:ext cx="1203402" cy="646331"/>
-          </a:xfrm>
-          <a:prstGeom prst="rect">
-            <a:avLst/>
-          </a:prstGeom>
-          <a:noFill/>
-        </p:spPr>
-        <p:txBody>
-          <a:bodyPr wrap="square" rtlCol="0">
-            <a:spAutoFit/>
-          </a:bodyPr>
-          <a:lstStyle/>
-          <a:p>
-            <a:r>
-              <a:rPr lang="en-IN" b="1" dirty="0" smtClean="0"/>
-              <a:t>SERVER (Pi)</a:t>
-            </a:r>
-            <a:endParaRPr lang="en-IN" b="1" dirty="0"/>
-          </a:p>
-        </p:txBody>
-      </p:sp>
-      <p:sp>
-        <p:nvSpPr>
-          <p:cNvPr id="50" name="Rectangle 49"/>
-          <p:cNvSpPr/>
-          <p:nvPr/>
-        </p:nvSpPr>
-        <p:spPr>
-          <a:xfrm>
-            <a:off x="7636389" y="6098783"/>
-            <a:ext cx="1177636" cy="369332"/>
-          </a:xfrm>
-          <a:prstGeom prst="rect">
-            <a:avLst/>
-          </a:prstGeom>
-        </p:spPr>
-        <p:txBody>
-          <a:bodyPr wrap="square">
-            <a:spAutoFit/>
-          </a:bodyPr>
-          <a:lstStyle/>
-          <a:p>
-            <a:r>
-              <a:rPr lang="en-IN" dirty="0" smtClean="0"/>
-              <a:t>Html page</a:t>
-            </a:r>
-            <a:endParaRPr lang="en-IN" dirty="0"/>
-          </a:p>
-        </p:txBody>
-      </p:sp>
-      <p:sp>
-        <p:nvSpPr>
-          <p:cNvPr id="51" name="Rectangle 50"/>
-          <p:cNvSpPr/>
-          <p:nvPr/>
-        </p:nvSpPr>
-        <p:spPr>
-          <a:xfrm>
-            <a:off x="5523691" y="4809645"/>
-            <a:ext cx="1761891" cy="646331"/>
-          </a:xfrm>
-          <a:prstGeom prst="rect">
-            <a:avLst/>
-          </a:prstGeom>
-        </p:spPr>
-        <p:txBody>
-          <a:bodyPr wrap="square">
-            <a:spAutoFit/>
-          </a:bodyPr>
-          <a:lstStyle/>
-          <a:p>
-            <a:r>
-              <a:rPr lang="en-IN" dirty="0" smtClean="0"/>
-              <a:t>Control Code</a:t>
-            </a:r>
-          </a:p>
-          <a:p>
-            <a:r>
-              <a:rPr lang="en-IN" dirty="0" smtClean="0"/>
-              <a:t>(node </a:t>
-            </a:r>
-            <a:r>
-              <a:rPr lang="en-IN" dirty="0" err="1" smtClean="0"/>
-              <a:t>js</a:t>
-            </a:r>
-            <a:r>
-              <a:rPr lang="en-IN" dirty="0" smtClean="0"/>
+              <a:t></a:t>
+            </a:r>
+            <a:r>
+              <a:rPr lang="en-US" altLang="zh-CN" sz="2000" dirty="0" err="1"/>
+              <a:t>server</a:t>
+            </a:r>
+            <a:r>
+              <a:rPr lang="en-US" altLang="zh-CN" sz="2000" dirty="0" err="1">
+                <a:sym typeface="Wingdings"/>
+              </a:rPr>
+              <a:t></a:t>
+            </a:r>
+            <a:r>
+              <a:rPr lang="en-US" altLang="zh-CN" sz="2000" dirty="0" err="1"/>
+              <a:t>webpage</a:t>
+            </a:r>
+            <a:r>
+              <a:rPr lang="zh-CN" altLang="en-US" sz="2000" dirty="0"/>
+              <a:t> </a:t>
+            </a:r>
+            <a:r>
+              <a:rPr lang="en-US" altLang="zh-CN" sz="2000" dirty="0"/>
               <a:t>)</a:t>
             </a:r>
-            <a:endParaRPr lang="en-IN" dirty="0"/>
-          </a:p>
-        </p:txBody>
-      </p:sp>
-      <p:sp>
-        <p:nvSpPr>
-          <p:cNvPr id="52" name="Rectangle 51"/>
-          <p:cNvSpPr/>
-          <p:nvPr/>
-        </p:nvSpPr>
-        <p:spPr>
-          <a:xfrm>
-            <a:off x="4673871" y="2060445"/>
-            <a:ext cx="2611711" cy="859262"/>
-          </a:xfrm>
-          <a:prstGeom prst="rect">
-            <a:avLst/>
-          </a:prstGeom>
-        </p:spPr>
-        <p:style>
-          <a:lnRef idx="2">
-            <a:schemeClr val="accent1">
-              <a:shade val="50000"/>
-            </a:schemeClr>
-          </a:lnRef>
-          <a:fillRef idx="1">
-            <a:schemeClr val="accent1"/>
-          </a:fillRef>
-          <a:effectRef idx="0">
-            <a:schemeClr val="accent1"/>
-          </a:effectRef>
-          <a:fontRef idx="minor">
-            <a:schemeClr val="lt1"/>
-          </a:fontRef>
-        </p:style>
-        <p:txBody>
-          <a:bodyPr rtlCol="0" anchor="ctr"/>
-          <a:lstStyle/>
-          <a:p>
-            <a:pPr algn="ctr"/>
-            <a:endParaRPr lang="en-IN"/>
-          </a:p>
-        </p:txBody>
-      </p:sp>
-      <p:sp>
-        <p:nvSpPr>
-          <p:cNvPr id="53" name="TextBox 52"/>
-          <p:cNvSpPr txBox="1"/>
-          <p:nvPr/>
-        </p:nvSpPr>
-        <p:spPr>
-          <a:xfrm>
-            <a:off x="4673872" y="2222983"/>
-            <a:ext cx="2611710" cy="461665"/>
-          </a:xfrm>
-          <a:prstGeom prst="rect">
-            <a:avLst/>
-          </a:prstGeom>
-          <a:noFill/>
-        </p:spPr>
-        <p:txBody>
-          <a:bodyPr wrap="square" rtlCol="0">
-            <a:spAutoFit/>
-          </a:bodyPr>
-          <a:lstStyle/>
-          <a:p>
-            <a:r>
-              <a:rPr lang="en-IN" sz="2400" b="1" dirty="0" smtClean="0"/>
-              <a:t>EC544_4_ Router</a:t>
-            </a:r>
-            <a:endParaRPr lang="en-IN" sz="2400" b="1" dirty="0"/>
-          </a:p>
-        </p:txBody>
-      </p:sp>
-      <p:cxnSp>
-        <p:nvCxnSpPr>
-          <p:cNvPr id="55" name="Straight Arrow Connector 54"/>
-          <p:cNvCxnSpPr/>
-          <p:nvPr/>
-        </p:nvCxnSpPr>
-        <p:spPr>
-          <a:xfrm flipH="1">
-            <a:off x="6520660" y="4223423"/>
-            <a:ext cx="391803" cy="655444"/>
-          </a:xfrm>
-          <a:prstGeom prst="straightConnector1">
-            <a:avLst/>
-          </a:prstGeom>
-          <a:ln>
-            <a:tailEnd type="arrow"/>
-          </a:ln>
-        </p:spPr>
-        <p:style>
-          <a:lnRef idx="1">
-            <a:schemeClr val="accent2"/>
-          </a:lnRef>
-          <a:fillRef idx="0">
-            <a:schemeClr val="accent2"/>
-          </a:fillRef>
-          <a:effectRef idx="0">
-            <a:schemeClr val="accent2"/>
-          </a:effectRef>
-          <a:fontRef idx="minor">
-            <a:schemeClr val="tx1"/>
-          </a:fontRef>
-        </p:style>
-      </p:cxnSp>
-      <p:cxnSp>
-        <p:nvCxnSpPr>
-          <p:cNvPr id="60" name="Straight Arrow Connector 59"/>
-          <p:cNvCxnSpPr/>
-          <p:nvPr/>
-        </p:nvCxnSpPr>
-        <p:spPr>
-          <a:xfrm>
-            <a:off x="8024358" y="4225840"/>
-            <a:ext cx="466113" cy="438512"/>
-          </a:xfrm>
-          <a:prstGeom prst="straightConnector1">
-            <a:avLst/>
-          </a:prstGeom>
-          <a:ln>
-            <a:tailEnd type="arrow"/>
-          </a:ln>
-        </p:spPr>
-        <p:style>
-          <a:lnRef idx="1">
-            <a:schemeClr val="accent2"/>
-          </a:lnRef>
-          <a:fillRef idx="0">
-            <a:schemeClr val="accent2"/>
-          </a:fillRef>
-          <a:effectRef idx="0">
-            <a:schemeClr val="accent2"/>
-          </a:effectRef>
-          <a:fontRef idx="minor">
-            <a:schemeClr val="tx1"/>
-          </a:fontRef>
-        </p:style>
-      </p:cxnSp>
-      <p:sp>
-        <p:nvSpPr>
-          <p:cNvPr id="62" name="TextBox 61"/>
-          <p:cNvSpPr txBox="1"/>
-          <p:nvPr/>
-        </p:nvSpPr>
-        <p:spPr>
-          <a:xfrm>
-            <a:off x="2880944" y="3053980"/>
-            <a:ext cx="1124528" cy="369332"/>
-          </a:xfrm>
-          <a:prstGeom prst="rect">
-            <a:avLst/>
-          </a:prstGeom>
-          <a:noFill/>
-        </p:spPr>
-        <p:txBody>
-          <a:bodyPr wrap="square" rtlCol="0">
-            <a:spAutoFit/>
-          </a:bodyPr>
-          <a:lstStyle/>
-          <a:p>
-            <a:r>
-              <a:rPr lang="en-IN" dirty="0" smtClean="0"/>
-              <a:t>CLIENT</a:t>
-            </a:r>
-            <a:endParaRPr lang="en-IN" dirty="0"/>
-          </a:p>
-        </p:txBody>
-      </p:sp>
-      <p:pic>
-        <p:nvPicPr>
-          <p:cNvPr id="1033" name="Picture 9" descr="C:\Users\HL\Downloads\XBee.jpg"/>
-          <p:cNvPicPr>
-            <a:picLocks noChangeAspect="1" noChangeArrowheads="1"/>
-          </p:cNvPicPr>
-          <p:nvPr/>
-        </p:nvPicPr>
-        <p:blipFill>
-          <a:blip r:embed="rId5" cstate="print"/>
-          <a:srcRect/>
-          <a:stretch>
-            <a:fillRect/>
-          </a:stretch>
-        </p:blipFill>
-        <p:spPr bwMode="auto">
-          <a:xfrm>
-            <a:off x="4673872" y="5481003"/>
-            <a:ext cx="1288675" cy="802446"/>
-          </a:xfrm>
-          <a:prstGeom prst="rect">
-            <a:avLst/>
-          </a:prstGeom>
-          <a:noFill/>
-        </p:spPr>
-      </p:pic>
-      <p:sp>
-        <p:nvSpPr>
-          <p:cNvPr id="82" name="TextBox 81"/>
-          <p:cNvSpPr txBox="1"/>
-          <p:nvPr/>
-        </p:nvSpPr>
-        <p:spPr>
-          <a:xfrm>
-            <a:off x="4631148" y="3104373"/>
-            <a:ext cx="2097463" cy="369332"/>
-          </a:xfrm>
-          <a:prstGeom prst="rect">
-            <a:avLst/>
-          </a:prstGeom>
-          <a:noFill/>
-        </p:spPr>
-        <p:txBody>
-          <a:bodyPr wrap="square" rtlCol="0">
-            <a:spAutoFit/>
-          </a:bodyPr>
-          <a:lstStyle/>
-          <a:p>
-            <a:r>
-              <a:rPr lang="en-IN" dirty="0" smtClean="0"/>
-              <a:t>ServerAdress:3000</a:t>
-            </a:r>
-            <a:endParaRPr lang="en-IN" dirty="0"/>
-          </a:p>
-        </p:txBody>
-      </p:sp>
-      <p:sp>
-        <p:nvSpPr>
-          <p:cNvPr id="83" name="TextBox 82"/>
-          <p:cNvSpPr txBox="1"/>
-          <p:nvPr/>
-        </p:nvSpPr>
-        <p:spPr>
-          <a:xfrm>
-            <a:off x="2542307" y="6098783"/>
-            <a:ext cx="1463165" cy="369332"/>
-          </a:xfrm>
-          <a:prstGeom prst="rect">
-            <a:avLst/>
-          </a:prstGeom>
-          <a:noFill/>
-        </p:spPr>
-        <p:txBody>
-          <a:bodyPr wrap="square" rtlCol="0">
-            <a:spAutoFit/>
-          </a:bodyPr>
-          <a:lstStyle/>
-          <a:p>
-            <a:r>
-              <a:rPr lang="en-IN" dirty="0" smtClean="0"/>
-              <a:t>Sends data </a:t>
-            </a:r>
-            <a:endParaRPr lang="en-IN" dirty="0"/>
-          </a:p>
-        </p:txBody>
-      </p:sp>
-      <p:cxnSp>
-        <p:nvCxnSpPr>
-          <p:cNvPr id="84" name="Straight Arrow Connector 83"/>
-          <p:cNvCxnSpPr/>
-          <p:nvPr/>
-        </p:nvCxnSpPr>
-        <p:spPr>
-          <a:xfrm>
-            <a:off x="2542307" y="5658217"/>
-            <a:ext cx="1651562" cy="0"/>
-          </a:xfrm>
-          <a:prstGeom prst="straightConnector1">
-            <a:avLst/>
-          </a:prstGeom>
-          <a:ln>
-            <a:tailEnd type="arrow"/>
-          </a:ln>
-        </p:spPr>
-        <p:style>
-          <a:lnRef idx="1">
-            <a:schemeClr val="accent2"/>
-          </a:lnRef>
-          <a:fillRef idx="0">
-            <a:schemeClr val="accent2"/>
-          </a:fillRef>
-          <a:effectRef idx="0">
-            <a:schemeClr val="accent2"/>
-          </a:effectRef>
-          <a:fontRef idx="minor">
-            <a:schemeClr val="tx1"/>
-          </a:fontRef>
-        </p:style>
-      </p:cxnSp>
-      <p:sp>
-        <p:nvSpPr>
-          <p:cNvPr id="87" name="TextBox 86"/>
-          <p:cNvSpPr txBox="1"/>
-          <p:nvPr/>
-        </p:nvSpPr>
-        <p:spPr>
-          <a:xfrm>
-            <a:off x="2503399" y="5132810"/>
-            <a:ext cx="1690470" cy="369332"/>
-          </a:xfrm>
-          <a:prstGeom prst="rect">
-            <a:avLst/>
-          </a:prstGeom>
-          <a:noFill/>
-        </p:spPr>
-        <p:txBody>
-          <a:bodyPr wrap="square" rtlCol="0">
-            <a:spAutoFit/>
-          </a:bodyPr>
-          <a:lstStyle/>
-          <a:p>
-            <a:r>
-              <a:rPr lang="en-IN" dirty="0" smtClean="0"/>
-              <a:t>   Receives Data</a:t>
-            </a:r>
-            <a:endParaRPr lang="en-IN" dirty="0"/>
-          </a:p>
-        </p:txBody>
-      </p:sp>
-      <p:sp>
-        <p:nvSpPr>
-          <p:cNvPr id="92" name="TextBox 91"/>
-          <p:cNvSpPr txBox="1"/>
-          <p:nvPr/>
-        </p:nvSpPr>
-        <p:spPr>
-          <a:xfrm>
-            <a:off x="397227" y="4347980"/>
-            <a:ext cx="1690470" cy="646331"/>
-          </a:xfrm>
-          <a:prstGeom prst="rect">
-            <a:avLst/>
-          </a:prstGeom>
-          <a:noFill/>
-        </p:spPr>
-        <p:txBody>
-          <a:bodyPr wrap="square" rtlCol="0">
-            <a:spAutoFit/>
-          </a:bodyPr>
-          <a:lstStyle/>
-          <a:p>
-            <a:pPr algn="ctr"/>
-            <a:r>
-              <a:rPr lang="en-IN" dirty="0" err="1" smtClean="0"/>
-              <a:t>Arduino</a:t>
-            </a:r>
-            <a:r>
-              <a:rPr lang="en-IN" dirty="0" smtClean="0"/>
-              <a:t> with        LEDs</a:t>
-            </a:r>
-            <a:endParaRPr lang="en-IN" dirty="0"/>
-          </a:p>
-        </p:txBody>
-      </p:sp>
-      <p:cxnSp>
-        <p:nvCxnSpPr>
-          <p:cNvPr id="27" name="Straight Arrow Connector 26"/>
-          <p:cNvCxnSpPr/>
-          <p:nvPr/>
-        </p:nvCxnSpPr>
-        <p:spPr>
-          <a:xfrm flipV="1">
-            <a:off x="4165035" y="2996237"/>
-            <a:ext cx="466113" cy="427075"/>
-          </a:xfrm>
-          <a:prstGeom prst="straightConnector1">
-            <a:avLst/>
-          </a:prstGeom>
-          <a:ln>
-            <a:tailEnd type="arrow"/>
-          </a:ln>
-        </p:spPr>
-        <p:style>
-          <a:lnRef idx="1">
-            <a:schemeClr val="accent2"/>
-          </a:lnRef>
-          <a:fillRef idx="0">
-            <a:schemeClr val="accent2"/>
-          </a:fillRef>
-          <a:effectRef idx="0">
-            <a:schemeClr val="accent2"/>
-          </a:effectRef>
-          <a:fontRef idx="minor">
-            <a:schemeClr val="tx1"/>
-          </a:fontRef>
-        </p:style>
-      </p:cxnSp>
+          </a:p>
+          <a:p>
+            <a:pPr lvl="2">
+              <a:buFont typeface="Corbel" panose="020B0503020204020204" pitchFamily="34" charset="0"/>
+              <a:buChar char="−"/>
+            </a:pPr>
+            <a:r>
+              <a:rPr lang="en-US" altLang="zh-CN" sz="2000" dirty="0"/>
+              <a:t>Switch</a:t>
+            </a:r>
+            <a:r>
+              <a:rPr lang="zh-CN" altLang="en-US" sz="2000" dirty="0"/>
+              <a:t> </a:t>
+            </a:r>
+            <a:r>
+              <a:rPr lang="en-US" altLang="zh-CN" sz="2000" dirty="0"/>
+              <a:t>the</a:t>
+            </a:r>
+            <a:r>
+              <a:rPr lang="zh-CN" altLang="en-US" sz="2000" dirty="0"/>
+              <a:t> </a:t>
+            </a:r>
+            <a:r>
+              <a:rPr lang="en-US" altLang="zh-CN" sz="2000" dirty="0"/>
+              <a:t>LEDs</a:t>
+            </a:r>
+            <a:r>
+              <a:rPr lang="zh-CN" altLang="en-US" sz="2000" dirty="0"/>
+              <a:t> </a:t>
+            </a:r>
+            <a:r>
+              <a:rPr lang="en-US" altLang="zh-CN" sz="2000" dirty="0"/>
+              <a:t>on/off</a:t>
+            </a:r>
+            <a:r>
+              <a:rPr lang="zh-CN" altLang="en-US" sz="2000" dirty="0"/>
+              <a:t> </a:t>
+            </a:r>
+            <a:r>
+              <a:rPr lang="en-US" altLang="zh-CN" sz="2000" dirty="0"/>
+              <a:t>(</a:t>
+            </a:r>
+            <a:r>
+              <a:rPr lang="en-US" altLang="zh-CN" sz="2000" dirty="0" err="1"/>
+              <a:t>webpage</a:t>
+            </a:r>
+            <a:r>
+              <a:rPr lang="en-US" altLang="zh-CN" sz="2000" dirty="0" err="1">
+                <a:sym typeface="Wingdings"/>
+              </a:rPr>
+              <a:t>serverarduino</a:t>
+            </a:r>
+            <a:r>
+              <a:rPr lang="en-US" altLang="zh-CN" sz="2000" dirty="0"/>
+              <a:t>)</a:t>
+            </a:r>
+          </a:p>
+          <a:p>
+            <a:pPr lvl="2">
+              <a:buFont typeface="Corbel" panose="020B0503020204020204" pitchFamily="34" charset="0"/>
+              <a:buChar char="−"/>
+            </a:pPr>
+            <a:r>
+              <a:rPr lang="en-US" altLang="zh-CN" sz="2000" dirty="0"/>
+              <a:t>Using</a:t>
+            </a:r>
+            <a:r>
+              <a:rPr lang="zh-CN" altLang="en-US" sz="2000" dirty="0"/>
+              <a:t> </a:t>
+            </a:r>
+            <a:r>
+              <a:rPr lang="en-US" altLang="zh-CN" sz="2000" dirty="0"/>
+              <a:t>socket</a:t>
+            </a:r>
+            <a:r>
+              <a:rPr lang="zh-CN" altLang="en-US" sz="2000" dirty="0"/>
+              <a:t> </a:t>
+            </a:r>
+            <a:r>
+              <a:rPr lang="en-US" altLang="zh-CN" sz="2000" dirty="0"/>
+              <a:t>I/O</a:t>
+            </a:r>
+            <a:r>
+              <a:rPr lang="zh-CN" altLang="en-US" sz="2000" dirty="0"/>
+              <a:t> </a:t>
+            </a:r>
+            <a:r>
+              <a:rPr lang="en-US" altLang="zh-CN" sz="2000" dirty="0"/>
+              <a:t>to</a:t>
+            </a:r>
+            <a:r>
+              <a:rPr lang="zh-CN" altLang="en-US" sz="2000" dirty="0"/>
+              <a:t> </a:t>
+            </a:r>
+            <a:r>
+              <a:rPr lang="en-US" altLang="zh-CN" sz="2000" dirty="0"/>
+              <a:t>communicate</a:t>
+            </a:r>
+            <a:r>
+              <a:rPr lang="zh-CN" altLang="en-US" sz="2000" dirty="0"/>
+              <a:t> </a:t>
+            </a:r>
+            <a:r>
+              <a:rPr lang="en-US" altLang="zh-CN" sz="2000" dirty="0"/>
+              <a:t>between</a:t>
+            </a:r>
+            <a:r>
+              <a:rPr lang="zh-CN" altLang="en-US" sz="2000" dirty="0"/>
+              <a:t> </a:t>
+            </a:r>
+            <a:r>
+              <a:rPr lang="en-US" altLang="zh-CN" sz="2000" dirty="0"/>
+              <a:t>webpage</a:t>
+            </a:r>
+            <a:r>
+              <a:rPr lang="zh-CN" altLang="en-US" sz="2000" dirty="0"/>
+              <a:t> </a:t>
+            </a:r>
+            <a:r>
+              <a:rPr lang="en-US" altLang="zh-CN" sz="2000" dirty="0"/>
+              <a:t>and</a:t>
+            </a:r>
+            <a:r>
+              <a:rPr lang="zh-CN" altLang="en-US" sz="2000" dirty="0"/>
+              <a:t> </a:t>
+            </a:r>
+            <a:r>
+              <a:rPr lang="en-US" altLang="zh-CN" sz="2000" dirty="0"/>
+              <a:t>control</a:t>
+            </a:r>
+            <a:r>
+              <a:rPr lang="zh-CN" altLang="en-US" sz="2000" dirty="0"/>
+              <a:t> </a:t>
+            </a:r>
+            <a:r>
+              <a:rPr lang="en-US" altLang="zh-CN" sz="2000" dirty="0" smtClean="0"/>
+              <a:t>server</a:t>
+            </a:r>
+            <a:endParaRPr lang="en-US" altLang="zh-CN" b="1" dirty="0" smtClean="0"/>
+          </a:p>
+          <a:p>
+            <a:r>
+              <a:rPr lang="en-US" altLang="zh-CN" b="1" dirty="0" smtClean="0"/>
+              <a:t>Remote </a:t>
+            </a:r>
+            <a:r>
+              <a:rPr lang="en-US" altLang="zh-CN" b="1" dirty="0" smtClean="0"/>
+              <a:t>Access Method</a:t>
+            </a:r>
+            <a:r>
+              <a:rPr lang="en-US" altLang="zh-CN" sz="2000" b="1" dirty="0" smtClean="0"/>
+              <a:t>:</a:t>
+            </a:r>
+            <a:r>
+              <a:rPr lang="zh-CN" altLang="en-US" sz="2000" b="1" dirty="0" smtClean="0"/>
+              <a:t> </a:t>
+            </a:r>
+            <a:endParaRPr lang="en-US" altLang="zh-CN" sz="2000" b="1" dirty="0"/>
+          </a:p>
+          <a:p>
+            <a:pPr lvl="1">
+              <a:buFont typeface="Wingdings" panose="05000000000000000000" pitchFamily="2" charset="2"/>
+              <a:buChar char="§"/>
+            </a:pPr>
+            <a:r>
+              <a:rPr lang="en-US" altLang="zh-CN" sz="1800" b="1" dirty="0" smtClean="0"/>
+              <a:t>DDNS:</a:t>
+            </a:r>
+            <a:endParaRPr lang="en-US" sz="1800" b="1" dirty="0" smtClean="0"/>
+          </a:p>
+          <a:p>
+            <a:pPr lvl="2">
+              <a:buFont typeface="Corbel" panose="020B0503020204020204" pitchFamily="34" charset="0"/>
+              <a:buChar char="−"/>
+            </a:pPr>
+            <a:r>
+              <a:rPr lang="en-US" altLang="zh-CN" sz="2000" dirty="0" smtClean="0"/>
+              <a:t>Solves the lack of a static IP</a:t>
+            </a:r>
+          </a:p>
+          <a:p>
+            <a:pPr lvl="2">
+              <a:buFont typeface="Corbel" panose="020B0503020204020204" pitchFamily="34" charset="0"/>
+              <a:buChar char="−"/>
+            </a:pPr>
+            <a:r>
+              <a:rPr lang="en-US" altLang="zh-CN" sz="2000" dirty="0" smtClean="0"/>
+              <a:t>Provides a d</a:t>
+            </a:r>
+            <a:r>
+              <a:rPr lang="en-US" altLang="zh-CN" sz="2000" dirty="0" smtClean="0"/>
+              <a:t>omain</a:t>
+            </a:r>
+            <a:r>
+              <a:rPr lang="zh-CN" altLang="en-US" sz="2000" dirty="0" smtClean="0"/>
+              <a:t> </a:t>
+            </a:r>
+            <a:r>
+              <a:rPr lang="en-US" altLang="zh-CN" sz="2000" dirty="0" smtClean="0"/>
+              <a:t>name</a:t>
+            </a:r>
+            <a:r>
+              <a:rPr lang="zh-CN" altLang="en-US" sz="2000" dirty="0" smtClean="0"/>
+              <a:t> </a:t>
+            </a:r>
+            <a:r>
+              <a:rPr lang="en-US" altLang="zh-CN" sz="2000" dirty="0" smtClean="0"/>
+              <a:t>that</a:t>
+            </a:r>
+            <a:r>
+              <a:rPr lang="zh-CN" altLang="en-US" sz="2000" dirty="0" smtClean="0"/>
+              <a:t> </a:t>
+            </a:r>
+            <a:r>
+              <a:rPr lang="en-US" altLang="zh-CN" sz="2000" dirty="0" smtClean="0"/>
+              <a:t>is</a:t>
+            </a:r>
+            <a:r>
+              <a:rPr lang="zh-CN" altLang="en-US" sz="2000" dirty="0" smtClean="0"/>
+              <a:t> </a:t>
+            </a:r>
+            <a:r>
+              <a:rPr lang="en-US" altLang="zh-CN" sz="2000" dirty="0" smtClean="0"/>
+              <a:t>always</a:t>
+            </a:r>
+            <a:r>
+              <a:rPr lang="zh-CN" altLang="en-US" sz="2000" dirty="0" smtClean="0"/>
+              <a:t> </a:t>
+            </a:r>
+            <a:r>
+              <a:rPr lang="en-US" altLang="zh-CN" sz="2000" dirty="0" smtClean="0"/>
+              <a:t>accessible</a:t>
+            </a:r>
+            <a:r>
+              <a:rPr lang="zh-CN" altLang="en-US" sz="2000" dirty="0" smtClean="0"/>
+              <a:t> </a:t>
+            </a:r>
+            <a:endParaRPr lang="en-US" altLang="zh-CN" sz="2000" dirty="0" smtClean="0"/>
+          </a:p>
+          <a:p>
+            <a:pPr lvl="2">
+              <a:buFont typeface="Corbel" panose="020B0503020204020204" pitchFamily="34" charset="0"/>
+              <a:buChar char="−"/>
+            </a:pPr>
+            <a:r>
+              <a:rPr lang="en-US" altLang="zh-CN" sz="2000" dirty="0" smtClean="0"/>
+              <a:t>Easy</a:t>
+            </a:r>
+            <a:r>
+              <a:rPr lang="zh-CN" altLang="en-US" sz="2000" dirty="0" smtClean="0"/>
+              <a:t> </a:t>
+            </a:r>
+            <a:r>
+              <a:rPr lang="en-US" altLang="zh-CN" sz="2000" dirty="0" smtClean="0"/>
+              <a:t>to</a:t>
+            </a:r>
+            <a:r>
+              <a:rPr lang="zh-CN" altLang="en-US" sz="2000" dirty="0" smtClean="0"/>
+              <a:t> </a:t>
+            </a:r>
+            <a:r>
+              <a:rPr lang="en-US" altLang="zh-CN" sz="2000" dirty="0" smtClean="0"/>
+              <a:t>configure</a:t>
+            </a:r>
+            <a:endParaRPr lang="en-US" altLang="zh-CN" sz="2000" dirty="0" smtClean="0"/>
+          </a:p>
+        </p:txBody>
+      </p:sp>
     </p:spTree>
     <p:extLst>
       <p:ext uri="{BB962C8B-B14F-4D97-AF65-F5344CB8AC3E}">
-        <p14:creationId xmlns="" xmlns:p14="http://schemas.microsoft.com/office/powerpoint/2010/main" val="3583039675"/>
+        <p14:creationId xmlns:p14="http://schemas.microsoft.com/office/powerpoint/2010/main" val="2314508265"/>
       </p:ext>
     </p:extLst>
   </p:cSld>
@@ -8940,891 +7782,9 @@
   <p:timing>
     <p:tnLst>
       <p:par>
-        <p:cTn id="1" dur="indefinite" restart="never" nodeType="tmRoot">
-          <p:childTnLst>
-            <p:seq concurrent="1" nextAc="seek">
-              <p:cTn id="2" dur="indefinite" nodeType="mainSeq">
-                <p:childTnLst>
-                  <p:par>
-                    <p:cTn id="3" fill="hold">
-                      <p:stCondLst>
-                        <p:cond delay="indefinite"/>
-                      </p:stCondLst>
-                      <p:childTnLst>
-                        <p:par>
-                          <p:cTn id="4" fill="hold">
-                            <p:stCondLst>
-                              <p:cond delay="0"/>
-                            </p:stCondLst>
-                            <p:childTnLst>
-                              <p:par>
-                                <p:cTn id="5" presetID="2" presetClass="entr" presetSubtype="4" fill="hold" nodeType="clickEffect">
-                                  <p:stCondLst>
-                                    <p:cond delay="0"/>
-                                  </p:stCondLst>
-                                  <p:childTnLst>
-                                    <p:set>
-                                      <p:cBhvr>
-                                        <p:cTn id="6" dur="1" fill="hold">
-                                          <p:stCondLst>
-                                            <p:cond delay="0"/>
-                                          </p:stCondLst>
-                                        </p:cTn>
-                                        <p:tgtEl>
-                                          <p:spTgt spid="14"/>
-                                        </p:tgtEl>
-                                        <p:attrNameLst>
-                                          <p:attrName>style.visibility</p:attrName>
-                                        </p:attrNameLst>
-                                      </p:cBhvr>
-                                      <p:to>
-                                        <p:strVal val="visible"/>
-                                      </p:to>
-                                    </p:set>
-                                    <p:anim calcmode="lin" valueType="num">
-                                      <p:cBhvr additive="base">
-                                        <p:cTn id="7" dur="500" fill="hold"/>
-                                        <p:tgtEl>
-                                          <p:spTgt spid="14"/>
-                                        </p:tgtEl>
-                                        <p:attrNameLst>
-                                          <p:attrName>ppt_x</p:attrName>
-                                        </p:attrNameLst>
-                                      </p:cBhvr>
-                                      <p:tavLst>
-                                        <p:tav tm="0">
-                                          <p:val>
-                                            <p:strVal val="#ppt_x"/>
-                                          </p:val>
-                                        </p:tav>
-                                        <p:tav tm="100000">
-                                          <p:val>
-                                            <p:strVal val="#ppt_x"/>
-                                          </p:val>
-                                        </p:tav>
-                                      </p:tavLst>
-                                    </p:anim>
-                                    <p:anim calcmode="lin" valueType="num">
-                                      <p:cBhvr additive="base">
-                                        <p:cTn id="8" dur="500" fill="hold"/>
-                                        <p:tgtEl>
-                                          <p:spTgt spid="14"/>
-                                        </p:tgtEl>
-                                        <p:attrNameLst>
-                                          <p:attrName>ppt_y</p:attrName>
-                                        </p:attrNameLst>
-                                      </p:cBhvr>
-                                      <p:tavLst>
-                                        <p:tav tm="0">
-                                          <p:val>
-                                            <p:strVal val="1+#ppt_h/2"/>
-                                          </p:val>
-                                        </p:tav>
-                                        <p:tav tm="100000">
-                                          <p:val>
-                                            <p:strVal val="#ppt_y"/>
-                                          </p:val>
-                                        </p:tav>
-                                      </p:tavLst>
-                                    </p:anim>
-                                  </p:childTnLst>
-                                </p:cTn>
-                              </p:par>
-                              <p:par>
-                                <p:cTn id="9" presetID="2" presetClass="entr" presetSubtype="4" fill="hold" nodeType="withEffect">
-                                  <p:stCondLst>
-                                    <p:cond delay="0"/>
-                                  </p:stCondLst>
-                                  <p:childTnLst>
-                                    <p:set>
-                                      <p:cBhvr>
-                                        <p:cTn id="10" dur="1" fill="hold">
-                                          <p:stCondLst>
-                                            <p:cond delay="0"/>
-                                          </p:stCondLst>
-                                        </p:cTn>
-                                        <p:tgtEl>
-                                          <p:spTgt spid="12"/>
-                                        </p:tgtEl>
-                                        <p:attrNameLst>
-                                          <p:attrName>style.visibility</p:attrName>
-                                        </p:attrNameLst>
-                                      </p:cBhvr>
-                                      <p:to>
-                                        <p:strVal val="visible"/>
-                                      </p:to>
-                                    </p:set>
-                                    <p:anim calcmode="lin" valueType="num">
-                                      <p:cBhvr additive="base">
-                                        <p:cTn id="11" dur="500" fill="hold"/>
-                                        <p:tgtEl>
-                                          <p:spTgt spid="12"/>
-                                        </p:tgtEl>
-                                        <p:attrNameLst>
-                                          <p:attrName>ppt_x</p:attrName>
-                                        </p:attrNameLst>
-                                      </p:cBhvr>
-                                      <p:tavLst>
-                                        <p:tav tm="0">
-                                          <p:val>
-                                            <p:strVal val="#ppt_x"/>
-                                          </p:val>
-                                        </p:tav>
-                                        <p:tav tm="100000">
-                                          <p:val>
-                                            <p:strVal val="#ppt_x"/>
-                                          </p:val>
-                                        </p:tav>
-                                      </p:tavLst>
-                                    </p:anim>
-                                    <p:anim calcmode="lin" valueType="num">
-                                      <p:cBhvr additive="base">
-                                        <p:cTn id="12" dur="500" fill="hold"/>
-                                        <p:tgtEl>
-                                          <p:spTgt spid="12"/>
-                                        </p:tgtEl>
-                                        <p:attrNameLst>
-                                          <p:attrName>ppt_y</p:attrName>
-                                        </p:attrNameLst>
-                                      </p:cBhvr>
-                                      <p:tavLst>
-                                        <p:tav tm="0">
-                                          <p:val>
-                                            <p:strVal val="1+#ppt_h/2"/>
-                                          </p:val>
-                                        </p:tav>
-                                        <p:tav tm="100000">
-                                          <p:val>
-                                            <p:strVal val="#ppt_y"/>
-                                          </p:val>
-                                        </p:tav>
-                                      </p:tavLst>
-                                    </p:anim>
-                                  </p:childTnLst>
-                                </p:cTn>
-                              </p:par>
-                              <p:par>
-                                <p:cTn id="13" presetID="2" presetClass="entr" presetSubtype="4" fill="hold" nodeType="withEffect">
-                                  <p:stCondLst>
-                                    <p:cond delay="0"/>
-                                  </p:stCondLst>
-                                  <p:childTnLst>
-                                    <p:set>
-                                      <p:cBhvr>
-                                        <p:cTn id="14" dur="1" fill="hold">
-                                          <p:stCondLst>
-                                            <p:cond delay="0"/>
-                                          </p:stCondLst>
-                                        </p:cTn>
-                                        <p:tgtEl>
-                                          <p:spTgt spid="11"/>
-                                        </p:tgtEl>
-                                        <p:attrNameLst>
-                                          <p:attrName>style.visibility</p:attrName>
-                                        </p:attrNameLst>
-                                      </p:cBhvr>
-                                      <p:to>
-                                        <p:strVal val="visible"/>
-                                      </p:to>
-                                    </p:set>
-                                    <p:anim calcmode="lin" valueType="num">
-                                      <p:cBhvr additive="base">
-                                        <p:cTn id="15" dur="500" fill="hold"/>
-                                        <p:tgtEl>
-                                          <p:spTgt spid="11"/>
-                                        </p:tgtEl>
-                                        <p:attrNameLst>
-                                          <p:attrName>ppt_x</p:attrName>
-                                        </p:attrNameLst>
-                                      </p:cBhvr>
-                                      <p:tavLst>
-                                        <p:tav tm="0">
-                                          <p:val>
-                                            <p:strVal val="#ppt_x"/>
-                                          </p:val>
-                                        </p:tav>
-                                        <p:tav tm="100000">
-                                          <p:val>
-                                            <p:strVal val="#ppt_x"/>
-                                          </p:val>
-                                        </p:tav>
-                                      </p:tavLst>
-                                    </p:anim>
-                                    <p:anim calcmode="lin" valueType="num">
-                                      <p:cBhvr additive="base">
-                                        <p:cTn id="16" dur="500" fill="hold"/>
-                                        <p:tgtEl>
-                                          <p:spTgt spid="11"/>
-                                        </p:tgtEl>
-                                        <p:attrNameLst>
-                                          <p:attrName>ppt_y</p:attrName>
-                                        </p:attrNameLst>
-                                      </p:cBhvr>
-                                      <p:tavLst>
-                                        <p:tav tm="0">
-                                          <p:val>
-                                            <p:strVal val="1+#ppt_h/2"/>
-                                          </p:val>
-                                        </p:tav>
-                                        <p:tav tm="100000">
-                                          <p:val>
-                                            <p:strVal val="#ppt_y"/>
-                                          </p:val>
-                                        </p:tav>
-                                      </p:tavLst>
-                                    </p:anim>
-                                  </p:childTnLst>
-                                </p:cTn>
-                              </p:par>
-                              <p:par>
-                                <p:cTn id="17" presetID="2" presetClass="entr" presetSubtype="8" fill="hold" grpId="0" nodeType="withEffect">
-                                  <p:stCondLst>
-                                    <p:cond delay="0"/>
-                                  </p:stCondLst>
-                                  <p:childTnLst>
-                                    <p:set>
-                                      <p:cBhvr>
-                                        <p:cTn id="18" dur="1" fill="hold">
-                                          <p:stCondLst>
-                                            <p:cond delay="0"/>
-                                          </p:stCondLst>
-                                        </p:cTn>
-                                        <p:tgtEl>
-                                          <p:spTgt spid="9"/>
-                                        </p:tgtEl>
-                                        <p:attrNameLst>
-                                          <p:attrName>style.visibility</p:attrName>
-                                        </p:attrNameLst>
-                                      </p:cBhvr>
-                                      <p:to>
-                                        <p:strVal val="visible"/>
-                                      </p:to>
-                                    </p:set>
-                                    <p:anim calcmode="lin" valueType="num">
-                                      <p:cBhvr additive="base">
-                                        <p:cTn id="19" dur="500" fill="hold"/>
-                                        <p:tgtEl>
-                                          <p:spTgt spid="9"/>
-                                        </p:tgtEl>
-                                        <p:attrNameLst>
-                                          <p:attrName>ppt_x</p:attrName>
-                                        </p:attrNameLst>
-                                      </p:cBhvr>
-                                      <p:tavLst>
-                                        <p:tav tm="0">
-                                          <p:val>
-                                            <p:strVal val="0-#ppt_w/2"/>
-                                          </p:val>
-                                        </p:tav>
-                                        <p:tav tm="100000">
-                                          <p:val>
-                                            <p:strVal val="#ppt_x"/>
-                                          </p:val>
-                                        </p:tav>
-                                      </p:tavLst>
-                                    </p:anim>
-                                    <p:anim calcmode="lin" valueType="num">
-                                      <p:cBhvr additive="base">
-                                        <p:cTn id="20" dur="500" fill="hold"/>
-                                        <p:tgtEl>
-                                          <p:spTgt spid="9"/>
-                                        </p:tgtEl>
-                                        <p:attrNameLst>
-                                          <p:attrName>ppt_y</p:attrName>
-                                        </p:attrNameLst>
-                                      </p:cBhvr>
-                                      <p:tavLst>
-                                        <p:tav tm="0">
-                                          <p:val>
-                                            <p:strVal val="#ppt_y"/>
-                                          </p:val>
-                                        </p:tav>
-                                        <p:tav tm="100000">
-                                          <p:val>
-                                            <p:strVal val="#ppt_y"/>
-                                          </p:val>
-                                        </p:tav>
-                                      </p:tavLst>
-                                    </p:anim>
-                                  </p:childTnLst>
-                                </p:cTn>
-                              </p:par>
-                            </p:childTnLst>
-                          </p:cTn>
-                        </p:par>
-                      </p:childTnLst>
-                    </p:cTn>
-                  </p:par>
-                  <p:par>
-                    <p:cTn id="21" fill="hold">
-                      <p:stCondLst>
-                        <p:cond delay="indefinite"/>
-                      </p:stCondLst>
-                      <p:childTnLst>
-                        <p:par>
-                          <p:cTn id="22" fill="hold">
-                            <p:stCondLst>
-                              <p:cond delay="0"/>
-                            </p:stCondLst>
-                            <p:childTnLst>
-                              <p:par>
-                                <p:cTn id="23" presetID="26" presetClass="emph" presetSubtype="0" fill="hold" grpId="1" nodeType="clickEffect">
-                                  <p:stCondLst>
-                                    <p:cond delay="0"/>
-                                  </p:stCondLst>
-                                  <p:childTnLst>
-                                    <p:animEffect transition="out" filter="fade">
-                                      <p:cBhvr>
-                                        <p:cTn id="24" dur="500" tmFilter="0, 0; .2, .5; .8, .5; 1, 0"/>
-                                        <p:tgtEl>
-                                          <p:spTgt spid="9"/>
-                                        </p:tgtEl>
-                                      </p:cBhvr>
-                                    </p:animEffect>
-                                    <p:animScale>
-                                      <p:cBhvr>
-                                        <p:cTn id="25" dur="250" autoRev="1" fill="hold"/>
-                                        <p:tgtEl>
-                                          <p:spTgt spid="9"/>
-                                        </p:tgtEl>
-                                      </p:cBhvr>
-                                      <p:by x="105000" y="105000"/>
-                                    </p:animScale>
-                                  </p:childTnLst>
-                                </p:cTn>
-                              </p:par>
-                            </p:childTnLst>
-                          </p:cTn>
-                        </p:par>
-                      </p:childTnLst>
-                    </p:cTn>
-                  </p:par>
-                  <p:par>
-                    <p:cTn id="26" fill="hold">
-                      <p:stCondLst>
-                        <p:cond delay="indefinite"/>
-                      </p:stCondLst>
-                      <p:childTnLst>
-                        <p:par>
-                          <p:cTn id="27" fill="hold">
-                            <p:stCondLst>
-                              <p:cond delay="0"/>
-                            </p:stCondLst>
-                            <p:childTnLst>
-                              <p:par>
-                                <p:cTn id="28" presetID="26" presetClass="emph" presetSubtype="0" fill="hold" grpId="2" nodeType="clickEffect">
-                                  <p:stCondLst>
-                                    <p:cond delay="0"/>
-                                  </p:stCondLst>
-                                  <p:childTnLst>
-                                    <p:animEffect transition="out" filter="fade">
-                                      <p:cBhvr>
-                                        <p:cTn id="29" dur="500" tmFilter="0, 0; .2, .5; .8, .5; 1, 0"/>
-                                        <p:tgtEl>
-                                          <p:spTgt spid="9"/>
-                                        </p:tgtEl>
-                                      </p:cBhvr>
-                                    </p:animEffect>
-                                    <p:animScale>
-                                      <p:cBhvr>
-                                        <p:cTn id="30" dur="250" autoRev="1" fill="hold"/>
-                                        <p:tgtEl>
-                                          <p:spTgt spid="9"/>
-                                        </p:tgtEl>
-                                      </p:cBhvr>
-                                      <p:by x="105000" y="105000"/>
-                                    </p:animScale>
-                                  </p:childTnLst>
-                                </p:cTn>
-                              </p:par>
-                              <p:par>
-                                <p:cTn id="31" presetID="2" presetClass="entr" presetSubtype="8" fill="hold" grpId="0" nodeType="withEffect">
-                                  <p:stCondLst>
-                                    <p:cond delay="0"/>
-                                  </p:stCondLst>
-                                  <p:childTnLst>
-                                    <p:set>
-                                      <p:cBhvr>
-                                        <p:cTn id="32" dur="1" fill="hold">
-                                          <p:stCondLst>
-                                            <p:cond delay="0"/>
-                                          </p:stCondLst>
-                                        </p:cTn>
-                                        <p:tgtEl>
-                                          <p:spTgt spid="52"/>
-                                        </p:tgtEl>
-                                        <p:attrNameLst>
-                                          <p:attrName>style.visibility</p:attrName>
-                                        </p:attrNameLst>
-                                      </p:cBhvr>
-                                      <p:to>
-                                        <p:strVal val="visible"/>
-                                      </p:to>
-                                    </p:set>
-                                    <p:anim calcmode="lin" valueType="num">
-                                      <p:cBhvr additive="base">
-                                        <p:cTn id="33" dur="500" fill="hold"/>
-                                        <p:tgtEl>
-                                          <p:spTgt spid="52"/>
-                                        </p:tgtEl>
-                                        <p:attrNameLst>
-                                          <p:attrName>ppt_x</p:attrName>
-                                        </p:attrNameLst>
-                                      </p:cBhvr>
-                                      <p:tavLst>
-                                        <p:tav tm="0">
-                                          <p:val>
-                                            <p:strVal val="0-#ppt_w/2"/>
-                                          </p:val>
-                                        </p:tav>
-                                        <p:tav tm="100000">
-                                          <p:val>
-                                            <p:strVal val="#ppt_x"/>
-                                          </p:val>
-                                        </p:tav>
-                                      </p:tavLst>
-                                    </p:anim>
-                                    <p:anim calcmode="lin" valueType="num">
-                                      <p:cBhvr additive="base">
-                                        <p:cTn id="34" dur="500" fill="hold"/>
-                                        <p:tgtEl>
-                                          <p:spTgt spid="52"/>
-                                        </p:tgtEl>
-                                        <p:attrNameLst>
-                                          <p:attrName>ppt_y</p:attrName>
-                                        </p:attrNameLst>
-                                      </p:cBhvr>
-                                      <p:tavLst>
-                                        <p:tav tm="0">
-                                          <p:val>
-                                            <p:strVal val="#ppt_y"/>
-                                          </p:val>
-                                        </p:tav>
-                                        <p:tav tm="100000">
-                                          <p:val>
-                                            <p:strVal val="#ppt_y"/>
-                                          </p:val>
-                                        </p:tav>
-                                      </p:tavLst>
-                                    </p:anim>
-                                  </p:childTnLst>
-                                </p:cTn>
-                              </p:par>
-                            </p:childTnLst>
-                          </p:cTn>
-                        </p:par>
-                      </p:childTnLst>
-                    </p:cTn>
-                  </p:par>
-                  <p:par>
-                    <p:cTn id="35" fill="hold">
-                      <p:stCondLst>
-                        <p:cond delay="indefinite"/>
-                      </p:stCondLst>
-                      <p:childTnLst>
-                        <p:par>
-                          <p:cTn id="36" fill="hold">
-                            <p:stCondLst>
-                              <p:cond delay="0"/>
-                            </p:stCondLst>
-                            <p:childTnLst>
-                              <p:par>
-                                <p:cTn id="37" presetID="26" presetClass="emph" presetSubtype="0" fill="hold" grpId="1" nodeType="clickEffect">
-                                  <p:stCondLst>
-                                    <p:cond delay="0"/>
-                                  </p:stCondLst>
-                                  <p:childTnLst>
-                                    <p:animEffect transition="out" filter="fade">
-                                      <p:cBhvr>
-                                        <p:cTn id="38" dur="500" tmFilter="0, 0; .2, .5; .8, .5; 1, 0"/>
-                                        <p:tgtEl>
-                                          <p:spTgt spid="52"/>
-                                        </p:tgtEl>
-                                      </p:cBhvr>
-                                    </p:animEffect>
-                                    <p:animScale>
-                                      <p:cBhvr>
-                                        <p:cTn id="39" dur="250" autoRev="1" fill="hold"/>
-                                        <p:tgtEl>
-                                          <p:spTgt spid="52"/>
-                                        </p:tgtEl>
-                                      </p:cBhvr>
-                                      <p:by x="105000" y="105000"/>
-                                    </p:animScale>
-                                  </p:childTnLst>
-                                </p:cTn>
-                              </p:par>
-                            </p:childTnLst>
-                          </p:cTn>
-                        </p:par>
-                      </p:childTnLst>
-                    </p:cTn>
-                  </p:par>
-                  <p:par>
-                    <p:cTn id="40" fill="hold">
-                      <p:stCondLst>
-                        <p:cond delay="indefinite"/>
-                      </p:stCondLst>
-                      <p:childTnLst>
-                        <p:par>
-                          <p:cTn id="41" fill="hold">
-                            <p:stCondLst>
-                              <p:cond delay="0"/>
-                            </p:stCondLst>
-                            <p:childTnLst>
-                              <p:par>
-                                <p:cTn id="42" presetID="26" presetClass="emph" presetSubtype="0" fill="hold" grpId="2" nodeType="clickEffect">
-                                  <p:stCondLst>
-                                    <p:cond delay="0"/>
-                                  </p:stCondLst>
-                                  <p:childTnLst>
-                                    <p:animEffect transition="out" filter="fade">
-                                      <p:cBhvr>
-                                        <p:cTn id="43" dur="500" tmFilter="0, 0; .2, .5; .8, .5; 1, 0"/>
-                                        <p:tgtEl>
-                                          <p:spTgt spid="52"/>
-                                        </p:tgtEl>
-                                      </p:cBhvr>
-                                    </p:animEffect>
-                                    <p:animScale>
-                                      <p:cBhvr>
-                                        <p:cTn id="44" dur="250" autoRev="1" fill="hold"/>
-                                        <p:tgtEl>
-                                          <p:spTgt spid="52"/>
-                                        </p:tgtEl>
-                                      </p:cBhvr>
-                                      <p:by x="105000" y="105000"/>
-                                    </p:animScale>
-                                  </p:childTnLst>
-                                </p:cTn>
-                              </p:par>
-                              <p:par>
-                                <p:cTn id="45" presetID="2" presetClass="entr" presetSubtype="4" fill="hold" nodeType="withEffect">
-                                  <p:stCondLst>
-                                    <p:cond delay="0"/>
-                                  </p:stCondLst>
-                                  <p:childTnLst>
-                                    <p:set>
-                                      <p:cBhvr>
-                                        <p:cTn id="46" dur="1" fill="hold">
-                                          <p:stCondLst>
-                                            <p:cond delay="0"/>
-                                          </p:stCondLst>
-                                        </p:cTn>
-                                        <p:tgtEl>
-                                          <p:spTgt spid="55"/>
-                                        </p:tgtEl>
-                                        <p:attrNameLst>
-                                          <p:attrName>style.visibility</p:attrName>
-                                        </p:attrNameLst>
-                                      </p:cBhvr>
-                                      <p:to>
-                                        <p:strVal val="visible"/>
-                                      </p:to>
-                                    </p:set>
-                                    <p:anim calcmode="lin" valueType="num">
-                                      <p:cBhvr additive="base">
-                                        <p:cTn id="47" dur="500" fill="hold"/>
-                                        <p:tgtEl>
-                                          <p:spTgt spid="55"/>
-                                        </p:tgtEl>
-                                        <p:attrNameLst>
-                                          <p:attrName>ppt_x</p:attrName>
-                                        </p:attrNameLst>
-                                      </p:cBhvr>
-                                      <p:tavLst>
-                                        <p:tav tm="0">
-                                          <p:val>
-                                            <p:strVal val="#ppt_x"/>
-                                          </p:val>
-                                        </p:tav>
-                                        <p:tav tm="100000">
-                                          <p:val>
-                                            <p:strVal val="#ppt_x"/>
-                                          </p:val>
-                                        </p:tav>
-                                      </p:tavLst>
-                                    </p:anim>
-                                    <p:anim calcmode="lin" valueType="num">
-                                      <p:cBhvr additive="base">
-                                        <p:cTn id="48" dur="500" fill="hold"/>
-                                        <p:tgtEl>
-                                          <p:spTgt spid="55"/>
-                                        </p:tgtEl>
-                                        <p:attrNameLst>
-                                          <p:attrName>ppt_y</p:attrName>
-                                        </p:attrNameLst>
-                                      </p:cBhvr>
-                                      <p:tavLst>
-                                        <p:tav tm="0">
-                                          <p:val>
-                                            <p:strVal val="1+#ppt_h/2"/>
-                                          </p:val>
-                                        </p:tav>
-                                        <p:tav tm="100000">
-                                          <p:val>
-                                            <p:strVal val="#ppt_y"/>
-                                          </p:val>
-                                        </p:tav>
-                                      </p:tavLst>
-                                    </p:anim>
-                                  </p:childTnLst>
-                                </p:cTn>
-                              </p:par>
-                              <p:par>
-                                <p:cTn id="49" presetID="2" presetClass="entr" presetSubtype="4" fill="hold" nodeType="withEffect">
-                                  <p:stCondLst>
-                                    <p:cond delay="0"/>
-                                  </p:stCondLst>
-                                  <p:childTnLst>
-                                    <p:set>
-                                      <p:cBhvr>
-                                        <p:cTn id="50" dur="1" fill="hold">
-                                          <p:stCondLst>
-                                            <p:cond delay="0"/>
-                                          </p:stCondLst>
-                                        </p:cTn>
-                                        <p:tgtEl>
-                                          <p:spTgt spid="60"/>
-                                        </p:tgtEl>
-                                        <p:attrNameLst>
-                                          <p:attrName>style.visibility</p:attrName>
-                                        </p:attrNameLst>
-                                      </p:cBhvr>
-                                      <p:to>
-                                        <p:strVal val="visible"/>
-                                      </p:to>
-                                    </p:set>
-                                    <p:anim calcmode="lin" valueType="num">
-                                      <p:cBhvr additive="base">
-                                        <p:cTn id="51" dur="500" fill="hold"/>
-                                        <p:tgtEl>
-                                          <p:spTgt spid="60"/>
-                                        </p:tgtEl>
-                                        <p:attrNameLst>
-                                          <p:attrName>ppt_x</p:attrName>
-                                        </p:attrNameLst>
-                                      </p:cBhvr>
-                                      <p:tavLst>
-                                        <p:tav tm="0">
-                                          <p:val>
-                                            <p:strVal val="#ppt_x"/>
-                                          </p:val>
-                                        </p:tav>
-                                        <p:tav tm="100000">
-                                          <p:val>
-                                            <p:strVal val="#ppt_x"/>
-                                          </p:val>
-                                        </p:tav>
-                                      </p:tavLst>
-                                    </p:anim>
-                                    <p:anim calcmode="lin" valueType="num">
-                                      <p:cBhvr additive="base">
-                                        <p:cTn id="52" dur="500" fill="hold"/>
-                                        <p:tgtEl>
-                                          <p:spTgt spid="60"/>
-                                        </p:tgtEl>
-                                        <p:attrNameLst>
-                                          <p:attrName>ppt_y</p:attrName>
-                                        </p:attrNameLst>
-                                      </p:cBhvr>
-                                      <p:tavLst>
-                                        <p:tav tm="0">
-                                          <p:val>
-                                            <p:strVal val="1+#ppt_h/2"/>
-                                          </p:val>
-                                        </p:tav>
-                                        <p:tav tm="100000">
-                                          <p:val>
-                                            <p:strVal val="#ppt_y"/>
-                                          </p:val>
-                                        </p:tav>
-                                      </p:tavLst>
-                                    </p:anim>
-                                  </p:childTnLst>
-                                </p:cTn>
-                              </p:par>
-                              <p:par>
-                                <p:cTn id="53" presetID="2" presetClass="entr" presetSubtype="4" fill="hold" nodeType="withEffect">
-                                  <p:stCondLst>
-                                    <p:cond delay="0"/>
-                                  </p:stCondLst>
-                                  <p:childTnLst>
-                                    <p:set>
-                                      <p:cBhvr>
-                                        <p:cTn id="54" dur="1" fill="hold">
-                                          <p:stCondLst>
-                                            <p:cond delay="0"/>
-                                          </p:stCondLst>
-                                        </p:cTn>
-                                        <p:tgtEl>
-                                          <p:spTgt spid="84"/>
-                                        </p:tgtEl>
-                                        <p:attrNameLst>
-                                          <p:attrName>style.visibility</p:attrName>
-                                        </p:attrNameLst>
-                                      </p:cBhvr>
-                                      <p:to>
-                                        <p:strVal val="visible"/>
-                                      </p:to>
-                                    </p:set>
-                                    <p:anim calcmode="lin" valueType="num">
-                                      <p:cBhvr additive="base">
-                                        <p:cTn id="55" dur="500" fill="hold"/>
-                                        <p:tgtEl>
-                                          <p:spTgt spid="84"/>
-                                        </p:tgtEl>
-                                        <p:attrNameLst>
-                                          <p:attrName>ppt_x</p:attrName>
-                                        </p:attrNameLst>
-                                      </p:cBhvr>
-                                      <p:tavLst>
-                                        <p:tav tm="0">
-                                          <p:val>
-                                            <p:strVal val="#ppt_x"/>
-                                          </p:val>
-                                        </p:tav>
-                                        <p:tav tm="100000">
-                                          <p:val>
-                                            <p:strVal val="#ppt_x"/>
-                                          </p:val>
-                                        </p:tav>
-                                      </p:tavLst>
-                                    </p:anim>
-                                    <p:anim calcmode="lin" valueType="num">
-                                      <p:cBhvr additive="base">
-                                        <p:cTn id="56" dur="500" fill="hold"/>
-                                        <p:tgtEl>
-                                          <p:spTgt spid="84"/>
-                                        </p:tgtEl>
-                                        <p:attrNameLst>
-                                          <p:attrName>ppt_y</p:attrName>
-                                        </p:attrNameLst>
-                                      </p:cBhvr>
-                                      <p:tavLst>
-                                        <p:tav tm="0">
-                                          <p:val>
-                                            <p:strVal val="1+#ppt_h/2"/>
-                                          </p:val>
-                                        </p:tav>
-                                        <p:tav tm="100000">
-                                          <p:val>
-                                            <p:strVal val="#ppt_y"/>
-                                          </p:val>
-                                        </p:tav>
-                                      </p:tavLst>
-                                    </p:anim>
-                                  </p:childTnLst>
-                                </p:cTn>
-                              </p:par>
-                              <p:par>
-                                <p:cTn id="57" presetID="2" presetClass="entr" presetSubtype="4" fill="hold" nodeType="withEffect">
-                                  <p:stCondLst>
-                                    <p:cond delay="0"/>
-                                  </p:stCondLst>
-                                  <p:childTnLst>
-                                    <p:set>
-                                      <p:cBhvr>
-                                        <p:cTn id="58" dur="1" fill="hold">
-                                          <p:stCondLst>
-                                            <p:cond delay="0"/>
-                                          </p:stCondLst>
-                                        </p:cTn>
-                                        <p:tgtEl>
-                                          <p:spTgt spid="27"/>
-                                        </p:tgtEl>
-                                        <p:attrNameLst>
-                                          <p:attrName>style.visibility</p:attrName>
-                                        </p:attrNameLst>
-                                      </p:cBhvr>
-                                      <p:to>
-                                        <p:strVal val="visible"/>
-                                      </p:to>
-                                    </p:set>
-                                    <p:anim calcmode="lin" valueType="num">
-                                      <p:cBhvr additive="base">
-                                        <p:cTn id="59" dur="500" fill="hold"/>
-                                        <p:tgtEl>
-                                          <p:spTgt spid="27"/>
-                                        </p:tgtEl>
-                                        <p:attrNameLst>
-                                          <p:attrName>ppt_x</p:attrName>
-                                        </p:attrNameLst>
-                                      </p:cBhvr>
-                                      <p:tavLst>
-                                        <p:tav tm="0">
-                                          <p:val>
-                                            <p:strVal val="#ppt_x"/>
-                                          </p:val>
-                                        </p:tav>
-                                        <p:tav tm="100000">
-                                          <p:val>
-                                            <p:strVal val="#ppt_x"/>
-                                          </p:val>
-                                        </p:tav>
-                                      </p:tavLst>
-                                    </p:anim>
-                                    <p:anim calcmode="lin" valueType="num">
-                                      <p:cBhvr additive="base">
-                                        <p:cTn id="60" dur="500" fill="hold"/>
-                                        <p:tgtEl>
-                                          <p:spTgt spid="27"/>
-                                        </p:tgtEl>
-                                        <p:attrNameLst>
-                                          <p:attrName>ppt_y</p:attrName>
-                                        </p:attrNameLst>
-                                      </p:cBhvr>
-                                      <p:tavLst>
-                                        <p:tav tm="0">
-                                          <p:val>
-                                            <p:strVal val="1+#ppt_h/2"/>
-                                          </p:val>
-                                        </p:tav>
-                                        <p:tav tm="100000">
-                                          <p:val>
-                                            <p:strVal val="#ppt_y"/>
-                                          </p:val>
-                                        </p:tav>
-                                      </p:tavLst>
-                                    </p:anim>
-                                  </p:childTnLst>
-                                </p:cTn>
-                              </p:par>
-                            </p:childTnLst>
-                          </p:cTn>
-                        </p:par>
-                      </p:childTnLst>
-                    </p:cTn>
-                  </p:par>
-                </p:childTnLst>
-              </p:cTn>
-              <p:prevCondLst>
-                <p:cond evt="onPrev" delay="0">
-                  <p:tgtEl>
-                    <p:sldTgt/>
-                  </p:tgtEl>
-                </p:cond>
-              </p:prevCondLst>
-              <p:nextCondLst>
-                <p:cond evt="onNext" delay="0">
-                  <p:tgtEl>
-                    <p:sldTgt/>
-                  </p:tgtEl>
-                </p:cond>
-              </p:nextCondLst>
-            </p:seq>
-          </p:childTnLst>
-        </p:cTn>
+        <p:cTn id="1" dur="indefinite" restart="never" nodeType="tmRoot"/>
       </p:par>
     </p:tnLst>
-    <p:bldLst>
-      <p:bldP spid="9" grpId="0" animBg="1"/>
-      <p:bldP spid="9" grpId="1" animBg="1"/>
-      <p:bldP spid="9" grpId="2" animBg="1"/>
-      <p:bldP spid="52" grpId="0" animBg="1"/>
-      <p:bldP spid="52" grpId="1" animBg="1"/>
-      <p:bldP spid="52" grpId="2" animBg="1"/>
-    </p:bldLst>
   </p:timing>
 </p:sld>
 </file>
@@ -9871,7 +7831,7 @@
                   </a:outerShdw>
                 </a:effectLst>
               </a:rPr>
-              <a:t>Design Decisions</a:t>
+              <a:t>Challenges &amp; Future Improvements</a:t>
             </a:r>
             <a:endParaRPr lang="en-US" b="1" dirty="0">
               <a:effectLst>
@@ -9898,418 +7858,335 @@
         <p:spPr>
           <a:xfrm>
             <a:off x="779463" y="1949824"/>
-            <a:ext cx="7583488" cy="4257012"/>
+            <a:ext cx="7583488" cy="4508126"/>
           </a:xfrm>
         </p:spPr>
         <p:txBody>
           <a:bodyPr>
-            <a:noAutofit/>
+            <a:normAutofit lnSpcReduction="10000"/>
           </a:bodyPr>
           <a:lstStyle/>
           <a:p>
-            <a:r>
-              <a:rPr lang="en-US" altLang="zh-CN" b="1" dirty="0" smtClean="0"/>
-              <a:t>Remote Access Method</a:t>
-            </a:r>
-            <a:r>
-              <a:rPr lang="en-US" altLang="zh-CN" sz="2000" b="1" dirty="0" smtClean="0"/>
-              <a:t>:</a:t>
-            </a:r>
-            <a:r>
-              <a:rPr lang="zh-CN" altLang="en-US" sz="2000" b="1" dirty="0" smtClean="0"/>
-              <a:t> </a:t>
-            </a:r>
-            <a:endParaRPr lang="en-US" altLang="zh-CN" sz="2000" b="1" dirty="0"/>
+            <a:pPr>
+              <a:lnSpc>
+                <a:spcPct val="120000"/>
+              </a:lnSpc>
+            </a:pPr>
+            <a:r>
+              <a:rPr lang="en-US" b="1" dirty="0" smtClean="0">
+                <a:effectLst>
+                  <a:outerShdw blurRad="38100" dist="38100" dir="2700000" algn="tl">
+                    <a:srgbClr val="000000">
+                      <a:alpha val="43137"/>
+                    </a:srgbClr>
+                  </a:outerShdw>
+                </a:effectLst>
+              </a:rPr>
+              <a:t>Challenges:</a:t>
+            </a:r>
           </a:p>
           <a:p>
             <a:pPr lvl="1">
+              <a:lnSpc>
+                <a:spcPct val="120000"/>
+              </a:lnSpc>
               <a:buFont typeface="Wingdings" panose="05000000000000000000" pitchFamily="2" charset="2"/>
               <a:buChar char="§"/>
             </a:pPr>
             <a:r>
-              <a:rPr lang="en-US" altLang="zh-CN" sz="1800" b="1" dirty="0" smtClean="0"/>
-              <a:t>DDNS:</a:t>
-            </a:r>
-            <a:endParaRPr lang="en-US" sz="1800" b="1" dirty="0" smtClean="0"/>
-          </a:p>
-          <a:p>
-            <a:pPr lvl="2">
-              <a:buFont typeface="Corbel" panose="020B0503020204020204" pitchFamily="34" charset="0"/>
-              <a:buChar char="−"/>
-            </a:pPr>
-            <a:r>
-              <a:rPr lang="en-US" altLang="zh-CN" sz="2000" dirty="0" smtClean="0"/>
-              <a:t>We</a:t>
-            </a:r>
-            <a:r>
-              <a:rPr lang="zh-CN" altLang="en-US" sz="2000" dirty="0" smtClean="0"/>
+              <a:rPr lang="en-US" altLang="zh-CN" dirty="0" smtClean="0"/>
+              <a:t>S</a:t>
+            </a:r>
+            <a:r>
+              <a:rPr lang="en-US" altLang="zh-CN" dirty="0" smtClean="0"/>
+              <a:t>etting up the</a:t>
+            </a:r>
+            <a:r>
+              <a:rPr lang="zh-CN" altLang="en-US" dirty="0" smtClean="0"/>
               <a:t> </a:t>
             </a:r>
             <a:r>
-              <a:rPr lang="en-US" altLang="zh-CN" sz="2000" dirty="0" smtClean="0"/>
-              <a:t>get</a:t>
-            </a:r>
-            <a:r>
-              <a:rPr lang="zh-CN" altLang="en-US" sz="2000" dirty="0" smtClean="0"/>
+              <a:rPr lang="en-US" altLang="zh-CN" dirty="0" smtClean="0"/>
+              <a:t>Raspberry</a:t>
+            </a:r>
+            <a:r>
+              <a:rPr lang="zh-CN" altLang="en-US" dirty="0" smtClean="0"/>
               <a:t> </a:t>
             </a:r>
             <a:r>
-              <a:rPr lang="en-US" altLang="zh-CN" sz="2000" dirty="0" smtClean="0"/>
-              <a:t>a</a:t>
-            </a:r>
-            <a:r>
-              <a:rPr lang="zh-CN" altLang="en-US" sz="2000" dirty="0" smtClean="0"/>
-              <a:t> </a:t>
-            </a:r>
-            <a:r>
-              <a:rPr lang="en-US" altLang="zh-CN" sz="2000" dirty="0" smtClean="0"/>
-              <a:t>domain</a:t>
-            </a:r>
-            <a:r>
-              <a:rPr lang="zh-CN" altLang="en-US" sz="2000" dirty="0" smtClean="0"/>
-              <a:t> </a:t>
-            </a:r>
-            <a:r>
-              <a:rPr lang="en-US" altLang="zh-CN" sz="2000" dirty="0" smtClean="0"/>
-              <a:t>name</a:t>
-            </a:r>
-            <a:r>
-              <a:rPr lang="zh-CN" altLang="en-US" sz="2000" dirty="0" smtClean="0"/>
-              <a:t> </a:t>
-            </a:r>
-            <a:r>
-              <a:rPr lang="en-US" altLang="zh-CN" sz="2000" dirty="0" smtClean="0"/>
-              <a:t>which</a:t>
-            </a:r>
-            <a:r>
-              <a:rPr lang="zh-CN" altLang="en-US" sz="2000" dirty="0" smtClean="0"/>
-              <a:t> </a:t>
-            </a:r>
-            <a:r>
-              <a:rPr lang="en-US" altLang="zh-CN" sz="2000" dirty="0" smtClean="0"/>
-              <a:t>is</a:t>
-            </a:r>
-            <a:r>
-              <a:rPr lang="zh-CN" altLang="en-US" sz="2000" dirty="0" smtClean="0"/>
-              <a:t> </a:t>
-            </a:r>
-            <a:r>
-              <a:rPr lang="en-US" altLang="zh-CN" sz="2000" dirty="0" smtClean="0"/>
-              <a:t>always</a:t>
-            </a:r>
-            <a:r>
-              <a:rPr lang="zh-CN" altLang="en-US" sz="2000" dirty="0" smtClean="0"/>
-              <a:t> </a:t>
-            </a:r>
-            <a:r>
-              <a:rPr lang="en-US" altLang="zh-CN" sz="2000" dirty="0" smtClean="0"/>
-              <a:t>accessible</a:t>
-            </a:r>
-            <a:r>
-              <a:rPr lang="zh-CN" altLang="en-US" sz="2000" dirty="0" smtClean="0"/>
-              <a:t> </a:t>
-            </a:r>
-            <a:endParaRPr lang="en-US" altLang="zh-CN" sz="2000" dirty="0" smtClean="0"/>
-          </a:p>
-          <a:p>
-            <a:pPr lvl="2">
-              <a:buFont typeface="Corbel" panose="020B0503020204020204" pitchFamily="34" charset="0"/>
-              <a:buChar char="−"/>
-            </a:pPr>
-            <a:r>
-              <a:rPr lang="en-US" altLang="zh-CN" sz="2000" dirty="0" smtClean="0"/>
-              <a:t>Easy</a:t>
-            </a:r>
-            <a:r>
-              <a:rPr lang="zh-CN" altLang="en-US" sz="2000" dirty="0" smtClean="0"/>
-              <a:t> </a:t>
-            </a:r>
-            <a:r>
-              <a:rPr lang="en-US" altLang="zh-CN" sz="2000" dirty="0" smtClean="0"/>
-              <a:t>to</a:t>
-            </a:r>
-            <a:r>
-              <a:rPr lang="zh-CN" altLang="en-US" sz="2000" dirty="0" smtClean="0"/>
-              <a:t> </a:t>
-            </a:r>
-            <a:r>
-              <a:rPr lang="en-US" altLang="zh-CN" sz="2000" dirty="0" smtClean="0"/>
-              <a:t>configure</a:t>
-            </a:r>
-          </a:p>
-          <a:p>
-            <a:r>
-              <a:rPr lang="en-US" altLang="zh-CN" b="1" dirty="0" smtClean="0"/>
-              <a:t>Data</a:t>
-            </a:r>
-            <a:r>
-              <a:rPr lang="zh-CN" altLang="en-US" b="1" dirty="0" smtClean="0"/>
-              <a:t> </a:t>
-            </a:r>
-            <a:r>
-              <a:rPr lang="en-US" altLang="zh-CN" b="1" dirty="0" smtClean="0"/>
-              <a:t>Flow</a:t>
-            </a:r>
-            <a:r>
-              <a:rPr lang="en-US" altLang="zh-CN" sz="2000" b="1" dirty="0" smtClean="0"/>
-              <a:t>:</a:t>
-            </a:r>
-            <a:r>
-              <a:rPr lang="zh-CN" altLang="en-US" sz="2000" b="1" dirty="0" smtClean="0"/>
-              <a:t> </a:t>
-            </a:r>
-            <a:endParaRPr lang="en-US" altLang="zh-CN" sz="2000" b="1" dirty="0"/>
+              <a:rPr lang="en-US" altLang="zh-CN" dirty="0" smtClean="0"/>
+              <a:t>Pi</a:t>
+            </a:r>
+            <a:endParaRPr lang="en-US" dirty="0" smtClean="0"/>
           </a:p>
           <a:p>
             <a:pPr lvl="1">
+              <a:lnSpc>
+                <a:spcPct val="120000"/>
+              </a:lnSpc>
               <a:buFont typeface="Wingdings" panose="05000000000000000000" pitchFamily="2" charset="2"/>
               <a:buChar char="§"/>
             </a:pPr>
             <a:r>
-              <a:rPr lang="en-US" altLang="zh-CN" b="1" dirty="0" smtClean="0"/>
-              <a:t>Bidirectional</a:t>
-            </a:r>
-            <a:r>
-              <a:rPr lang="zh-CN" altLang="en-US" b="1" dirty="0" smtClean="0"/>
+              <a:rPr lang="en-US" altLang="zh-CN" dirty="0" smtClean="0"/>
+              <a:t>Combining different components and designing</a:t>
+            </a:r>
+            <a:r>
+              <a:rPr lang="zh-CN" altLang="en-US" dirty="0" smtClean="0"/>
               <a:t> </a:t>
             </a:r>
             <a:r>
-              <a:rPr lang="en-US" altLang="zh-CN" b="1" dirty="0" smtClean="0"/>
-              <a:t>communication:</a:t>
-            </a:r>
-            <a:endParaRPr lang="en-US" altLang="zh-CN" b="1" dirty="0"/>
-          </a:p>
-          <a:p>
-            <a:pPr lvl="2">
-              <a:buFont typeface="Corbel" panose="020B0503020204020204" pitchFamily="34" charset="0"/>
-              <a:buChar char="−"/>
+              <a:rPr lang="en-US" altLang="zh-CN" dirty="0" smtClean="0"/>
+              <a:t>the</a:t>
+            </a:r>
+            <a:r>
+              <a:rPr lang="zh-CN" altLang="en-US" dirty="0" smtClean="0"/>
+              <a:t> </a:t>
+            </a:r>
+            <a:r>
+              <a:rPr lang="en-US" altLang="zh-CN" dirty="0" smtClean="0"/>
+              <a:t>overall solution</a:t>
+            </a:r>
+            <a:r>
+              <a:rPr lang="zh-CN" altLang="en-US" dirty="0" smtClean="0"/>
+              <a:t> </a:t>
+            </a:r>
+            <a:r>
+              <a:rPr lang="en-US" altLang="zh-CN" dirty="0" smtClean="0"/>
+              <a:t>architecture</a:t>
+            </a:r>
+          </a:p>
+          <a:p>
+            <a:pPr lvl="1">
+              <a:lnSpc>
+                <a:spcPct val="120000"/>
+              </a:lnSpc>
+              <a:buFont typeface="Wingdings" panose="05000000000000000000" pitchFamily="2" charset="2"/>
+              <a:buChar char="§"/>
             </a:pPr>
             <a:r>
-              <a:rPr lang="en-US" altLang="zh-CN" sz="2000" dirty="0" smtClean="0"/>
-              <a:t>Retrieve</a:t>
-            </a:r>
-            <a:r>
-              <a:rPr lang="zh-CN" altLang="en-US" sz="2000" dirty="0" smtClean="0"/>
+              <a:rPr lang="en-US" altLang="zh-CN" dirty="0" smtClean="0"/>
+              <a:t>Working around latency issues with </a:t>
+            </a:r>
+            <a:r>
+              <a:rPr lang="en-US" altLang="zh-CN" dirty="0"/>
+              <a:t>r</a:t>
+            </a:r>
+            <a:r>
+              <a:rPr lang="en-US" altLang="zh-CN" dirty="0" smtClean="0"/>
+              <a:t>emote access</a:t>
+            </a:r>
+            <a:endParaRPr lang="en-US" altLang="zh-CN" dirty="0" smtClean="0"/>
+          </a:p>
+          <a:p>
+            <a:pPr>
+              <a:lnSpc>
+                <a:spcPct val="120000"/>
+              </a:lnSpc>
+            </a:pPr>
+            <a:r>
+              <a:rPr lang="en-US" b="1" dirty="0" smtClean="0">
+                <a:effectLst>
+                  <a:outerShdw blurRad="38100" dist="38100" dir="2700000" algn="tl">
+                    <a:srgbClr val="000000">
+                      <a:alpha val="43137"/>
+                    </a:srgbClr>
+                  </a:outerShdw>
+                </a:effectLst>
+              </a:rPr>
+              <a:t>Future </a:t>
+            </a:r>
+            <a:r>
+              <a:rPr lang="en-US" b="1" dirty="0" smtClean="0">
+                <a:effectLst>
+                  <a:outerShdw blurRad="38100" dist="38100" dir="2700000" algn="tl">
+                    <a:srgbClr val="000000">
+                      <a:alpha val="43137"/>
+                    </a:srgbClr>
+                  </a:outerShdw>
+                </a:effectLst>
+              </a:rPr>
+              <a:t>Improvements:</a:t>
+            </a:r>
+            <a:endParaRPr lang="en-US" dirty="0" smtClean="0"/>
+          </a:p>
+          <a:p>
+            <a:pPr lvl="1">
+              <a:lnSpc>
+                <a:spcPct val="120000"/>
+              </a:lnSpc>
+              <a:buFont typeface="Wingdings" panose="05000000000000000000" pitchFamily="2" charset="2"/>
+              <a:buChar char="§"/>
+            </a:pPr>
+            <a:r>
+              <a:rPr lang="en-US" altLang="zh-CN" dirty="0" smtClean="0"/>
+              <a:t>Adding</a:t>
+            </a:r>
+            <a:r>
+              <a:rPr lang="zh-CN" altLang="en-US" dirty="0" smtClean="0"/>
               <a:t> </a:t>
             </a:r>
             <a:r>
-              <a:rPr lang="en-US" altLang="zh-CN" sz="2000" dirty="0" smtClean="0"/>
-              <a:t>the</a:t>
-            </a:r>
-            <a:r>
-              <a:rPr lang="zh-CN" altLang="en-US" sz="2000" dirty="0" smtClean="0"/>
+              <a:rPr lang="en-US" altLang="zh-CN" dirty="0" smtClean="0"/>
+              <a:t>a Security</a:t>
+            </a:r>
+            <a:r>
+              <a:rPr lang="zh-CN" altLang="en-US" dirty="0" smtClean="0"/>
               <a:t> </a:t>
             </a:r>
             <a:r>
-              <a:rPr lang="en-US" altLang="zh-CN" sz="2000" dirty="0" smtClean="0"/>
-              <a:t>current</a:t>
-            </a:r>
-            <a:r>
-              <a:rPr lang="zh-CN" altLang="en-US" sz="2000" dirty="0" smtClean="0"/>
+              <a:rPr lang="en-US" altLang="zh-CN" dirty="0" smtClean="0"/>
+              <a:t>Layer</a:t>
+            </a:r>
+            <a:r>
+              <a:rPr lang="en-US" dirty="0" smtClean="0"/>
+              <a:t>:</a:t>
+            </a:r>
+          </a:p>
+          <a:p>
+            <a:pPr marL="349250" lvl="1" indent="0">
+              <a:lnSpc>
+                <a:spcPct val="120000"/>
+              </a:lnSpc>
+              <a:buNone/>
+            </a:pPr>
+            <a:r>
+              <a:rPr lang="en-US" sz="1900" dirty="0"/>
+              <a:t>	</a:t>
+            </a:r>
+            <a:r>
+              <a:rPr lang="en-US" dirty="0" smtClean="0"/>
+              <a:t>- </a:t>
+            </a:r>
+            <a:r>
+              <a:rPr lang="en-US" dirty="0" smtClean="0"/>
+              <a:t>asking for </a:t>
+            </a:r>
+            <a:r>
+              <a:rPr lang="en-US" altLang="zh-CN" dirty="0" smtClean="0"/>
+              <a:t>login</a:t>
+            </a:r>
+            <a:r>
+              <a:rPr lang="zh-CN" altLang="en-US" dirty="0" smtClean="0"/>
               <a:t> </a:t>
             </a:r>
             <a:r>
-              <a:rPr lang="en-US" altLang="zh-CN" sz="2000" dirty="0" smtClean="0"/>
-              <a:t>status</a:t>
-            </a:r>
-            <a:r>
-              <a:rPr lang="zh-CN" altLang="en-US" sz="2000" dirty="0" smtClean="0"/>
+              <a:rPr lang="en-US" altLang="zh-CN" dirty="0" smtClean="0"/>
+              <a:t>credentials </a:t>
+            </a:r>
+            <a:r>
+              <a:rPr lang="en-US" dirty="0" smtClean="0"/>
+              <a:t>	</a:t>
+            </a:r>
+          </a:p>
+          <a:p>
+            <a:pPr lvl="1">
+              <a:lnSpc>
+                <a:spcPct val="120000"/>
+              </a:lnSpc>
+              <a:buFont typeface="Wingdings" panose="05000000000000000000" pitchFamily="2" charset="2"/>
+              <a:buChar char="§"/>
+            </a:pPr>
+            <a:r>
+              <a:rPr lang="en-US" altLang="zh-CN" dirty="0" smtClean="0"/>
+              <a:t>Making</a:t>
+            </a:r>
+            <a:r>
+              <a:rPr lang="zh-CN" altLang="en-US" dirty="0" smtClean="0"/>
               <a:t> </a:t>
             </a:r>
             <a:r>
-              <a:rPr lang="en-US" altLang="zh-CN" sz="2000" dirty="0" smtClean="0"/>
-              <a:t>of</a:t>
-            </a:r>
-            <a:r>
-              <a:rPr lang="zh-CN" altLang="en-US" sz="2000" dirty="0" smtClean="0"/>
+              <a:rPr lang="en-US" altLang="zh-CN" dirty="0" smtClean="0"/>
+              <a:t>it</a:t>
+            </a:r>
+            <a:r>
+              <a:rPr lang="zh-CN" altLang="en-US" dirty="0" smtClean="0"/>
               <a:t> </a:t>
             </a:r>
             <a:r>
-              <a:rPr lang="en-US" altLang="zh-CN" sz="2000" dirty="0" smtClean="0"/>
-              <a:t>LEDs</a:t>
-            </a:r>
-            <a:r>
-              <a:rPr lang="zh-CN" altLang="en-US" sz="2000" dirty="0" smtClean="0"/>
+              <a:rPr lang="en-US" altLang="zh-CN" dirty="0" smtClean="0"/>
+              <a:t>more</a:t>
+            </a:r>
+            <a:r>
+              <a:rPr lang="zh-CN" altLang="en-US" dirty="0" smtClean="0"/>
               <a:t> </a:t>
             </a:r>
             <a:r>
-              <a:rPr lang="en-US" altLang="zh-CN" sz="2000" dirty="0" smtClean="0"/>
-              <a:t>(arduino</a:t>
-            </a:r>
-            <a:r>
-              <a:rPr lang="en-US" altLang="zh-CN" sz="2000" dirty="0" smtClean="0">
-                <a:sym typeface="Wingdings"/>
-              </a:rPr>
-              <a:t></a:t>
-            </a:r>
-            <a:r>
-              <a:rPr lang="en-US" altLang="zh-CN" sz="2000" dirty="0" smtClean="0"/>
-              <a:t>server</a:t>
-            </a:r>
-            <a:r>
-              <a:rPr lang="en-US" altLang="zh-CN" sz="2000" dirty="0" smtClean="0">
-                <a:sym typeface="Wingdings"/>
-              </a:rPr>
-              <a:t></a:t>
-            </a:r>
-            <a:r>
-              <a:rPr lang="en-US" altLang="zh-CN" sz="2000" dirty="0" smtClean="0"/>
-              <a:t>webpage</a:t>
-            </a:r>
-            <a:r>
-              <a:rPr lang="zh-CN" altLang="en-US" sz="2000" dirty="0" smtClean="0"/>
+              <a:rPr lang="en-US" altLang="zh-CN" dirty="0" smtClean="0"/>
+              <a:t>smart</a:t>
+            </a:r>
+            <a:r>
+              <a:rPr lang="zh-CN" altLang="en-US" dirty="0" smtClean="0"/>
               <a:t> </a:t>
             </a:r>
             <a:r>
-              <a:rPr lang="en-US" altLang="zh-CN" sz="2000" dirty="0" smtClean="0"/>
-              <a:t>)</a:t>
-            </a:r>
-          </a:p>
-          <a:p>
-            <a:pPr lvl="2">
-              <a:buFont typeface="Corbel" panose="020B0503020204020204" pitchFamily="34" charset="0"/>
-              <a:buChar char="−"/>
+              <a:rPr lang="en-US" altLang="zh-CN" dirty="0" smtClean="0"/>
+              <a:t>phone</a:t>
+            </a:r>
+            <a:r>
+              <a:rPr lang="zh-CN" altLang="en-US" dirty="0" smtClean="0"/>
+              <a:t> </a:t>
+            </a:r>
+            <a:r>
+              <a:rPr lang="en-US" altLang="zh-CN" dirty="0" smtClean="0"/>
+              <a:t>friendly</a:t>
+            </a:r>
+            <a:r>
+              <a:rPr lang="en-US" dirty="0" smtClean="0"/>
+              <a:t>:</a:t>
+            </a:r>
+          </a:p>
+          <a:p>
+            <a:pPr marL="349250" lvl="1" indent="0">
+              <a:lnSpc>
+                <a:spcPct val="120000"/>
+              </a:lnSpc>
+              <a:buNone/>
             </a:pPr>
             <a:r>
-              <a:rPr lang="en-US" altLang="zh-CN" sz="2000" dirty="0" smtClean="0"/>
-              <a:t>Switch</a:t>
-            </a:r>
-            <a:r>
-              <a:rPr lang="zh-CN" altLang="en-US" sz="2000" dirty="0" smtClean="0"/>
+              <a:rPr lang="en-US" dirty="0" smtClean="0"/>
+              <a:t>	</a:t>
+            </a:r>
+            <a:r>
+              <a:rPr lang="en-US" sz="1900" dirty="0" smtClean="0"/>
+              <a:t>- </a:t>
+            </a:r>
+            <a:r>
+              <a:rPr lang="en-US" altLang="zh-CN" sz="1900" dirty="0" smtClean="0"/>
+              <a:t>Mobile</a:t>
+            </a:r>
+            <a:r>
+              <a:rPr lang="zh-CN" altLang="en-US" sz="1900" dirty="0" smtClean="0"/>
               <a:t> </a:t>
             </a:r>
             <a:r>
-              <a:rPr lang="en-US" altLang="zh-CN" sz="2000" dirty="0" smtClean="0"/>
-              <a:t>the</a:t>
-            </a:r>
-            <a:r>
-              <a:rPr lang="zh-CN" altLang="en-US" sz="2000" dirty="0" smtClean="0"/>
+              <a:rPr lang="en-US" altLang="zh-CN" sz="1900" dirty="0" smtClean="0"/>
+              <a:t>App</a:t>
+            </a:r>
+            <a:r>
+              <a:rPr lang="zh-CN" altLang="en-US" sz="1900" dirty="0" smtClean="0"/>
               <a:t> </a:t>
             </a:r>
-            <a:r>
-              <a:rPr lang="en-US" altLang="zh-CN" sz="2000" dirty="0" smtClean="0"/>
-              <a:t>LEDs</a:t>
-            </a:r>
-            <a:r>
-              <a:rPr lang="zh-CN" altLang="en-US" sz="2000" dirty="0" smtClean="0"/>
-              <a:t> </a:t>
-            </a:r>
-            <a:r>
-              <a:rPr lang="en-US" altLang="zh-CN" sz="2000" dirty="0" smtClean="0"/>
-              <a:t>on/off</a:t>
-            </a:r>
-            <a:r>
-              <a:rPr lang="zh-CN" altLang="en-US" sz="2000" dirty="0" smtClean="0"/>
-              <a:t> </a:t>
-            </a:r>
-            <a:r>
-              <a:rPr lang="en-US" altLang="zh-CN" sz="2000" dirty="0" smtClean="0"/>
-              <a:t>(</a:t>
-            </a:r>
-            <a:r>
-              <a:rPr lang="en-US" altLang="zh-CN" sz="2000" dirty="0" err="1" smtClean="0"/>
-              <a:t>webpage</a:t>
-            </a:r>
-            <a:r>
-              <a:rPr lang="en-US" altLang="zh-CN" sz="2000" dirty="0" err="1" smtClean="0">
-                <a:sym typeface="Wingdings"/>
-              </a:rPr>
-              <a:t>serverarduino</a:t>
-            </a:r>
-            <a:r>
-              <a:rPr lang="en-US" altLang="zh-CN" sz="2000" dirty="0" smtClean="0"/>
-              <a:t>)</a:t>
-            </a:r>
-          </a:p>
-          <a:p>
-            <a:pPr lvl="2">
-              <a:buFont typeface="Corbel" panose="020B0503020204020204" pitchFamily="34" charset="0"/>
-              <a:buChar char="−"/>
+            <a:endParaRPr lang="en-US" dirty="0" smtClean="0"/>
+          </a:p>
+          <a:p>
+            <a:pPr marL="0" indent="0">
+              <a:buNone/>
             </a:pPr>
-            <a:r>
-              <a:rPr lang="en-US" altLang="zh-CN" sz="2000" dirty="0" smtClean="0"/>
-              <a:t>Using</a:t>
-            </a:r>
-            <a:r>
-              <a:rPr lang="zh-CN" altLang="en-US" sz="2000" dirty="0" smtClean="0"/>
-              <a:t> </a:t>
-            </a:r>
-            <a:r>
-              <a:rPr lang="en-US" altLang="zh-CN" sz="2000" dirty="0" smtClean="0"/>
-              <a:t>socket</a:t>
-            </a:r>
-            <a:r>
-              <a:rPr lang="zh-CN" altLang="en-US" sz="2000" dirty="0" smtClean="0"/>
-              <a:t> </a:t>
-            </a:r>
-            <a:r>
-              <a:rPr lang="en-US" altLang="zh-CN" sz="2000" dirty="0" smtClean="0"/>
-              <a:t>I/O</a:t>
-            </a:r>
-            <a:r>
-              <a:rPr lang="zh-CN" altLang="en-US" sz="2000" dirty="0" smtClean="0"/>
-              <a:t> </a:t>
-            </a:r>
-            <a:r>
-              <a:rPr lang="en-US" altLang="zh-CN" sz="2000" dirty="0" smtClean="0"/>
-              <a:t>to</a:t>
-            </a:r>
-            <a:r>
-              <a:rPr lang="zh-CN" altLang="en-US" sz="2000" dirty="0" smtClean="0"/>
-              <a:t> </a:t>
-            </a:r>
-            <a:r>
-              <a:rPr lang="en-US" altLang="zh-CN" sz="2000" dirty="0" smtClean="0"/>
-              <a:t>communicate</a:t>
-            </a:r>
-            <a:r>
-              <a:rPr lang="zh-CN" altLang="en-US" sz="2000" dirty="0" smtClean="0"/>
-              <a:t> </a:t>
-            </a:r>
-            <a:r>
-              <a:rPr lang="en-US" altLang="zh-CN" sz="2000" dirty="0" smtClean="0"/>
-              <a:t>between</a:t>
-            </a:r>
-            <a:r>
-              <a:rPr lang="zh-CN" altLang="en-US" sz="2000" dirty="0" smtClean="0"/>
-              <a:t> </a:t>
-            </a:r>
-            <a:r>
-              <a:rPr lang="en-US" altLang="zh-CN" sz="2000" dirty="0" smtClean="0"/>
-              <a:t>webpage</a:t>
-            </a:r>
-            <a:r>
-              <a:rPr lang="zh-CN" altLang="en-US" sz="2000" dirty="0" smtClean="0"/>
-              <a:t> </a:t>
-            </a:r>
-            <a:r>
-              <a:rPr lang="en-US" altLang="zh-CN" sz="2000" dirty="0" smtClean="0"/>
-              <a:t>and</a:t>
-            </a:r>
-            <a:r>
-              <a:rPr lang="zh-CN" altLang="en-US" sz="2000" dirty="0" smtClean="0"/>
-              <a:t> </a:t>
-            </a:r>
-            <a:r>
-              <a:rPr lang="en-US" altLang="zh-CN" sz="2000" dirty="0" smtClean="0"/>
-              <a:t>control</a:t>
-            </a:r>
-            <a:r>
-              <a:rPr lang="zh-CN" altLang="en-US" sz="2000" dirty="0" smtClean="0"/>
-              <a:t> </a:t>
-            </a:r>
-            <a:r>
-              <a:rPr lang="en-US" altLang="zh-CN" sz="2000" dirty="0" smtClean="0"/>
-              <a:t>server</a:t>
-            </a:r>
-            <a:endParaRPr lang="en-US" sz="2000" dirty="0" smtClean="0"/>
+            <a:endParaRPr lang="en-US" dirty="0" smtClean="0"/>
+          </a:p>
+          <a:p>
+            <a:endParaRPr lang="en-US" dirty="0" smtClean="0"/>
+          </a:p>
+          <a:p>
+            <a:endParaRPr lang="en-US" dirty="0"/>
           </a:p>
         </p:txBody>
       </p:sp>
     </p:spTree>
     <p:extLst>
       <p:ext uri="{BB962C8B-B14F-4D97-AF65-F5344CB8AC3E}">
-        <p14:creationId xmlns:p14="http://schemas.microsoft.com/office/powerpoint/2010/main" xmlns="" val="2314508265"/>
+        <p14:creationId xmlns:p14="http://schemas.microsoft.com/office/powerpoint/2010/main" val="3507747442"/>
       </p:ext>
     </p:extLst>
   </p:cSld>
@@ -10353,480 +8230,6 @@
             <p:ph type="title"/>
           </p:nvPr>
         </p:nvSpPr>
-        <p:spPr/>
-        <p:txBody>
-          <a:bodyPr/>
-          <a:lstStyle/>
-          <a:p>
-            <a:r>
-              <a:rPr lang="en-US" b="1" dirty="0" smtClean="0">
-                <a:effectLst>
-                  <a:outerShdw blurRad="38100" dist="38100" dir="2700000" algn="tl">
-                    <a:srgbClr val="000000">
-                      <a:alpha val="43137"/>
-                    </a:srgbClr>
-                  </a:outerShdw>
-                </a:effectLst>
-              </a:rPr>
-              <a:t>Challenges &amp; Future Improvements</a:t>
-            </a:r>
-            <a:endParaRPr lang="en-US" b="1" dirty="0">
-              <a:effectLst>
-                <a:outerShdw blurRad="38100" dist="38100" dir="2700000" algn="tl">
-                  <a:srgbClr val="000000">
-                    <a:alpha val="43137"/>
-                  </a:srgbClr>
-                </a:outerShdw>
-              </a:effectLst>
-            </a:endParaRPr>
-          </a:p>
-        </p:txBody>
-      </p:sp>
-      <p:sp>
-        <p:nvSpPr>
-          <p:cNvPr id="3" name="Content Placeholder 2"/>
-          <p:cNvSpPr>
-            <a:spLocks noGrp="1"/>
-          </p:cNvSpPr>
-          <p:nvPr>
-            <p:ph idx="1"/>
-          </p:nvPr>
-        </p:nvSpPr>
-        <p:spPr>
-          <a:xfrm>
-            <a:off x="779463" y="1949824"/>
-            <a:ext cx="7583488" cy="4508126"/>
-          </a:xfrm>
-        </p:spPr>
-        <p:txBody>
-          <a:bodyPr>
-            <a:normAutofit/>
-          </a:bodyPr>
-          <a:lstStyle/>
-          <a:p>
-            <a:pPr>
-              <a:lnSpc>
-                <a:spcPct val="120000"/>
-              </a:lnSpc>
-            </a:pPr>
-            <a:r>
-              <a:rPr lang="en-US" b="1" dirty="0" smtClean="0">
-                <a:effectLst>
-                  <a:outerShdw blurRad="38100" dist="38100" dir="2700000" algn="tl">
-                    <a:srgbClr val="000000">
-                      <a:alpha val="43137"/>
-                    </a:srgbClr>
-                  </a:outerShdw>
-                </a:effectLst>
-              </a:rPr>
-              <a:t>Challenges:</a:t>
-            </a:r>
-          </a:p>
-          <a:p>
-            <a:pPr lvl="1">
-              <a:lnSpc>
-                <a:spcPct val="120000"/>
-              </a:lnSpc>
-              <a:buFont typeface="Wingdings" panose="05000000000000000000" pitchFamily="2" charset="2"/>
-              <a:buChar char="§"/>
-            </a:pPr>
-            <a:r>
-              <a:rPr lang="en-US" altLang="zh-CN" dirty="0" smtClean="0"/>
-              <a:t>Learning</a:t>
-            </a:r>
-            <a:r>
-              <a:rPr lang="zh-CN" altLang="en-US" dirty="0" smtClean="0"/>
-              <a:t> </a:t>
-            </a:r>
-            <a:r>
-              <a:rPr lang="en-US" altLang="zh-CN" dirty="0" smtClean="0"/>
-              <a:t>how</a:t>
-            </a:r>
-            <a:r>
-              <a:rPr lang="zh-CN" altLang="en-US" dirty="0" smtClean="0"/>
-              <a:t> </a:t>
-            </a:r>
-            <a:r>
-              <a:rPr lang="en-US" altLang="zh-CN" dirty="0" smtClean="0"/>
-              <a:t>to</a:t>
-            </a:r>
-            <a:r>
-              <a:rPr lang="zh-CN" altLang="en-US" dirty="0" smtClean="0"/>
-              <a:t> </a:t>
-            </a:r>
-            <a:r>
-              <a:rPr lang="en-US" altLang="zh-CN" dirty="0" smtClean="0"/>
-              <a:t>use</a:t>
-            </a:r>
-            <a:r>
-              <a:rPr lang="zh-CN" altLang="en-US" dirty="0" smtClean="0"/>
-              <a:t> </a:t>
-            </a:r>
-            <a:r>
-              <a:rPr lang="en-US" altLang="zh-CN" dirty="0" smtClean="0"/>
-              <a:t>a</a:t>
-            </a:r>
-            <a:r>
-              <a:rPr lang="zh-CN" altLang="en-US" dirty="0" smtClean="0"/>
-              <a:t> </a:t>
-            </a:r>
-            <a:r>
-              <a:rPr lang="en-US" altLang="zh-CN" dirty="0" smtClean="0"/>
-              <a:t>Raspberry</a:t>
-            </a:r>
-            <a:r>
-              <a:rPr lang="zh-CN" altLang="en-US" dirty="0" smtClean="0"/>
-              <a:t> </a:t>
-            </a:r>
-            <a:r>
-              <a:rPr lang="en-US" altLang="zh-CN" dirty="0" smtClean="0"/>
-              <a:t>PI</a:t>
-            </a:r>
-            <a:endParaRPr lang="en-US" dirty="0" smtClean="0"/>
-          </a:p>
-          <a:p>
-            <a:pPr lvl="1">
-              <a:lnSpc>
-                <a:spcPct val="120000"/>
-              </a:lnSpc>
-              <a:buFont typeface="Wingdings" panose="05000000000000000000" pitchFamily="2" charset="2"/>
-              <a:buChar char="§"/>
-            </a:pPr>
-            <a:r>
-              <a:rPr lang="en-US" altLang="zh-CN" dirty="0" smtClean="0"/>
-              <a:t>Designing</a:t>
-            </a:r>
-            <a:r>
-              <a:rPr lang="zh-CN" altLang="en-US" dirty="0" smtClean="0"/>
-              <a:t> </a:t>
-            </a:r>
-            <a:r>
-              <a:rPr lang="en-US" altLang="zh-CN" dirty="0" smtClean="0"/>
-              <a:t>the</a:t>
-            </a:r>
-            <a:r>
-              <a:rPr lang="zh-CN" altLang="en-US" dirty="0" smtClean="0"/>
-              <a:t> </a:t>
-            </a:r>
-            <a:r>
-              <a:rPr lang="en-US" altLang="zh-CN" dirty="0" smtClean="0"/>
-              <a:t>solution</a:t>
-            </a:r>
-            <a:r>
-              <a:rPr lang="zh-CN" altLang="en-US" dirty="0" smtClean="0"/>
-              <a:t> </a:t>
-            </a:r>
-            <a:r>
-              <a:rPr lang="en-US" altLang="zh-CN" dirty="0" smtClean="0"/>
-              <a:t>architecture</a:t>
-            </a:r>
-          </a:p>
-          <a:p>
-            <a:pPr lvl="1">
-              <a:lnSpc>
-                <a:spcPct val="120000"/>
-              </a:lnSpc>
-              <a:buFont typeface="Wingdings" panose="05000000000000000000" pitchFamily="2" charset="2"/>
-              <a:buChar char="§"/>
-            </a:pPr>
-            <a:r>
-              <a:rPr lang="en-US" altLang="zh-CN" dirty="0" smtClean="0"/>
-              <a:t>Implementing</a:t>
-            </a:r>
-            <a:r>
-              <a:rPr lang="zh-CN" altLang="en-US" dirty="0" smtClean="0"/>
-              <a:t> </a:t>
-            </a:r>
-            <a:r>
-              <a:rPr lang="en-US" altLang="zh-CN" dirty="0" smtClean="0"/>
-              <a:t>remote</a:t>
-            </a:r>
-            <a:r>
-              <a:rPr lang="zh-CN" altLang="en-US" dirty="0" smtClean="0"/>
-              <a:t> </a:t>
-            </a:r>
-            <a:r>
-              <a:rPr lang="en-US" altLang="zh-CN" dirty="0" smtClean="0"/>
-              <a:t>access</a:t>
-            </a:r>
-            <a:r>
-              <a:rPr lang="zh-CN" altLang="en-US" dirty="0" smtClean="0"/>
-              <a:t> </a:t>
-            </a:r>
-            <a:r>
-              <a:rPr lang="en-US" altLang="zh-CN" dirty="0" smtClean="0"/>
-              <a:t>and</a:t>
-            </a:r>
-            <a:r>
-              <a:rPr lang="zh-CN" altLang="en-US" dirty="0" smtClean="0"/>
-              <a:t> </a:t>
-            </a:r>
-            <a:r>
-              <a:rPr lang="en-US" altLang="zh-CN" dirty="0" smtClean="0"/>
-              <a:t>configuring</a:t>
-            </a:r>
-            <a:r>
-              <a:rPr lang="zh-CN" altLang="en-US" dirty="0" smtClean="0"/>
-              <a:t> </a:t>
-            </a:r>
-            <a:r>
-              <a:rPr lang="en-US" altLang="zh-CN" dirty="0" smtClean="0"/>
-              <a:t>DDNS</a:t>
-            </a:r>
-            <a:endParaRPr lang="en-US" dirty="0" smtClean="0"/>
-          </a:p>
-          <a:p>
-            <a:pPr>
-              <a:lnSpc>
-                <a:spcPct val="120000"/>
-              </a:lnSpc>
-            </a:pPr>
-            <a:r>
-              <a:rPr lang="en-US" b="1" dirty="0" smtClean="0">
-                <a:effectLst>
-                  <a:outerShdw blurRad="38100" dist="38100" dir="2700000" algn="tl">
-                    <a:srgbClr val="000000">
-                      <a:alpha val="43137"/>
-                    </a:srgbClr>
-                  </a:outerShdw>
-                </a:effectLst>
-              </a:rPr>
-              <a:t>Future Improvements:</a:t>
-            </a:r>
-            <a:endParaRPr lang="en-US" dirty="0" smtClean="0"/>
-          </a:p>
-          <a:p>
-            <a:pPr lvl="1">
-              <a:lnSpc>
-                <a:spcPct val="120000"/>
-              </a:lnSpc>
-              <a:buFont typeface="Wingdings" panose="05000000000000000000" pitchFamily="2" charset="2"/>
-              <a:buChar char="§"/>
-            </a:pPr>
-            <a:r>
-              <a:rPr lang="en-US" altLang="zh-CN" dirty="0" smtClean="0"/>
-              <a:t>Adding</a:t>
-            </a:r>
-            <a:r>
-              <a:rPr lang="zh-CN" altLang="en-US" dirty="0" smtClean="0"/>
-              <a:t> </a:t>
-            </a:r>
-            <a:r>
-              <a:rPr lang="en-US" altLang="zh-CN" dirty="0" smtClean="0"/>
-              <a:t>Security</a:t>
-            </a:r>
-            <a:r>
-              <a:rPr lang="zh-CN" altLang="en-US" dirty="0" smtClean="0"/>
-              <a:t> </a:t>
-            </a:r>
-            <a:r>
-              <a:rPr lang="en-US" altLang="zh-CN" dirty="0" smtClean="0"/>
-              <a:t>Layer</a:t>
-            </a:r>
-            <a:r>
-              <a:rPr lang="en-US" dirty="0" smtClean="0"/>
-              <a:t>:</a:t>
-            </a:r>
-          </a:p>
-          <a:p>
-            <a:pPr marL="349250" lvl="1" indent="0">
-              <a:lnSpc>
-                <a:spcPct val="120000"/>
-              </a:lnSpc>
-              <a:buNone/>
-            </a:pPr>
-            <a:r>
-              <a:rPr lang="en-US" sz="1900" dirty="0"/>
-              <a:t>	</a:t>
-            </a:r>
-            <a:r>
-              <a:rPr lang="en-US" dirty="0" smtClean="0"/>
-              <a:t>- </a:t>
-            </a:r>
-            <a:r>
-              <a:rPr lang="en-US" altLang="zh-CN" dirty="0" smtClean="0"/>
-              <a:t>Adding</a:t>
-            </a:r>
-            <a:r>
-              <a:rPr lang="zh-CN" altLang="en-US" dirty="0" smtClean="0"/>
-              <a:t> </a:t>
-            </a:r>
-            <a:r>
-              <a:rPr lang="en-US" altLang="zh-CN" dirty="0" smtClean="0"/>
-              <a:t>an</a:t>
-            </a:r>
-            <a:r>
-              <a:rPr lang="zh-CN" altLang="en-US" dirty="0" smtClean="0"/>
-              <a:t> </a:t>
-            </a:r>
-            <a:r>
-              <a:rPr lang="en-US" altLang="zh-CN" dirty="0" smtClean="0"/>
-              <a:t>login</a:t>
-            </a:r>
-            <a:r>
-              <a:rPr lang="zh-CN" altLang="en-US" dirty="0" smtClean="0"/>
-              <a:t> </a:t>
-            </a:r>
-            <a:r>
-              <a:rPr lang="en-US" altLang="zh-CN" dirty="0" smtClean="0"/>
-              <a:t>page</a:t>
-            </a:r>
-            <a:r>
-              <a:rPr lang="en-US" dirty="0" smtClean="0"/>
-              <a:t>	</a:t>
-            </a:r>
-          </a:p>
-          <a:p>
-            <a:pPr lvl="1">
-              <a:lnSpc>
-                <a:spcPct val="120000"/>
-              </a:lnSpc>
-              <a:buFont typeface="Wingdings" panose="05000000000000000000" pitchFamily="2" charset="2"/>
-              <a:buChar char="§"/>
-            </a:pPr>
-            <a:r>
-              <a:rPr lang="en-US" altLang="zh-CN" dirty="0" smtClean="0"/>
-              <a:t>Making</a:t>
-            </a:r>
-            <a:r>
-              <a:rPr lang="zh-CN" altLang="en-US" dirty="0" smtClean="0"/>
-              <a:t> </a:t>
-            </a:r>
-            <a:r>
-              <a:rPr lang="en-US" altLang="zh-CN" dirty="0" smtClean="0"/>
-              <a:t>it</a:t>
-            </a:r>
-            <a:r>
-              <a:rPr lang="zh-CN" altLang="en-US" dirty="0" smtClean="0"/>
-              <a:t> </a:t>
-            </a:r>
-            <a:r>
-              <a:rPr lang="en-US" altLang="zh-CN" dirty="0" smtClean="0"/>
-              <a:t>more</a:t>
-            </a:r>
-            <a:r>
-              <a:rPr lang="zh-CN" altLang="en-US" dirty="0" smtClean="0"/>
-              <a:t> </a:t>
-            </a:r>
-            <a:r>
-              <a:rPr lang="en-US" altLang="zh-CN" dirty="0" smtClean="0"/>
-              <a:t>smart</a:t>
-            </a:r>
-            <a:r>
-              <a:rPr lang="zh-CN" altLang="en-US" dirty="0" smtClean="0"/>
-              <a:t> </a:t>
-            </a:r>
-            <a:r>
-              <a:rPr lang="en-US" altLang="zh-CN" dirty="0" smtClean="0"/>
-              <a:t>phone</a:t>
-            </a:r>
-            <a:r>
-              <a:rPr lang="zh-CN" altLang="en-US" dirty="0" smtClean="0"/>
-              <a:t> </a:t>
-            </a:r>
-            <a:r>
-              <a:rPr lang="en-US" altLang="zh-CN" dirty="0" smtClean="0"/>
-              <a:t>friendly</a:t>
-            </a:r>
-            <a:r>
-              <a:rPr lang="en-US" dirty="0" smtClean="0"/>
-              <a:t>:</a:t>
-            </a:r>
-          </a:p>
-          <a:p>
-            <a:pPr marL="349250" lvl="1" indent="0">
-              <a:lnSpc>
-                <a:spcPct val="120000"/>
-              </a:lnSpc>
-              <a:buNone/>
-            </a:pPr>
-            <a:r>
-              <a:rPr lang="en-US" dirty="0" smtClean="0"/>
-              <a:t>	</a:t>
-            </a:r>
-            <a:r>
-              <a:rPr lang="en-US" sz="1900" smtClean="0"/>
-              <a:t>- </a:t>
-            </a:r>
-            <a:r>
-              <a:rPr lang="en-US" altLang="zh-CN" sz="1900" smtClean="0"/>
-              <a:t>Mobile</a:t>
-            </a:r>
-            <a:r>
-              <a:rPr lang="zh-CN" altLang="en-US" sz="1900" dirty="0" smtClean="0"/>
-              <a:t> </a:t>
-            </a:r>
-            <a:r>
-              <a:rPr lang="en-US" altLang="zh-CN" sz="1900" dirty="0" smtClean="0"/>
-              <a:t>App</a:t>
-            </a:r>
-            <a:r>
-              <a:rPr lang="zh-CN" altLang="en-US" sz="1900" dirty="0" smtClean="0"/>
-              <a:t> </a:t>
-            </a:r>
-            <a:endParaRPr lang="en-US" dirty="0" smtClean="0"/>
-          </a:p>
-          <a:p>
-            <a:pPr marL="0" indent="0">
-              <a:buNone/>
-            </a:pPr>
-            <a:endParaRPr lang="en-US" dirty="0" smtClean="0"/>
-          </a:p>
-          <a:p>
-            <a:endParaRPr lang="en-US" dirty="0" smtClean="0"/>
-          </a:p>
-          <a:p>
-            <a:endParaRPr lang="en-US" dirty="0"/>
-          </a:p>
-        </p:txBody>
-      </p:sp>
-    </p:spTree>
-    <p:extLst>
-      <p:ext uri="{BB962C8B-B14F-4D97-AF65-F5344CB8AC3E}">
-        <p14:creationId xmlns:p14="http://schemas.microsoft.com/office/powerpoint/2010/main" xmlns="" val="3507747442"/>
-      </p:ext>
-    </p:extLst>
-  </p:cSld>
-  <p:clrMapOvr>
-    <a:masterClrMapping/>
-  </p:clrMapOvr>
-  <p:timing>
-    <p:tnLst>
-      <p:par>
-        <p:cTn id="1" dur="indefinite" restart="never" nodeType="tmRoot"/>
-      </p:par>
-    </p:tnLst>
-  </p:timing>
-</p:sld>
-</file>
-
-<file path=ppt/slides/slide6.xml><?xml version="1.0" encoding="utf-8"?>
-<p:sld xmlns:a="http://schemas.openxmlformats.org/drawingml/2006/main" xmlns:r="http://schemas.openxmlformats.org/officeDocument/2006/relationships" xmlns:p="http://schemas.openxmlformats.org/presentationml/2006/main">
-  <p:cSld>
-    <p:spTree>
-      <p:nvGrpSpPr>
-        <p:cNvPr id="1" name=""/>
-        <p:cNvGrpSpPr/>
-        <p:nvPr/>
-      </p:nvGrpSpPr>
-      <p:grpSpPr>
-        <a:xfrm>
-          <a:off x="0" y="0"/>
-          <a:ext cx="0" cy="0"/>
-          <a:chOff x="0" y="0"/>
-          <a:chExt cx="0" cy="0"/>
-        </a:xfrm>
-      </p:grpSpPr>
-      <p:sp>
-        <p:nvSpPr>
-          <p:cNvPr id="2" name="Title 1"/>
-          <p:cNvSpPr>
-            <a:spLocks noGrp="1"/>
-          </p:cNvSpPr>
-          <p:nvPr>
-            <p:ph type="title"/>
-          </p:nvPr>
-        </p:nvSpPr>
         <p:spPr>
           <a:xfrm>
             <a:off x="2371054" y="2845540"/>
@@ -10882,7 +8285,7 @@
     </p:spTree>
     <p:extLst>
       <p:ext uri="{BB962C8B-B14F-4D97-AF65-F5344CB8AC3E}">
-        <p14:creationId xmlns="" xmlns:p14="http://schemas.microsoft.com/office/powerpoint/2010/main" val="3804175495"/>
+        <p14:creationId xmlns:p14="http://schemas.microsoft.com/office/powerpoint/2010/main" val="3804175495"/>
       </p:ext>
     </p:extLst>
   </p:cSld>
@@ -11386,7 +8789,7 @@
   <a:extraClrSchemeLst/>
   <a:extLst>
     <a:ext uri="{05A4C25C-085E-4340-85A3-A5531E510DB2}">
-      <thm15:themeFamily xmlns="" xmlns:thm15="http://schemas.microsoft.com/office/thememl/2012/main" name="Office Theme" id="{62F939B6-93AF-4DB8-9C6B-D6C7DFDC589F}" vid="{4A3C46E8-61CC-4603-A589-7422A47A8E4A}"/>
+      <thm15:themeFamily xmlns:thm15="http://schemas.microsoft.com/office/thememl/2012/main" name="Office Theme" id="{62F939B6-93AF-4DB8-9C6B-D6C7DFDC589F}" vid="{4A3C46E8-61CC-4603-A589-7422A47A8E4A}"/>
     </a:ext>
   </a:extLst>
 </a:theme>

--- a/challenge#3/Challenge3_Group4.pptx
+++ b/challenge#3/Challenge3_Group4.pptx
@@ -113,7 +113,7 @@
   </p:defaultTextStyle>
   <p:extLst>
     <p:ext uri="{EFAFB233-063F-42B5-8137-9DF3F51BA10A}">
-      <p15:sldGuideLst xmlns:p15="http://schemas.microsoft.com/office/powerpoint/2012/main">
+      <p15:sldGuideLst xmlns:p15="http://schemas.microsoft.com/office/powerpoint/2012/main" xmlns="">
         <p15:guide id="1" orient="horz" pos="2160">
           <p15:clr>
             <a:srgbClr val="A4A3A4"/>
@@ -213,7 +213,7 @@
             <a:fld id="{7C192746-61B6-4906-A888-BD859954706E}" type="datetimeFigureOut">
               <a:rPr lang="en-US" smtClean="0"/>
               <a:pPr/>
-              <a:t>10/14/2015</a:t>
+              <a:t>10/15/15</a:t>
             </a:fld>
             <a:endParaRPr lang="en-US"/>
           </a:p>
@@ -854,7 +854,7 @@
             <a:fld id="{B1115196-1C6F-4784-83AC-30756D8F10B3}" type="datetimeFigureOut">
               <a:rPr lang="en-US" smtClean="0"/>
               <a:pPr/>
-              <a:t>10/14/2015</a:t>
+              <a:t>10/15/15</a:t>
             </a:fld>
             <a:endParaRPr lang="en-US"/>
           </a:p>
@@ -1284,7 +1284,7 @@
             <a:fld id="{B1115196-1C6F-4784-83AC-30756D8F10B3}" type="datetimeFigureOut">
               <a:rPr lang="en-US" smtClean="0"/>
               <a:pPr/>
-              <a:t>10/14/2015</a:t>
+              <a:t>10/15/15</a:t>
             </a:fld>
             <a:endParaRPr lang="en-US"/>
           </a:p>
@@ -1491,7 +1491,7 @@
             <a:fld id="{B1115196-1C6F-4784-83AC-30756D8F10B3}" type="datetimeFigureOut">
               <a:rPr lang="en-US" smtClean="0"/>
               <a:pPr/>
-              <a:t>10/14/2015</a:t>
+              <a:t>10/15/15</a:t>
             </a:fld>
             <a:endParaRPr lang="en-US"/>
           </a:p>
@@ -1764,7 +1764,7 @@
             <a:fld id="{B1115196-1C6F-4784-83AC-30756D8F10B3}" type="datetimeFigureOut">
               <a:rPr lang="en-US" smtClean="0"/>
               <a:pPr/>
-              <a:t>10/14/2015</a:t>
+              <a:t>10/15/15</a:t>
             </a:fld>
             <a:endParaRPr lang="en-US"/>
           </a:p>
@@ -2047,7 +2047,7 @@
             <a:fld id="{B1115196-1C6F-4784-83AC-30756D8F10B3}" type="datetimeFigureOut">
               <a:rPr lang="en-US" smtClean="0"/>
               <a:pPr/>
-              <a:t>10/14/2015</a:t>
+              <a:t>10/15/15</a:t>
             </a:fld>
             <a:endParaRPr lang="en-US"/>
           </a:p>
@@ -2284,7 +2284,7 @@
             <a:fld id="{B1115196-1C6F-4784-83AC-30756D8F10B3}" type="datetimeFigureOut">
               <a:rPr lang="en-US" smtClean="0"/>
               <a:pPr/>
-              <a:t>10/14/2015</a:t>
+              <a:t>10/15/15</a:t>
             </a:fld>
             <a:endParaRPr lang="en-US"/>
           </a:p>
@@ -2567,7 +2567,7 @@
             <a:fld id="{B1115196-1C6F-4784-83AC-30756D8F10B3}" type="datetimeFigureOut">
               <a:rPr lang="en-US" smtClean="0"/>
               <a:pPr/>
-              <a:t>10/14/2015</a:t>
+              <a:t>10/15/15</a:t>
             </a:fld>
             <a:endParaRPr lang="en-US"/>
           </a:p>
@@ -2996,7 +2996,7 @@
             <a:fld id="{B1115196-1C6F-4784-83AC-30756D8F10B3}" type="datetimeFigureOut">
               <a:rPr lang="en-US" smtClean="0"/>
               <a:pPr/>
-              <a:t>10/14/2015</a:t>
+              <a:t>10/15/15</a:t>
             </a:fld>
             <a:endParaRPr lang="en-US"/>
           </a:p>
@@ -3520,7 +3520,7 @@
             <a:fld id="{B1115196-1C6F-4784-83AC-30756D8F10B3}" type="datetimeFigureOut">
               <a:rPr lang="en-US" smtClean="0"/>
               <a:pPr/>
-              <a:t>10/14/2015</a:t>
+              <a:t>10/15/15</a:t>
             </a:fld>
             <a:endParaRPr lang="en-US"/>
           </a:p>
@@ -3883,7 +3883,7 @@
             <a:fld id="{B1115196-1C6F-4784-83AC-30756D8F10B3}" type="datetimeFigureOut">
               <a:rPr lang="en-US" smtClean="0"/>
               <a:pPr/>
-              <a:t>10/14/2015</a:t>
+              <a:t>10/15/15</a:t>
             </a:fld>
             <a:endParaRPr lang="en-US"/>
           </a:p>
@@ -4441,7 +4441,7 @@
             <a:fld id="{B1115196-1C6F-4784-83AC-30756D8F10B3}" type="datetimeFigureOut">
               <a:rPr lang="en-US" smtClean="0"/>
               <a:pPr/>
-              <a:t>10/14/2015</a:t>
+              <a:t>10/15/15</a:t>
             </a:fld>
             <a:endParaRPr lang="en-US"/>
           </a:p>
@@ -4668,7 +4668,7 @@
             <a:fld id="{B1115196-1C6F-4784-83AC-30756D8F10B3}" type="datetimeFigureOut">
               <a:rPr lang="en-US" smtClean="0"/>
               <a:pPr/>
-              <a:t>10/14/2015</a:t>
+              <a:t>10/15/15</a:t>
             </a:fld>
             <a:endParaRPr lang="en-US"/>
           </a:p>
@@ -4816,7 +4816,7 @@
             <a:fld id="{B1115196-1C6F-4784-83AC-30756D8F10B3}" type="datetimeFigureOut">
               <a:rPr lang="en-US" smtClean="0"/>
               <a:pPr/>
-              <a:t>10/14/2015</a:t>
+              <a:t>10/15/15</a:t>
             </a:fld>
             <a:endParaRPr lang="en-US"/>
           </a:p>
@@ -5283,7 +5283,7 @@
             <a:fld id="{B1115196-1C6F-4784-83AC-30756D8F10B3}" type="datetimeFigureOut">
               <a:rPr lang="en-US" smtClean="0"/>
               <a:pPr/>
-              <a:t>10/14/2015</a:t>
+              <a:t>10/15/15</a:t>
             </a:fld>
             <a:endParaRPr lang="en-US"/>
           </a:p>
@@ -5507,7 +5507,7 @@
             <a:fld id="{B1115196-1C6F-4784-83AC-30756D8F10B3}" type="datetimeFigureOut">
               <a:rPr lang="en-US" smtClean="0"/>
               <a:pPr/>
-              <a:t>10/14/2015</a:t>
+              <a:t>10/15/15</a:t>
             </a:fld>
             <a:endParaRPr lang="en-US"/>
           </a:p>
@@ -5979,50 +5979,18 @@
                   </a:outerShdw>
                 </a:effectLst>
               </a:rPr>
-              <a:t>Challenge 3</a:t>
-            </a:r>
-            <a:r>
-              <a:rPr lang="en-US" sz="2800" b="1" dirty="0" smtClean="0">
-                <a:effectLst>
-                  <a:outerShdw blurRad="38100" dist="38100" dir="2700000" algn="tl">
-                    <a:srgbClr val="000000">
-                      <a:alpha val="43137"/>
-                    </a:srgbClr>
-                  </a:outerShdw>
-                </a:effectLst>
-              </a:rPr>
-              <a:t>: </a:t>
+              <a:t>Challenge 3: </a:t>
             </a:r>
             <a:r>
               <a:rPr lang="en-IN" sz="2800" b="1" dirty="0" smtClean="0"/>
-              <a:t>Remote </a:t>
-            </a:r>
-            <a:r>
-              <a:rPr lang="en-IN" sz="2800" b="1" dirty="0" smtClean="0"/>
-              <a:t>Access </a:t>
-            </a:r>
-            <a:r>
-              <a:rPr lang="en-IN" sz="2800" b="1" dirty="0" smtClean="0"/>
-              <a:t>to </a:t>
-            </a:r>
-            <a:r>
-              <a:rPr lang="en-IN" sz="2800" b="1" dirty="0" smtClean="0"/>
-              <a:t>a </a:t>
-            </a:r>
-            <a:r>
-              <a:rPr lang="en-IN" sz="2800" b="1" dirty="0" smtClean="0"/>
-              <a:t/>
+              <a:t>Remote Access to a </a:t>
             </a:r>
             <a:br>
               <a:rPr lang="en-IN" sz="2800" b="1" dirty="0" smtClean="0"/>
             </a:br>
             <a:r>
               <a:rPr lang="en-IN" sz="2800" b="1" dirty="0" smtClean="0"/>
-              <a:t>Wireless </a:t>
-            </a:r>
-            <a:r>
-              <a:rPr lang="en-IN" sz="2800" b="1" dirty="0" smtClean="0"/>
-              <a:t>Sensor Network</a:t>
+              <a:t>Wireless Sensor Network</a:t>
             </a:r>
             <a:r>
               <a:rPr lang="en-US" sz="3200" b="1" dirty="0" smtClean="0">
@@ -6238,7 +6206,7 @@
   <p:timing>
     <p:tnLst>
       <p:par>
-        <p:cTn id="1" dur="indefinite" restart="never" nodeType="tmRoot"/>
+        <p:cTn xmlns:p14="http://schemas.microsoft.com/office/powerpoint/2010/main" id="1" dur="indefinite" restart="never" nodeType="tmRoot"/>
       </p:par>
     </p:tnLst>
   </p:timing>
@@ -6465,33 +6433,7 @@
                 <a:ea typeface="+mj-ea"/>
                 <a:cs typeface="+mj-cs"/>
               </a:rPr>
-              <a:t>Solution </a:t>
-            </a:r>
-            <a:r>
-              <a:rPr kumimoji="0" lang="en-US" sz="4000" b="1" i="0" u="none" strike="noStrike" kern="1200" cap="none" spc="0" normalizeH="0" baseline="0" noProof="0" dirty="0" smtClean="0">
-                <a:ln>
-                  <a:noFill/>
-                </a:ln>
-                <a:solidFill>
-                  <a:schemeClr val="tx1">
-                    <a:lumMod val="90000"/>
-                    <a:lumOff val="10000"/>
-                  </a:schemeClr>
-                </a:solidFill>
-                <a:effectLst>
-                  <a:outerShdw blurRad="38100" dist="38100" dir="2700000" algn="tl">
-                    <a:srgbClr val="000000">
-                      <a:alpha val="43137"/>
-                    </a:srgbClr>
-                  </a:outerShdw>
-                </a:effectLst>
-                <a:uLnTx/>
-                <a:uFillTx/>
-                <a:latin typeface="+mj-lt"/>
-                <a:ea typeface="+mj-ea"/>
-                <a:cs typeface="+mj-cs"/>
-              </a:rPr>
-              <a:t>Architecture – External</a:t>
+              <a:t>Solution Architecture – External</a:t>
             </a:r>
             <a:r>
               <a:rPr kumimoji="0" lang="en-US" sz="4000" b="1" i="0" u="none" strike="noStrike" kern="1200" cap="none" spc="0" normalizeH="0" noProof="0" dirty="0" smtClean="0">
@@ -6750,13 +6692,8 @@
           <a:p>
             <a:r>
               <a:rPr lang="en-IN" dirty="0" smtClean="0"/>
-              <a:t>Control </a:t>
-            </a:r>
-            <a:r>
-              <a:rPr lang="en-IN" dirty="0" smtClean="0"/>
-              <a:t>Code</a:t>
-            </a:r>
-            <a:endParaRPr lang="en-IN" dirty="0" smtClean="0"/>
+              <a:t>Control Code</a:t>
+            </a:r>
           </a:p>
         </p:txBody>
       </p:sp>
@@ -7287,7 +7224,7 @@
   <p:timing>
     <p:tnLst>
       <p:par>
-        <p:cTn id="1" dur="indefinite" restart="never" nodeType="tmRoot"/>
+        <p:cTn xmlns:p14="http://schemas.microsoft.com/office/powerpoint/2010/main" id="1" dur="indefinite" restart="never" nodeType="tmRoot"/>
       </p:par>
     </p:tnLst>
   </p:timing>
@@ -7644,11 +7581,7 @@
           <a:p>
             <a:r>
               <a:rPr lang="en-US" altLang="zh-CN" b="1" dirty="0" smtClean="0"/>
-              <a:t>Remote </a:t>
-            </a:r>
-            <a:r>
-              <a:rPr lang="en-US" altLang="zh-CN" b="1" dirty="0" smtClean="0"/>
-              <a:t>Access Method</a:t>
+              <a:t>Remote Access Method</a:t>
             </a:r>
             <a:r>
               <a:rPr lang="en-US" altLang="zh-CN" sz="2000" b="1" dirty="0" smtClean="0"/>
@@ -7688,11 +7621,7 @@
             </a:pPr>
             <a:r>
               <a:rPr lang="en-US" altLang="zh-CN" sz="2000" dirty="0" smtClean="0"/>
-              <a:t>Provides a d</a:t>
-            </a:r>
-            <a:r>
-              <a:rPr lang="en-US" altLang="zh-CN" sz="2000" dirty="0" smtClean="0"/>
-              <a:t>omain</a:t>
+              <a:t>Provides a domain</a:t>
             </a:r>
             <a:r>
               <a:rPr lang="zh-CN" altLang="en-US" sz="2000" dirty="0" smtClean="0"/>
@@ -7724,7 +7653,7 @@
             </a:r>
             <a:r>
               <a:rPr lang="en-US" altLang="zh-CN" sz="2000" dirty="0" smtClean="0"/>
-              <a:t>always</a:t>
+              <a:t>easily</a:t>
             </a:r>
             <a:r>
               <a:rPr lang="zh-CN" altLang="en-US" sz="2000" dirty="0" smtClean="0"/>
@@ -7765,7 +7694,6 @@
               <a:rPr lang="en-US" altLang="zh-CN" sz="2000" dirty="0" smtClean="0"/>
               <a:t>configure</a:t>
             </a:r>
-            <a:endParaRPr lang="en-US" altLang="zh-CN" sz="2000" dirty="0" smtClean="0"/>
           </a:p>
         </p:txBody>
       </p:sp>
@@ -7782,7 +7710,7 @@
   <p:timing>
     <p:tnLst>
       <p:par>
-        <p:cTn id="1" dur="indefinite" restart="never" nodeType="tmRoot"/>
+        <p:cTn xmlns:p14="http://schemas.microsoft.com/office/powerpoint/2010/main" id="1" dur="indefinite" restart="never" nodeType="tmRoot"/>
       </p:par>
     </p:tnLst>
   </p:timing>
@@ -7895,11 +7823,7 @@
             </a:pPr>
             <a:r>
               <a:rPr lang="en-US" altLang="zh-CN" dirty="0" smtClean="0"/>
-              <a:t>S</a:t>
-            </a:r>
-            <a:r>
-              <a:rPr lang="en-US" altLang="zh-CN" dirty="0" smtClean="0"/>
-              <a:t>etting up the</a:t>
+              <a:t>Setting up the</a:t>
             </a:r>
             <a:r>
               <a:rPr lang="zh-CN" altLang="en-US" dirty="0" smtClean="0"/>
@@ -7976,7 +7900,6 @@
               <a:rPr lang="en-US" altLang="zh-CN" dirty="0" smtClean="0"/>
               <a:t>emote access</a:t>
             </a:r>
-            <a:endParaRPr lang="en-US" altLang="zh-CN" dirty="0" smtClean="0"/>
           </a:p>
           <a:p>
             <a:pPr>
@@ -7994,19 +7917,7 @@
                   </a:outerShdw>
                 </a:effectLst>
               </a:rPr>
-              <a:t>Future </a:t>
-            </a:r>
-            <a:r>
-              <a:rPr lang="en-US" b="1" dirty="0" smtClean="0">
-                <a:effectLst>
-                  <a:outerShdw blurRad="38100" dist="38100" dir="2700000" algn="tl">
-                    <a:srgbClr val="000000">
-                      <a:alpha val="43137"/>
-                    </a:srgbClr>
-                  </a:outerShdw>
-                </a:effectLst>
-              </a:rPr>
-              <a:t>Improvements:</a:t>
+              <a:t>Future Improvements:</a:t>
             </a:r>
             <a:endParaRPr lang="en-US" dirty="0" smtClean="0"/>
           </a:p>
@@ -8056,11 +7967,7 @@
             </a:r>
             <a:r>
               <a:rPr lang="en-US" dirty="0" smtClean="0"/>
-              <a:t>- </a:t>
-            </a:r>
-            <a:r>
-              <a:rPr lang="en-US" dirty="0" smtClean="0"/>
-              <a:t>asking for </a:t>
+              <a:t>- asking for </a:t>
             </a:r>
             <a:r>
               <a:rPr lang="en-US" altLang="zh-CN" dirty="0" smtClean="0"/>
@@ -8196,7 +8103,7 @@
   <p:timing>
     <p:tnLst>
       <p:par>
-        <p:cTn id="1" dur="indefinite" restart="never" nodeType="tmRoot"/>
+        <p:cTn xmlns:p14="http://schemas.microsoft.com/office/powerpoint/2010/main" id="1" dur="indefinite" restart="never" nodeType="tmRoot"/>
       </p:par>
     </p:tnLst>
   </p:timing>
@@ -8295,7 +8202,7 @@
   <p:timing>
     <p:tnLst>
       <p:par>
-        <p:cTn id="1" dur="indefinite" restart="never" nodeType="tmRoot"/>
+        <p:cTn xmlns:p14="http://schemas.microsoft.com/office/powerpoint/2010/main" id="1" dur="indefinite" restart="never" nodeType="tmRoot"/>
       </p:par>
     </p:tnLst>
   </p:timing>
@@ -8789,7 +8696,7 @@
   <a:extraClrSchemeLst/>
   <a:extLst>
     <a:ext uri="{05A4C25C-085E-4340-85A3-A5531E510DB2}">
-      <thm15:themeFamily xmlns:thm15="http://schemas.microsoft.com/office/thememl/2012/main" name="Office Theme" id="{62F939B6-93AF-4DB8-9C6B-D6C7DFDC589F}" vid="{4A3C46E8-61CC-4603-A589-7422A47A8E4A}"/>
+      <thm15:themeFamily xmlns:thm15="http://schemas.microsoft.com/office/thememl/2012/main" xmlns="" name="Office Theme" id="{62F939B6-93AF-4DB8-9C6B-D6C7DFDC589F}" vid="{4A3C46E8-61CC-4603-A589-7422A47A8E4A}"/>
     </a:ext>
   </a:extLst>
 </a:theme>
